--- a/result/非典型工作.pptx
+++ b/result/非典型工作.pptx
@@ -4,14 +4,25 @@
   <p:sldMasterIdLst>
     <p:sldMasterId id="2147483648" r:id="rId1"/>
   </p:sldMasterIdLst>
+  <p:notesMasterIdLst>
+    <p:notesMasterId r:id="rId17"/>
+  </p:notesMasterIdLst>
   <p:sldIdLst>
     <p:sldId id="256" r:id="rId2"/>
-    <p:sldId id="257" r:id="rId3"/>
-    <p:sldId id="258" r:id="rId4"/>
-    <p:sldId id="259" r:id="rId5"/>
-    <p:sldId id="260" r:id="rId6"/>
-    <p:sldId id="261" r:id="rId7"/>
-    <p:sldId id="262" r:id="rId8"/>
+    <p:sldId id="263" r:id="rId3"/>
+    <p:sldId id="264" r:id="rId4"/>
+    <p:sldId id="257" r:id="rId5"/>
+    <p:sldId id="258" r:id="rId6"/>
+    <p:sldId id="259" r:id="rId7"/>
+    <p:sldId id="260" r:id="rId8"/>
+    <p:sldId id="261" r:id="rId9"/>
+    <p:sldId id="262" r:id="rId10"/>
+    <p:sldId id="267" r:id="rId11"/>
+    <p:sldId id="266" r:id="rId12"/>
+    <p:sldId id="268" r:id="rId13"/>
+    <p:sldId id="269" r:id="rId14"/>
+    <p:sldId id="270" r:id="rId15"/>
+    <p:sldId id="271" r:id="rId16"/>
   </p:sldIdLst>
   <p:sldSz cx="12192000" cy="6858000"/>
   <p:notesSz cx="6858000" cy="9144000"/>
@@ -110,7 +121,362 @@
       </a:defRPr>
     </a:lvl9pPr>
   </p:defaultTextStyle>
+  <p:extLst>
+    <p:ext uri="{EFAFB233-063F-42B5-8137-9DF3F51BA10A}">
+      <p15:sldGuideLst xmlns:p15="http://schemas.microsoft.com/office/powerpoint/2012/main"/>
+    </p:ext>
+  </p:extLst>
 </p:presentation>
+</file>
+
+<file path=ppt/notesMasters/notesMaster1.xml><?xml version="1.0" encoding="utf-8"?>
+<p:notesMaster xmlns:a="http://schemas.openxmlformats.org/drawingml/2006/main" xmlns:r="http://schemas.openxmlformats.org/officeDocument/2006/relationships" xmlns:p="http://schemas.openxmlformats.org/presentationml/2006/main">
+  <p:cSld>
+    <p:bg>
+      <p:bgRef idx="1001">
+        <a:schemeClr val="bg1"/>
+      </p:bgRef>
+    </p:bg>
+    <p:spTree>
+      <p:nvGrpSpPr>
+        <p:cNvPr id="1" name=""/>
+        <p:cNvGrpSpPr/>
+        <p:nvPr/>
+      </p:nvGrpSpPr>
+      <p:grpSpPr>
+        <a:xfrm>
+          <a:off x="0" y="0"/>
+          <a:ext cx="0" cy="0"/>
+          <a:chOff x="0" y="0"/>
+          <a:chExt cx="0" cy="0"/>
+        </a:xfrm>
+      </p:grpSpPr>
+      <p:sp>
+        <p:nvSpPr>
+          <p:cNvPr id="2" name="頁首版面配置區 1"/>
+          <p:cNvSpPr>
+            <a:spLocks noGrp="1"/>
+          </p:cNvSpPr>
+          <p:nvPr>
+            <p:ph type="hdr" sz="quarter"/>
+          </p:nvPr>
+        </p:nvSpPr>
+        <p:spPr>
+          <a:xfrm>
+            <a:off x="0" y="0"/>
+            <a:ext cx="2971800" cy="458788"/>
+          </a:xfrm>
+          <a:prstGeom prst="rect">
+            <a:avLst/>
+          </a:prstGeom>
+        </p:spPr>
+        <p:txBody>
+          <a:bodyPr vert="horz" lIns="91440" tIns="45720" rIns="91440" bIns="45720" rtlCol="0"/>
+          <a:lstStyle>
+            <a:lvl1pPr algn="l">
+              <a:defRPr sz="1200"/>
+            </a:lvl1pPr>
+          </a:lstStyle>
+          <a:p>
+            <a:endParaRPr kumimoji="1" lang="zh-TW" altLang="en-US"/>
+          </a:p>
+        </p:txBody>
+      </p:sp>
+      <p:sp>
+        <p:nvSpPr>
+          <p:cNvPr id="3" name="日期版面配置區 2"/>
+          <p:cNvSpPr>
+            <a:spLocks noGrp="1"/>
+          </p:cNvSpPr>
+          <p:nvPr>
+            <p:ph type="dt" idx="1"/>
+          </p:nvPr>
+        </p:nvSpPr>
+        <p:spPr>
+          <a:xfrm>
+            <a:off x="3884613" y="0"/>
+            <a:ext cx="2971800" cy="458788"/>
+          </a:xfrm>
+          <a:prstGeom prst="rect">
+            <a:avLst/>
+          </a:prstGeom>
+        </p:spPr>
+        <p:txBody>
+          <a:bodyPr vert="horz" lIns="91440" tIns="45720" rIns="91440" bIns="45720" rtlCol="0"/>
+          <a:lstStyle>
+            <a:lvl1pPr algn="r">
+              <a:defRPr sz="1200"/>
+            </a:lvl1pPr>
+          </a:lstStyle>
+          <a:p>
+            <a:fld id="{F627D4F9-BA9A-F04D-B131-CADE21F37372}" type="datetimeFigureOut">
+              <a:rPr kumimoji="1" lang="zh-TW" altLang="en-US" smtClean="0"/>
+              <a:t>2018/8/10</a:t>
+            </a:fld>
+            <a:endParaRPr kumimoji="1" lang="zh-TW" altLang="en-US"/>
+          </a:p>
+        </p:txBody>
+      </p:sp>
+      <p:sp>
+        <p:nvSpPr>
+          <p:cNvPr id="4" name="投影片影像版面配置區 3"/>
+          <p:cNvSpPr>
+            <a:spLocks noGrp="1" noRot="1" noChangeAspect="1"/>
+          </p:cNvSpPr>
+          <p:nvPr>
+            <p:ph type="sldImg" idx="2"/>
+          </p:nvPr>
+        </p:nvSpPr>
+        <p:spPr>
+          <a:xfrm>
+            <a:off x="685800" y="1143000"/>
+            <a:ext cx="5486400" cy="3086100"/>
+          </a:xfrm>
+          <a:prstGeom prst="rect">
+            <a:avLst/>
+          </a:prstGeom>
+          <a:noFill/>
+          <a:ln w="12700">
+            <a:solidFill>
+              <a:prstClr val="black"/>
+            </a:solidFill>
+          </a:ln>
+        </p:spPr>
+        <p:txBody>
+          <a:bodyPr vert="horz" lIns="91440" tIns="45720" rIns="91440" bIns="45720" rtlCol="0" anchor="ctr"/>
+          <a:lstStyle/>
+          <a:p>
+            <a:endParaRPr lang="zh-TW" altLang="en-US"/>
+          </a:p>
+        </p:txBody>
+      </p:sp>
+      <p:sp>
+        <p:nvSpPr>
+          <p:cNvPr id="5" name="備忘稿版面配置區 4"/>
+          <p:cNvSpPr>
+            <a:spLocks noGrp="1"/>
+          </p:cNvSpPr>
+          <p:nvPr>
+            <p:ph type="body" sz="quarter" idx="3"/>
+          </p:nvPr>
+        </p:nvSpPr>
+        <p:spPr>
+          <a:xfrm>
+            <a:off x="685800" y="4400550"/>
+            <a:ext cx="5486400" cy="3600450"/>
+          </a:xfrm>
+          <a:prstGeom prst="rect">
+            <a:avLst/>
+          </a:prstGeom>
+        </p:spPr>
+        <p:txBody>
+          <a:bodyPr vert="horz" lIns="91440" tIns="45720" rIns="91440" bIns="45720" rtlCol="0"/>
+          <a:lstStyle/>
+          <a:p>
+            <a:pPr lvl="0"/>
+            <a:r>
+              <a:rPr kumimoji="1" lang="zh-TW" altLang="en-US" smtClean="0"/>
+              <a:t>按一下以編輯母片文字樣式</a:t>
+            </a:r>
+          </a:p>
+          <a:p>
+            <a:pPr lvl="1"/>
+            <a:r>
+              <a:rPr kumimoji="1" lang="zh-TW" altLang="en-US" smtClean="0"/>
+              <a:t>第二層</a:t>
+            </a:r>
+          </a:p>
+          <a:p>
+            <a:pPr lvl="2"/>
+            <a:r>
+              <a:rPr kumimoji="1" lang="zh-TW" altLang="en-US" smtClean="0"/>
+              <a:t>第三層</a:t>
+            </a:r>
+          </a:p>
+          <a:p>
+            <a:pPr lvl="3"/>
+            <a:r>
+              <a:rPr kumimoji="1" lang="zh-TW" altLang="en-US" smtClean="0"/>
+              <a:t>第四層</a:t>
+            </a:r>
+          </a:p>
+          <a:p>
+            <a:pPr lvl="4"/>
+            <a:r>
+              <a:rPr kumimoji="1" lang="zh-TW" altLang="en-US" smtClean="0"/>
+              <a:t>第五層</a:t>
+            </a:r>
+            <a:endParaRPr kumimoji="1" lang="zh-TW" altLang="en-US"/>
+          </a:p>
+        </p:txBody>
+      </p:sp>
+      <p:sp>
+        <p:nvSpPr>
+          <p:cNvPr id="6" name="頁尾版面配置區 5"/>
+          <p:cNvSpPr>
+            <a:spLocks noGrp="1"/>
+          </p:cNvSpPr>
+          <p:nvPr>
+            <p:ph type="ftr" sz="quarter" idx="4"/>
+          </p:nvPr>
+        </p:nvSpPr>
+        <p:spPr>
+          <a:xfrm>
+            <a:off x="0" y="8685213"/>
+            <a:ext cx="2971800" cy="458787"/>
+          </a:xfrm>
+          <a:prstGeom prst="rect">
+            <a:avLst/>
+          </a:prstGeom>
+        </p:spPr>
+        <p:txBody>
+          <a:bodyPr vert="horz" lIns="91440" tIns="45720" rIns="91440" bIns="45720" rtlCol="0" anchor="b"/>
+          <a:lstStyle>
+            <a:lvl1pPr algn="l">
+              <a:defRPr sz="1200"/>
+            </a:lvl1pPr>
+          </a:lstStyle>
+          <a:p>
+            <a:endParaRPr kumimoji="1" lang="zh-TW" altLang="en-US"/>
+          </a:p>
+        </p:txBody>
+      </p:sp>
+      <p:sp>
+        <p:nvSpPr>
+          <p:cNvPr id="7" name="投影片編號版面配置區 6"/>
+          <p:cNvSpPr>
+            <a:spLocks noGrp="1"/>
+          </p:cNvSpPr>
+          <p:nvPr>
+            <p:ph type="sldNum" sz="quarter" idx="5"/>
+          </p:nvPr>
+        </p:nvSpPr>
+        <p:spPr>
+          <a:xfrm>
+            <a:off x="3884613" y="8685213"/>
+            <a:ext cx="2971800" cy="458787"/>
+          </a:xfrm>
+          <a:prstGeom prst="rect">
+            <a:avLst/>
+          </a:prstGeom>
+        </p:spPr>
+        <p:txBody>
+          <a:bodyPr vert="horz" lIns="91440" tIns="45720" rIns="91440" bIns="45720" rtlCol="0" anchor="b"/>
+          <a:lstStyle>
+            <a:lvl1pPr algn="r">
+              <a:defRPr sz="1200"/>
+            </a:lvl1pPr>
+          </a:lstStyle>
+          <a:p>
+            <a:fld id="{130F81EF-64BD-8F46-A976-E5B33BA25D42}" type="slidenum">
+              <a:rPr kumimoji="1" lang="zh-TW" altLang="en-US" smtClean="0"/>
+              <a:t>‹#›</a:t>
+            </a:fld>
+            <a:endParaRPr kumimoji="1" lang="zh-TW" altLang="en-US"/>
+          </a:p>
+        </p:txBody>
+      </p:sp>
+    </p:spTree>
+    <p:extLst>
+      <p:ext uri="{BB962C8B-B14F-4D97-AF65-F5344CB8AC3E}">
+        <p14:creationId xmlns:p14="http://schemas.microsoft.com/office/powerpoint/2010/main" val="1528753468"/>
+      </p:ext>
+    </p:extLst>
+  </p:cSld>
+  <p:clrMap bg1="lt1" tx1="dk1" bg2="lt2" tx2="dk2" accent1="accent1" accent2="accent2" accent3="accent3" accent4="accent4" accent5="accent5" accent6="accent6" hlink="hlink" folHlink="folHlink"/>
+  <p:notesStyle>
+    <a:lvl1pPr marL="0" algn="l" defTabSz="914400" rtl="0" eaLnBrk="1" latinLnBrk="0" hangingPunct="1">
+      <a:defRPr sz="1200" kern="1200">
+        <a:solidFill>
+          <a:schemeClr val="tx1"/>
+        </a:solidFill>
+        <a:latin typeface="+mn-lt"/>
+        <a:ea typeface="+mn-ea"/>
+        <a:cs typeface="+mn-cs"/>
+      </a:defRPr>
+    </a:lvl1pPr>
+    <a:lvl2pPr marL="457200" algn="l" defTabSz="914400" rtl="0" eaLnBrk="1" latinLnBrk="0" hangingPunct="1">
+      <a:defRPr sz="1200" kern="1200">
+        <a:solidFill>
+          <a:schemeClr val="tx1"/>
+        </a:solidFill>
+        <a:latin typeface="+mn-lt"/>
+        <a:ea typeface="+mn-ea"/>
+        <a:cs typeface="+mn-cs"/>
+      </a:defRPr>
+    </a:lvl2pPr>
+    <a:lvl3pPr marL="914400" algn="l" defTabSz="914400" rtl="0" eaLnBrk="1" latinLnBrk="0" hangingPunct="1">
+      <a:defRPr sz="1200" kern="1200">
+        <a:solidFill>
+          <a:schemeClr val="tx1"/>
+        </a:solidFill>
+        <a:latin typeface="+mn-lt"/>
+        <a:ea typeface="+mn-ea"/>
+        <a:cs typeface="+mn-cs"/>
+      </a:defRPr>
+    </a:lvl3pPr>
+    <a:lvl4pPr marL="1371600" algn="l" defTabSz="914400" rtl="0" eaLnBrk="1" latinLnBrk="0" hangingPunct="1">
+      <a:defRPr sz="1200" kern="1200">
+        <a:solidFill>
+          <a:schemeClr val="tx1"/>
+        </a:solidFill>
+        <a:latin typeface="+mn-lt"/>
+        <a:ea typeface="+mn-ea"/>
+        <a:cs typeface="+mn-cs"/>
+      </a:defRPr>
+    </a:lvl4pPr>
+    <a:lvl5pPr marL="1828800" algn="l" defTabSz="914400" rtl="0" eaLnBrk="1" latinLnBrk="0" hangingPunct="1">
+      <a:defRPr sz="1200" kern="1200">
+        <a:solidFill>
+          <a:schemeClr val="tx1"/>
+        </a:solidFill>
+        <a:latin typeface="+mn-lt"/>
+        <a:ea typeface="+mn-ea"/>
+        <a:cs typeface="+mn-cs"/>
+      </a:defRPr>
+    </a:lvl5pPr>
+    <a:lvl6pPr marL="2286000" algn="l" defTabSz="914400" rtl="0" eaLnBrk="1" latinLnBrk="0" hangingPunct="1">
+      <a:defRPr sz="1200" kern="1200">
+        <a:solidFill>
+          <a:schemeClr val="tx1"/>
+        </a:solidFill>
+        <a:latin typeface="+mn-lt"/>
+        <a:ea typeface="+mn-ea"/>
+        <a:cs typeface="+mn-cs"/>
+      </a:defRPr>
+    </a:lvl6pPr>
+    <a:lvl7pPr marL="2743200" algn="l" defTabSz="914400" rtl="0" eaLnBrk="1" latinLnBrk="0" hangingPunct="1">
+      <a:defRPr sz="1200" kern="1200">
+        <a:solidFill>
+          <a:schemeClr val="tx1"/>
+        </a:solidFill>
+        <a:latin typeface="+mn-lt"/>
+        <a:ea typeface="+mn-ea"/>
+        <a:cs typeface="+mn-cs"/>
+      </a:defRPr>
+    </a:lvl7pPr>
+    <a:lvl8pPr marL="3200400" algn="l" defTabSz="914400" rtl="0" eaLnBrk="1" latinLnBrk="0" hangingPunct="1">
+      <a:defRPr sz="1200" kern="1200">
+        <a:solidFill>
+          <a:schemeClr val="tx1"/>
+        </a:solidFill>
+        <a:latin typeface="+mn-lt"/>
+        <a:ea typeface="+mn-ea"/>
+        <a:cs typeface="+mn-cs"/>
+      </a:defRPr>
+    </a:lvl8pPr>
+    <a:lvl9pPr marL="3657600" algn="l" defTabSz="914400" rtl="0" eaLnBrk="1" latinLnBrk="0" hangingPunct="1">
+      <a:defRPr sz="1200" kern="1200">
+        <a:solidFill>
+          <a:schemeClr val="tx1"/>
+        </a:solidFill>
+        <a:latin typeface="+mn-lt"/>
+        <a:ea typeface="+mn-ea"/>
+        <a:cs typeface="+mn-cs"/>
+      </a:defRPr>
+    </a:lvl9pPr>
+  </p:notesStyle>
+</p:notesMaster>
 </file>
 
 <file path=ppt/slideLayouts/slideLayout1.xml><?xml version="1.0" encoding="utf-8"?>
@@ -244,7 +610,7 @@
           <a:p>
             <a:fld id="{9612A0D3-E8EC-8045-B78F-8C1D4D848ADC}" type="datetimeFigureOut">
               <a:rPr kumimoji="1" lang="zh-TW" altLang="en-US" smtClean="0"/>
-              <a:t>2018/8/7</a:t>
+              <a:t>2018/8/10</a:t>
             </a:fld>
             <a:endParaRPr kumimoji="1" lang="zh-TW" altLang="en-US"/>
           </a:p>
@@ -414,7 +780,7 @@
           <a:p>
             <a:fld id="{9612A0D3-E8EC-8045-B78F-8C1D4D848ADC}" type="datetimeFigureOut">
               <a:rPr kumimoji="1" lang="zh-TW" altLang="en-US" smtClean="0"/>
-              <a:t>2018/8/7</a:t>
+              <a:t>2018/8/10</a:t>
             </a:fld>
             <a:endParaRPr kumimoji="1" lang="zh-TW" altLang="en-US"/>
           </a:p>
@@ -594,7 +960,7 @@
           <a:p>
             <a:fld id="{9612A0D3-E8EC-8045-B78F-8C1D4D848ADC}" type="datetimeFigureOut">
               <a:rPr kumimoji="1" lang="zh-TW" altLang="en-US" smtClean="0"/>
-              <a:t>2018/8/7</a:t>
+              <a:t>2018/8/10</a:t>
             </a:fld>
             <a:endParaRPr kumimoji="1" lang="zh-TW" altLang="en-US"/>
           </a:p>
@@ -764,7 +1130,7 @@
           <a:p>
             <a:fld id="{9612A0D3-E8EC-8045-B78F-8C1D4D848ADC}" type="datetimeFigureOut">
               <a:rPr kumimoji="1" lang="zh-TW" altLang="en-US" smtClean="0"/>
-              <a:t>2018/8/7</a:t>
+              <a:t>2018/8/10</a:t>
             </a:fld>
             <a:endParaRPr kumimoji="1" lang="zh-TW" altLang="en-US"/>
           </a:p>
@@ -1010,7 +1376,7 @@
           <a:p>
             <a:fld id="{9612A0D3-E8EC-8045-B78F-8C1D4D848ADC}" type="datetimeFigureOut">
               <a:rPr kumimoji="1" lang="zh-TW" altLang="en-US" smtClean="0"/>
-              <a:t>2018/8/7</a:t>
+              <a:t>2018/8/10</a:t>
             </a:fld>
             <a:endParaRPr kumimoji="1" lang="zh-TW" altLang="en-US"/>
           </a:p>
@@ -1242,7 +1608,7 @@
           <a:p>
             <a:fld id="{9612A0D3-E8EC-8045-B78F-8C1D4D848ADC}" type="datetimeFigureOut">
               <a:rPr kumimoji="1" lang="zh-TW" altLang="en-US" smtClean="0"/>
-              <a:t>2018/8/7</a:t>
+              <a:t>2018/8/10</a:t>
             </a:fld>
             <a:endParaRPr kumimoji="1" lang="zh-TW" altLang="en-US"/>
           </a:p>
@@ -1609,7 +1975,7 @@
           <a:p>
             <a:fld id="{9612A0D3-E8EC-8045-B78F-8C1D4D848ADC}" type="datetimeFigureOut">
               <a:rPr kumimoji="1" lang="zh-TW" altLang="en-US" smtClean="0"/>
-              <a:t>2018/8/7</a:t>
+              <a:t>2018/8/10</a:t>
             </a:fld>
             <a:endParaRPr kumimoji="1" lang="zh-TW" altLang="en-US"/>
           </a:p>
@@ -1727,7 +2093,7 @@
           <a:p>
             <a:fld id="{9612A0D3-E8EC-8045-B78F-8C1D4D848ADC}" type="datetimeFigureOut">
               <a:rPr kumimoji="1" lang="zh-TW" altLang="en-US" smtClean="0"/>
-              <a:t>2018/8/7</a:t>
+              <a:t>2018/8/10</a:t>
             </a:fld>
             <a:endParaRPr kumimoji="1" lang="zh-TW" altLang="en-US"/>
           </a:p>
@@ -1822,7 +2188,7 @@
           <a:p>
             <a:fld id="{9612A0D3-E8EC-8045-B78F-8C1D4D848ADC}" type="datetimeFigureOut">
               <a:rPr kumimoji="1" lang="zh-TW" altLang="en-US" smtClean="0"/>
-              <a:t>2018/8/7</a:t>
+              <a:t>2018/8/10</a:t>
             </a:fld>
             <a:endParaRPr kumimoji="1" lang="zh-TW" altLang="en-US"/>
           </a:p>
@@ -2099,7 +2465,7 @@
           <a:p>
             <a:fld id="{9612A0D3-E8EC-8045-B78F-8C1D4D848ADC}" type="datetimeFigureOut">
               <a:rPr kumimoji="1" lang="zh-TW" altLang="en-US" smtClean="0"/>
-              <a:t>2018/8/7</a:t>
+              <a:t>2018/8/10</a:t>
             </a:fld>
             <a:endParaRPr kumimoji="1" lang="zh-TW" altLang="en-US"/>
           </a:p>
@@ -2352,7 +2718,7 @@
           <a:p>
             <a:fld id="{9612A0D3-E8EC-8045-B78F-8C1D4D848ADC}" type="datetimeFigureOut">
               <a:rPr kumimoji="1" lang="zh-TW" altLang="en-US" smtClean="0"/>
-              <a:t>2018/8/7</a:t>
+              <a:t>2018/8/10</a:t>
             </a:fld>
             <a:endParaRPr kumimoji="1" lang="zh-TW" altLang="en-US"/>
           </a:p>
@@ -2565,7 +2931,7 @@
           <a:p>
             <a:fld id="{9612A0D3-E8EC-8045-B78F-8C1D4D848ADC}" type="datetimeFigureOut">
               <a:rPr kumimoji="1" lang="zh-TW" altLang="en-US" smtClean="0"/>
-              <a:t>2018/8/7</a:t>
+              <a:t>2018/8/10</a:t>
             </a:fld>
             <a:endParaRPr kumimoji="1" lang="zh-TW" altLang="en-US"/>
           </a:p>
@@ -3025,7 +3391,4047 @@
 </p:sld>
 </file>
 
+<file path=ppt/slides/slide10.xml><?xml version="1.0" encoding="utf-8"?>
+<p:sld xmlns:a="http://schemas.openxmlformats.org/drawingml/2006/main" xmlns:r="http://schemas.openxmlformats.org/officeDocument/2006/relationships" xmlns:p="http://schemas.openxmlformats.org/presentationml/2006/main">
+  <p:cSld>
+    <p:spTree>
+      <p:nvGrpSpPr>
+        <p:cNvPr id="1" name=""/>
+        <p:cNvGrpSpPr/>
+        <p:nvPr/>
+      </p:nvGrpSpPr>
+      <p:grpSpPr>
+        <a:xfrm>
+          <a:off x="0" y="0"/>
+          <a:ext cx="0" cy="0"/>
+          <a:chOff x="0" y="0"/>
+          <a:chExt cx="0" cy="0"/>
+        </a:xfrm>
+      </p:grpSpPr>
+      <p:sp>
+        <p:nvSpPr>
+          <p:cNvPr id="2" name="標題 1"/>
+          <p:cNvSpPr>
+            <a:spLocks noGrp="1"/>
+          </p:cNvSpPr>
+          <p:nvPr>
+            <p:ph type="title"/>
+          </p:nvPr>
+        </p:nvSpPr>
+        <p:spPr>
+          <a:xfrm>
+            <a:off x="838200" y="180068"/>
+            <a:ext cx="10515600" cy="1325563"/>
+          </a:xfrm>
+        </p:spPr>
+        <p:txBody>
+          <a:bodyPr>
+            <a:normAutofit/>
+          </a:bodyPr>
+          <a:lstStyle/>
+          <a:p>
+            <a:pPr algn="ctr" fontAlgn="ctr"/>
+            <a:r>
+              <a:rPr kumimoji="1" lang="zh-TW" altLang="en-US" dirty="0"/>
+              <a:t>各年齡佔非典型比例</a:t>
+            </a:r>
+            <a:endParaRPr lang="en-US" altLang="zh-TW" b="1" dirty="0">
+              <a:solidFill>
+                <a:srgbClr val="000000"/>
+              </a:solidFill>
+              <a:latin typeface="新細明體" charset="-120"/>
+            </a:endParaRPr>
+          </a:p>
+        </p:txBody>
+      </p:sp>
+      <p:graphicFrame>
+        <p:nvGraphicFramePr>
+          <p:cNvPr id="3" name="表格 2"/>
+          <p:cNvGraphicFramePr>
+            <a:graphicFrameLocks noGrp="1"/>
+          </p:cNvGraphicFramePr>
+          <p:nvPr>
+            <p:extLst>
+              <p:ext uri="{D42A27DB-BD31-4B8C-83A1-F6EECF244321}">
+                <p14:modId xmlns:p14="http://schemas.microsoft.com/office/powerpoint/2010/main" val="217517733"/>
+              </p:ext>
+            </p:extLst>
+          </p:nvPr>
+        </p:nvGraphicFramePr>
+        <p:xfrm>
+          <a:off x="1220837" y="1505631"/>
+          <a:ext cx="10008440" cy="4460270"/>
+        </p:xfrm>
+        <a:graphic>
+          <a:graphicData uri="http://schemas.openxmlformats.org/drawingml/2006/table">
+            <a:tbl>
+              <a:tblPr firstRow="1" bandRow="1">
+                <a:tableStyleId>{EB344D84-9AFB-497E-A393-DC336BA19D2E}</a:tableStyleId>
+              </a:tblPr>
+              <a:tblGrid>
+                <a:gridCol w="1251055"/>
+                <a:gridCol w="1251055"/>
+                <a:gridCol w="1251055"/>
+                <a:gridCol w="1251055"/>
+                <a:gridCol w="1251055"/>
+                <a:gridCol w="1251055"/>
+                <a:gridCol w="1251055"/>
+                <a:gridCol w="1251055"/>
+              </a:tblGrid>
+              <a:tr h="892054">
+                <a:tc>
+                  <a:txBody>
+                    <a:bodyPr/>
+                    <a:lstStyle/>
+                    <a:p>
+                      <a:pPr algn="ctr" fontAlgn="b"/>
+                      <a:endParaRPr lang="zh-TW" altLang="en-US" sz="1400" b="1" i="0" u="none" strike="noStrike" dirty="0">
+                        <a:solidFill>
+                          <a:srgbClr val="000000"/>
+                        </a:solidFill>
+                        <a:effectLst/>
+                        <a:latin typeface="Times New Roman" charset="0"/>
+                        <a:ea typeface="Times New Roman" charset="0"/>
+                        <a:cs typeface="Times New Roman" charset="0"/>
+                      </a:endParaRPr>
+                    </a:p>
+                  </a:txBody>
+                  <a:tcPr marL="12700" marR="12700" marT="12700" marB="0" anchor="ctr"/>
+                </a:tc>
+                <a:tc>
+                  <a:txBody>
+                    <a:bodyPr/>
+                    <a:lstStyle/>
+                    <a:p>
+                      <a:pPr algn="ctr" fontAlgn="b"/>
+                      <a:r>
+                        <a:rPr lang="is-IS" sz="1400" b="1" i="0" u="none" strike="noStrike" dirty="0">
+                          <a:solidFill>
+                            <a:srgbClr val="000000"/>
+                          </a:solidFill>
+                          <a:effectLst/>
+                          <a:latin typeface="Times New Roman" charset="0"/>
+                          <a:ea typeface="Times New Roman" charset="0"/>
+                          <a:cs typeface="Times New Roman" charset="0"/>
+                        </a:rPr>
+                        <a:t>2011</a:t>
+                      </a:r>
+                    </a:p>
+                  </a:txBody>
+                  <a:tcPr marL="12700" marR="12700" marT="12700" marB="0" anchor="ctr"/>
+                </a:tc>
+                <a:tc>
+                  <a:txBody>
+                    <a:bodyPr/>
+                    <a:lstStyle/>
+                    <a:p>
+                      <a:pPr algn="ctr" fontAlgn="b"/>
+                      <a:r>
+                        <a:rPr lang="is-IS" sz="1400" b="1" i="0" u="none" strike="noStrike">
+                          <a:solidFill>
+                            <a:srgbClr val="000000"/>
+                          </a:solidFill>
+                          <a:effectLst/>
+                          <a:latin typeface="Times New Roman" charset="0"/>
+                          <a:ea typeface="Times New Roman" charset="0"/>
+                          <a:cs typeface="Times New Roman" charset="0"/>
+                        </a:rPr>
+                        <a:t>2012</a:t>
+                      </a:r>
+                    </a:p>
+                  </a:txBody>
+                  <a:tcPr marL="12700" marR="12700" marT="12700" marB="0" anchor="ctr"/>
+                </a:tc>
+                <a:tc>
+                  <a:txBody>
+                    <a:bodyPr/>
+                    <a:lstStyle/>
+                    <a:p>
+                      <a:pPr algn="ctr" fontAlgn="b"/>
+                      <a:r>
+                        <a:rPr lang="is-IS" sz="1400" b="1" i="0" u="none" strike="noStrike">
+                          <a:solidFill>
+                            <a:srgbClr val="000000"/>
+                          </a:solidFill>
+                          <a:effectLst/>
+                          <a:latin typeface="Times New Roman" charset="0"/>
+                          <a:ea typeface="Times New Roman" charset="0"/>
+                          <a:cs typeface="Times New Roman" charset="0"/>
+                        </a:rPr>
+                        <a:t>2013</a:t>
+                      </a:r>
+                    </a:p>
+                  </a:txBody>
+                  <a:tcPr marL="12700" marR="12700" marT="12700" marB="0" anchor="ctr"/>
+                </a:tc>
+                <a:tc>
+                  <a:txBody>
+                    <a:bodyPr/>
+                    <a:lstStyle/>
+                    <a:p>
+                      <a:pPr algn="ctr" fontAlgn="b"/>
+                      <a:r>
+                        <a:rPr lang="is-IS" sz="1400" b="1" i="0" u="none" strike="noStrike">
+                          <a:solidFill>
+                            <a:srgbClr val="000000"/>
+                          </a:solidFill>
+                          <a:effectLst/>
+                          <a:latin typeface="Times New Roman" charset="0"/>
+                          <a:ea typeface="Times New Roman" charset="0"/>
+                          <a:cs typeface="Times New Roman" charset="0"/>
+                        </a:rPr>
+                        <a:t>2014</a:t>
+                      </a:r>
+                    </a:p>
+                  </a:txBody>
+                  <a:tcPr marL="12700" marR="12700" marT="12700" marB="0" anchor="ctr"/>
+                </a:tc>
+                <a:tc>
+                  <a:txBody>
+                    <a:bodyPr/>
+                    <a:lstStyle/>
+                    <a:p>
+                      <a:pPr algn="ctr" fontAlgn="b"/>
+                      <a:r>
+                        <a:rPr lang="is-IS" sz="1400" b="1" i="0" u="none" strike="noStrike">
+                          <a:solidFill>
+                            <a:srgbClr val="000000"/>
+                          </a:solidFill>
+                          <a:effectLst/>
+                          <a:latin typeface="Times New Roman" charset="0"/>
+                          <a:ea typeface="Times New Roman" charset="0"/>
+                          <a:cs typeface="Times New Roman" charset="0"/>
+                        </a:rPr>
+                        <a:t>2015</a:t>
+                      </a:r>
+                    </a:p>
+                  </a:txBody>
+                  <a:tcPr marL="12700" marR="12700" marT="12700" marB="0" anchor="ctr"/>
+                </a:tc>
+                <a:tc>
+                  <a:txBody>
+                    <a:bodyPr/>
+                    <a:lstStyle/>
+                    <a:p>
+                      <a:pPr algn="ctr" fontAlgn="b"/>
+                      <a:r>
+                        <a:rPr lang="is-IS" sz="1400" b="1" i="0" u="none" strike="noStrike">
+                          <a:solidFill>
+                            <a:srgbClr val="000000"/>
+                          </a:solidFill>
+                          <a:effectLst/>
+                          <a:latin typeface="Times New Roman" charset="0"/>
+                          <a:ea typeface="Times New Roman" charset="0"/>
+                          <a:cs typeface="Times New Roman" charset="0"/>
+                        </a:rPr>
+                        <a:t>2016</a:t>
+                      </a:r>
+                    </a:p>
+                  </a:txBody>
+                  <a:tcPr marL="12700" marR="12700" marT="12700" marB="0" anchor="ctr"/>
+                </a:tc>
+                <a:tc>
+                  <a:txBody>
+                    <a:bodyPr/>
+                    <a:lstStyle/>
+                    <a:p>
+                      <a:pPr algn="ctr" fontAlgn="b"/>
+                      <a:r>
+                        <a:rPr lang="is-IS" sz="1400" b="1" i="0" u="none" strike="noStrike">
+                          <a:solidFill>
+                            <a:srgbClr val="000000"/>
+                          </a:solidFill>
+                          <a:effectLst/>
+                          <a:latin typeface="Times New Roman" charset="0"/>
+                          <a:ea typeface="Times New Roman" charset="0"/>
+                          <a:cs typeface="Times New Roman" charset="0"/>
+                        </a:rPr>
+                        <a:t>2017</a:t>
+                      </a:r>
+                    </a:p>
+                  </a:txBody>
+                  <a:tcPr marL="12700" marR="12700" marT="12700" marB="0" anchor="ctr"/>
+                </a:tc>
+              </a:tr>
+              <a:tr h="892054">
+                <a:tc>
+                  <a:txBody>
+                    <a:bodyPr/>
+                    <a:lstStyle/>
+                    <a:p>
+                      <a:pPr algn="ctr" fontAlgn="b"/>
+                      <a:r>
+                        <a:rPr lang="en-US" sz="1400" b="1" i="0" u="none" strike="noStrike">
+                          <a:solidFill>
+                            <a:srgbClr val="000000"/>
+                          </a:solidFill>
+                          <a:effectLst/>
+                          <a:latin typeface="Times New Roman" charset="0"/>
+                          <a:ea typeface="Times New Roman" charset="0"/>
+                          <a:cs typeface="Times New Roman" charset="0"/>
+                        </a:rPr>
+                        <a:t>15-24 years</a:t>
+                      </a:r>
+                    </a:p>
+                  </a:txBody>
+                  <a:tcPr marL="12700" marR="12700" marT="12700" marB="0" anchor="ctr"/>
+                </a:tc>
+                <a:tc>
+                  <a:txBody>
+                    <a:bodyPr/>
+                    <a:lstStyle/>
+                    <a:p>
+                      <a:pPr algn="ctr" fontAlgn="b"/>
+                      <a:r>
+                        <a:rPr lang="nb-NO" sz="1400" b="1" i="0" u="none" strike="noStrike">
+                          <a:solidFill>
+                            <a:srgbClr val="000000"/>
+                          </a:solidFill>
+                          <a:effectLst/>
+                          <a:latin typeface="Times New Roman" charset="0"/>
+                          <a:ea typeface="Times New Roman" charset="0"/>
+                          <a:cs typeface="Times New Roman" charset="0"/>
+                        </a:rPr>
+                        <a:t>0.27</a:t>
+                      </a:r>
+                    </a:p>
+                  </a:txBody>
+                  <a:tcPr marL="12700" marR="12700" marT="12700" marB="0" anchor="ctr"/>
+                </a:tc>
+                <a:tc>
+                  <a:txBody>
+                    <a:bodyPr/>
+                    <a:lstStyle/>
+                    <a:p>
+                      <a:pPr algn="ctr" fontAlgn="b"/>
+                      <a:r>
+                        <a:rPr lang="nb-NO" sz="1400" b="1" i="0" u="none" strike="noStrike" dirty="0">
+                          <a:solidFill>
+                            <a:srgbClr val="000000"/>
+                          </a:solidFill>
+                          <a:effectLst/>
+                          <a:latin typeface="Times New Roman" charset="0"/>
+                          <a:ea typeface="Times New Roman" charset="0"/>
+                          <a:cs typeface="Times New Roman" charset="0"/>
+                        </a:rPr>
+                        <a:t>0.25</a:t>
+                      </a:r>
+                    </a:p>
+                  </a:txBody>
+                  <a:tcPr marL="12700" marR="12700" marT="12700" marB="0" anchor="ctr"/>
+                </a:tc>
+                <a:tc>
+                  <a:txBody>
+                    <a:bodyPr/>
+                    <a:lstStyle/>
+                    <a:p>
+                      <a:pPr algn="ctr" fontAlgn="b"/>
+                      <a:r>
+                        <a:rPr lang="hr-HR" sz="1400" b="1" i="0" u="none" strike="noStrike">
+                          <a:solidFill>
+                            <a:srgbClr val="000000"/>
+                          </a:solidFill>
+                          <a:effectLst/>
+                          <a:latin typeface="Times New Roman" charset="0"/>
+                          <a:ea typeface="Times New Roman" charset="0"/>
+                          <a:cs typeface="Times New Roman" charset="0"/>
+                        </a:rPr>
+                        <a:t>0.26</a:t>
+                      </a:r>
+                    </a:p>
+                  </a:txBody>
+                  <a:tcPr marL="12700" marR="12700" marT="12700" marB="0" anchor="ctr"/>
+                </a:tc>
+                <a:tc>
+                  <a:txBody>
+                    <a:bodyPr/>
+                    <a:lstStyle/>
+                    <a:p>
+                      <a:pPr algn="ctr" fontAlgn="b"/>
+                      <a:r>
+                        <a:rPr lang="hr-HR" sz="1400" b="1" i="0" u="none" strike="noStrike">
+                          <a:solidFill>
+                            <a:srgbClr val="000000"/>
+                          </a:solidFill>
+                          <a:effectLst/>
+                          <a:latin typeface="Times New Roman" charset="0"/>
+                          <a:ea typeface="Times New Roman" charset="0"/>
+                          <a:cs typeface="Times New Roman" charset="0"/>
+                        </a:rPr>
+                        <a:t>0.26</a:t>
+                      </a:r>
+                    </a:p>
+                  </a:txBody>
+                  <a:tcPr marL="12700" marR="12700" marT="12700" marB="0" anchor="ctr"/>
+                </a:tc>
+                <a:tc>
+                  <a:txBody>
+                    <a:bodyPr/>
+                    <a:lstStyle/>
+                    <a:p>
+                      <a:pPr algn="ctr" fontAlgn="b"/>
+                      <a:r>
+                        <a:rPr lang="nb-NO" sz="1400" b="1" i="0" u="none" strike="noStrike">
+                          <a:solidFill>
+                            <a:srgbClr val="000000"/>
+                          </a:solidFill>
+                          <a:effectLst/>
+                          <a:latin typeface="Times New Roman" charset="0"/>
+                          <a:ea typeface="Times New Roman" charset="0"/>
+                          <a:cs typeface="Times New Roman" charset="0"/>
+                        </a:rPr>
+                        <a:t>0.25</a:t>
+                      </a:r>
+                    </a:p>
+                  </a:txBody>
+                  <a:tcPr marL="12700" marR="12700" marT="12700" marB="0" anchor="ctr"/>
+                </a:tc>
+                <a:tc>
+                  <a:txBody>
+                    <a:bodyPr/>
+                    <a:lstStyle/>
+                    <a:p>
+                      <a:pPr algn="ctr" fontAlgn="b"/>
+                      <a:r>
+                        <a:rPr lang="nb-NO" sz="1400" b="1" i="0" u="none" strike="noStrike">
+                          <a:solidFill>
+                            <a:srgbClr val="000000"/>
+                          </a:solidFill>
+                          <a:effectLst/>
+                          <a:latin typeface="Times New Roman" charset="0"/>
+                          <a:ea typeface="Times New Roman" charset="0"/>
+                          <a:cs typeface="Times New Roman" charset="0"/>
+                        </a:rPr>
+                        <a:t>0.25</a:t>
+                      </a:r>
+                    </a:p>
+                  </a:txBody>
+                  <a:tcPr marL="12700" marR="12700" marT="12700" marB="0" anchor="ctr"/>
+                </a:tc>
+                <a:tc>
+                  <a:txBody>
+                    <a:bodyPr/>
+                    <a:lstStyle/>
+                    <a:p>
+                      <a:pPr algn="ctr" fontAlgn="b"/>
+                      <a:r>
+                        <a:rPr lang="hr-HR" sz="1400" b="1" i="0" u="none" strike="noStrike">
+                          <a:solidFill>
+                            <a:srgbClr val="000000"/>
+                          </a:solidFill>
+                          <a:effectLst/>
+                          <a:latin typeface="Times New Roman" charset="0"/>
+                          <a:ea typeface="Times New Roman" charset="0"/>
+                          <a:cs typeface="Times New Roman" charset="0"/>
+                        </a:rPr>
+                        <a:t>0.24</a:t>
+                      </a:r>
+                    </a:p>
+                  </a:txBody>
+                  <a:tcPr marL="12700" marR="12700" marT="12700" marB="0" anchor="ctr"/>
+                </a:tc>
+              </a:tr>
+              <a:tr h="892054">
+                <a:tc>
+                  <a:txBody>
+                    <a:bodyPr/>
+                    <a:lstStyle/>
+                    <a:p>
+                      <a:pPr algn="ctr" fontAlgn="b"/>
+                      <a:r>
+                        <a:rPr lang="en-US" sz="1400" b="1" i="0" u="none" strike="noStrike">
+                          <a:solidFill>
+                            <a:srgbClr val="000000"/>
+                          </a:solidFill>
+                          <a:effectLst/>
+                          <a:latin typeface="Times New Roman" charset="0"/>
+                          <a:ea typeface="Times New Roman" charset="0"/>
+                          <a:cs typeface="Times New Roman" charset="0"/>
+                        </a:rPr>
+                        <a:t>25-44 years</a:t>
+                      </a:r>
+                    </a:p>
+                  </a:txBody>
+                  <a:tcPr marL="12700" marR="12700" marT="12700" marB="0" anchor="ctr"/>
+                </a:tc>
+                <a:tc>
+                  <a:txBody>
+                    <a:bodyPr/>
+                    <a:lstStyle/>
+                    <a:p>
+                      <a:pPr algn="ctr" fontAlgn="b"/>
+                      <a:r>
+                        <a:rPr lang="nb-NO" sz="1400" b="1" i="0" u="none" strike="noStrike">
+                          <a:solidFill>
+                            <a:srgbClr val="000000"/>
+                          </a:solidFill>
+                          <a:effectLst/>
+                          <a:latin typeface="Times New Roman" charset="0"/>
+                          <a:ea typeface="Times New Roman" charset="0"/>
+                          <a:cs typeface="Times New Roman" charset="0"/>
+                        </a:rPr>
+                        <a:t>0.32</a:t>
+                      </a:r>
+                    </a:p>
+                  </a:txBody>
+                  <a:tcPr marL="12700" marR="12700" marT="12700" marB="0" anchor="ctr"/>
+                </a:tc>
+                <a:tc>
+                  <a:txBody>
+                    <a:bodyPr/>
+                    <a:lstStyle/>
+                    <a:p>
+                      <a:pPr algn="ctr" fontAlgn="b"/>
+                      <a:r>
+                        <a:rPr lang="nb-NO" sz="1400" b="1" i="0" u="none" strike="noStrike">
+                          <a:solidFill>
+                            <a:srgbClr val="000000"/>
+                          </a:solidFill>
+                          <a:effectLst/>
+                          <a:latin typeface="Times New Roman" charset="0"/>
+                          <a:ea typeface="Times New Roman" charset="0"/>
+                          <a:cs typeface="Times New Roman" charset="0"/>
+                        </a:rPr>
+                        <a:t>0.35</a:t>
+                      </a:r>
+                    </a:p>
+                  </a:txBody>
+                  <a:tcPr marL="12700" marR="12700" marT="12700" marB="0" anchor="ctr"/>
+                </a:tc>
+                <a:tc>
+                  <a:txBody>
+                    <a:bodyPr/>
+                    <a:lstStyle/>
+                    <a:p>
+                      <a:pPr algn="ctr" fontAlgn="b"/>
+                      <a:r>
+                        <a:rPr lang="nb-NO" sz="1400" b="1" i="0" u="none" strike="noStrike">
+                          <a:solidFill>
+                            <a:srgbClr val="000000"/>
+                          </a:solidFill>
+                          <a:effectLst/>
+                          <a:latin typeface="Times New Roman" charset="0"/>
+                          <a:ea typeface="Times New Roman" charset="0"/>
+                          <a:cs typeface="Times New Roman" charset="0"/>
+                        </a:rPr>
+                        <a:t>0.37</a:t>
+                      </a:r>
+                    </a:p>
+                  </a:txBody>
+                  <a:tcPr marL="12700" marR="12700" marT="12700" marB="0" anchor="ctr"/>
+                </a:tc>
+                <a:tc>
+                  <a:txBody>
+                    <a:bodyPr/>
+                    <a:lstStyle/>
+                    <a:p>
+                      <a:pPr algn="ctr" fontAlgn="b"/>
+                      <a:r>
+                        <a:rPr lang="nb-NO" sz="1400" b="1" i="0" u="none" strike="noStrike" dirty="0">
+                          <a:solidFill>
+                            <a:srgbClr val="000000"/>
+                          </a:solidFill>
+                          <a:effectLst/>
+                          <a:latin typeface="Times New Roman" charset="0"/>
+                          <a:ea typeface="Times New Roman" charset="0"/>
+                          <a:cs typeface="Times New Roman" charset="0"/>
+                        </a:rPr>
+                        <a:t>0.35</a:t>
+                      </a:r>
+                    </a:p>
+                  </a:txBody>
+                  <a:tcPr marL="12700" marR="12700" marT="12700" marB="0" anchor="ctr"/>
+                </a:tc>
+                <a:tc>
+                  <a:txBody>
+                    <a:bodyPr/>
+                    <a:lstStyle/>
+                    <a:p>
+                      <a:pPr algn="ctr" fontAlgn="b"/>
+                      <a:r>
+                        <a:rPr lang="nb-NO" sz="1400" b="1" i="0" u="none" strike="noStrike">
+                          <a:solidFill>
+                            <a:srgbClr val="000000"/>
+                          </a:solidFill>
+                          <a:effectLst/>
+                          <a:latin typeface="Times New Roman" charset="0"/>
+                          <a:ea typeface="Times New Roman" charset="0"/>
+                          <a:cs typeface="Times New Roman" charset="0"/>
+                        </a:rPr>
+                        <a:t>0.34</a:t>
+                      </a:r>
+                    </a:p>
+                  </a:txBody>
+                  <a:tcPr marL="12700" marR="12700" marT="12700" marB="0" anchor="ctr"/>
+                </a:tc>
+                <a:tc>
+                  <a:txBody>
+                    <a:bodyPr/>
+                    <a:lstStyle/>
+                    <a:p>
+                      <a:pPr algn="ctr" fontAlgn="b"/>
+                      <a:r>
+                        <a:rPr lang="nb-NO" sz="1400" b="1" i="0" u="none" strike="noStrike">
+                          <a:solidFill>
+                            <a:srgbClr val="000000"/>
+                          </a:solidFill>
+                          <a:effectLst/>
+                          <a:latin typeface="Times New Roman" charset="0"/>
+                          <a:ea typeface="Times New Roman" charset="0"/>
+                          <a:cs typeface="Times New Roman" charset="0"/>
+                        </a:rPr>
+                        <a:t>0.35</a:t>
+                      </a:r>
+                    </a:p>
+                  </a:txBody>
+                  <a:tcPr marL="12700" marR="12700" marT="12700" marB="0" anchor="ctr"/>
+                </a:tc>
+                <a:tc>
+                  <a:txBody>
+                    <a:bodyPr/>
+                    <a:lstStyle/>
+                    <a:p>
+                      <a:pPr algn="ctr" fontAlgn="b"/>
+                      <a:r>
+                        <a:rPr lang="nb-NO" sz="1400" b="1" i="0" u="none" strike="noStrike">
+                          <a:solidFill>
+                            <a:srgbClr val="000000"/>
+                          </a:solidFill>
+                          <a:effectLst/>
+                          <a:latin typeface="Times New Roman" charset="0"/>
+                          <a:ea typeface="Times New Roman" charset="0"/>
+                          <a:cs typeface="Times New Roman" charset="0"/>
+                        </a:rPr>
+                        <a:t>0.36</a:t>
+                      </a:r>
+                    </a:p>
+                  </a:txBody>
+                  <a:tcPr marL="12700" marR="12700" marT="12700" marB="0" anchor="ctr"/>
+                </a:tc>
+              </a:tr>
+              <a:tr h="892054">
+                <a:tc>
+                  <a:txBody>
+                    <a:bodyPr/>
+                    <a:lstStyle/>
+                    <a:p>
+                      <a:pPr algn="ctr" fontAlgn="b"/>
+                      <a:r>
+                        <a:rPr lang="en-US" sz="1400" b="1" i="0" u="none" strike="noStrike">
+                          <a:solidFill>
+                            <a:srgbClr val="000000"/>
+                          </a:solidFill>
+                          <a:effectLst/>
+                          <a:latin typeface="Times New Roman" charset="0"/>
+                          <a:ea typeface="Times New Roman" charset="0"/>
+                          <a:cs typeface="Times New Roman" charset="0"/>
+                        </a:rPr>
+                        <a:t>45-64 years</a:t>
+                      </a:r>
+                    </a:p>
+                  </a:txBody>
+                  <a:tcPr marL="12700" marR="12700" marT="12700" marB="0" anchor="ctr"/>
+                </a:tc>
+                <a:tc>
+                  <a:txBody>
+                    <a:bodyPr/>
+                    <a:lstStyle/>
+                    <a:p>
+                      <a:pPr algn="ctr" fontAlgn="b"/>
+                      <a:r>
+                        <a:rPr lang="nb-NO" sz="1400" b="1" i="0" u="none" strike="noStrike">
+                          <a:solidFill>
+                            <a:srgbClr val="000000"/>
+                          </a:solidFill>
+                          <a:effectLst/>
+                          <a:latin typeface="Times New Roman" charset="0"/>
+                          <a:ea typeface="Times New Roman" charset="0"/>
+                          <a:cs typeface="Times New Roman" charset="0"/>
+                        </a:rPr>
+                        <a:t>0.37</a:t>
+                      </a:r>
+                    </a:p>
+                  </a:txBody>
+                  <a:tcPr marL="12700" marR="12700" marT="12700" marB="0" anchor="ctr"/>
+                </a:tc>
+                <a:tc>
+                  <a:txBody>
+                    <a:bodyPr/>
+                    <a:lstStyle/>
+                    <a:p>
+                      <a:pPr algn="ctr" fontAlgn="b"/>
+                      <a:r>
+                        <a:rPr lang="nb-NO" sz="1400" b="1" i="0" u="none" strike="noStrike" dirty="0">
+                          <a:solidFill>
+                            <a:srgbClr val="000000"/>
+                          </a:solidFill>
+                          <a:effectLst/>
+                          <a:latin typeface="Times New Roman" charset="0"/>
+                          <a:ea typeface="Times New Roman" charset="0"/>
+                          <a:cs typeface="Times New Roman" charset="0"/>
+                        </a:rPr>
+                        <a:t>0.38</a:t>
+                      </a:r>
+                    </a:p>
+                  </a:txBody>
+                  <a:tcPr marL="12700" marR="12700" marT="12700" marB="0" anchor="ctr"/>
+                </a:tc>
+                <a:tc>
+                  <a:txBody>
+                    <a:bodyPr/>
+                    <a:lstStyle/>
+                    <a:p>
+                      <a:pPr algn="ctr" fontAlgn="b"/>
+                      <a:r>
+                        <a:rPr lang="nb-NO" sz="1400" b="1" i="0" u="none" strike="noStrike">
+                          <a:solidFill>
+                            <a:srgbClr val="000000"/>
+                          </a:solidFill>
+                          <a:effectLst/>
+                          <a:latin typeface="Times New Roman" charset="0"/>
+                          <a:ea typeface="Times New Roman" charset="0"/>
+                          <a:cs typeface="Times New Roman" charset="0"/>
+                        </a:rPr>
+                        <a:t>0.35</a:t>
+                      </a:r>
+                    </a:p>
+                  </a:txBody>
+                  <a:tcPr marL="12700" marR="12700" marT="12700" marB="0" anchor="ctr"/>
+                </a:tc>
+                <a:tc>
+                  <a:txBody>
+                    <a:bodyPr/>
+                    <a:lstStyle/>
+                    <a:p>
+                      <a:pPr algn="ctr" fontAlgn="b"/>
+                      <a:r>
+                        <a:rPr lang="nb-NO" sz="1400" b="1" i="0" u="none" strike="noStrike">
+                          <a:solidFill>
+                            <a:srgbClr val="000000"/>
+                          </a:solidFill>
+                          <a:effectLst/>
+                          <a:latin typeface="Times New Roman" charset="0"/>
+                          <a:ea typeface="Times New Roman" charset="0"/>
+                          <a:cs typeface="Times New Roman" charset="0"/>
+                        </a:rPr>
+                        <a:t>0.37</a:t>
+                      </a:r>
+                    </a:p>
+                  </a:txBody>
+                  <a:tcPr marL="12700" marR="12700" marT="12700" marB="0" anchor="ctr"/>
+                </a:tc>
+                <a:tc>
+                  <a:txBody>
+                    <a:bodyPr/>
+                    <a:lstStyle/>
+                    <a:p>
+                      <a:pPr algn="ctr" fontAlgn="b"/>
+                      <a:r>
+                        <a:rPr lang="nb-NO" sz="1400" b="1" i="0" u="none" strike="noStrike">
+                          <a:solidFill>
+                            <a:srgbClr val="000000"/>
+                          </a:solidFill>
+                          <a:effectLst/>
+                          <a:latin typeface="Times New Roman" charset="0"/>
+                          <a:ea typeface="Times New Roman" charset="0"/>
+                          <a:cs typeface="Times New Roman" charset="0"/>
+                        </a:rPr>
+                        <a:t>0.38</a:t>
+                      </a:r>
+                    </a:p>
+                  </a:txBody>
+                  <a:tcPr marL="12700" marR="12700" marT="12700" marB="0" anchor="ctr"/>
+                </a:tc>
+                <a:tc>
+                  <a:txBody>
+                    <a:bodyPr/>
+                    <a:lstStyle/>
+                    <a:p>
+                      <a:pPr algn="ctr" fontAlgn="b"/>
+                      <a:r>
+                        <a:rPr lang="nb-NO" sz="1400" b="1" i="0" u="none" strike="noStrike" dirty="0">
+                          <a:solidFill>
+                            <a:srgbClr val="000000"/>
+                          </a:solidFill>
+                          <a:effectLst/>
+                          <a:latin typeface="Times New Roman" charset="0"/>
+                          <a:ea typeface="Times New Roman" charset="0"/>
+                          <a:cs typeface="Times New Roman" charset="0"/>
+                        </a:rPr>
+                        <a:t>0.38</a:t>
+                      </a:r>
+                    </a:p>
+                  </a:txBody>
+                  <a:tcPr marL="12700" marR="12700" marT="12700" marB="0" anchor="ctr"/>
+                </a:tc>
+                <a:tc>
+                  <a:txBody>
+                    <a:bodyPr/>
+                    <a:lstStyle/>
+                    <a:p>
+                      <a:pPr algn="ctr" fontAlgn="b"/>
+                      <a:r>
+                        <a:rPr lang="nb-NO" sz="1400" b="1" i="0" u="none" strike="noStrike">
+                          <a:solidFill>
+                            <a:srgbClr val="000000"/>
+                          </a:solidFill>
+                          <a:effectLst/>
+                          <a:latin typeface="Times New Roman" charset="0"/>
+                          <a:ea typeface="Times New Roman" charset="0"/>
+                          <a:cs typeface="Times New Roman" charset="0"/>
+                        </a:rPr>
+                        <a:t>0.38</a:t>
+                      </a:r>
+                    </a:p>
+                  </a:txBody>
+                  <a:tcPr marL="12700" marR="12700" marT="12700" marB="0" anchor="ctr"/>
+                </a:tc>
+              </a:tr>
+              <a:tr h="892054">
+                <a:tc>
+                  <a:txBody>
+                    <a:bodyPr/>
+                    <a:lstStyle/>
+                    <a:p>
+                      <a:pPr algn="ctr" fontAlgn="b"/>
+                      <a:r>
+                        <a:rPr lang="en-US" sz="1400" b="1" i="0" u="none" strike="noStrike">
+                          <a:solidFill>
+                            <a:srgbClr val="000000"/>
+                          </a:solidFill>
+                          <a:effectLst/>
+                          <a:latin typeface="Times New Roman" charset="0"/>
+                          <a:ea typeface="Times New Roman" charset="0"/>
+                          <a:cs typeface="Times New Roman" charset="0"/>
+                        </a:rPr>
+                        <a:t>65 years &amp; over</a:t>
+                      </a:r>
+                    </a:p>
+                  </a:txBody>
+                  <a:tcPr marL="12700" marR="12700" marT="12700" marB="0" anchor="ctr"/>
+                </a:tc>
+                <a:tc>
+                  <a:txBody>
+                    <a:bodyPr/>
+                    <a:lstStyle/>
+                    <a:p>
+                      <a:pPr algn="ctr" fontAlgn="b"/>
+                      <a:r>
+                        <a:rPr lang="nb-NO" sz="1400" b="1" i="0" u="none" strike="noStrike">
+                          <a:solidFill>
+                            <a:srgbClr val="000000"/>
+                          </a:solidFill>
+                          <a:effectLst/>
+                          <a:latin typeface="Times New Roman" charset="0"/>
+                          <a:ea typeface="Times New Roman" charset="0"/>
+                          <a:cs typeface="Times New Roman" charset="0"/>
+                        </a:rPr>
+                        <a:t>0.03</a:t>
+                      </a:r>
+                    </a:p>
+                  </a:txBody>
+                  <a:tcPr marL="12700" marR="12700" marT="12700" marB="0" anchor="ctr"/>
+                </a:tc>
+                <a:tc>
+                  <a:txBody>
+                    <a:bodyPr/>
+                    <a:lstStyle/>
+                    <a:p>
+                      <a:pPr algn="ctr" fontAlgn="b"/>
+                      <a:r>
+                        <a:rPr lang="nb-NO" sz="1400" b="1" i="0" u="none" strike="noStrike">
+                          <a:solidFill>
+                            <a:srgbClr val="000000"/>
+                          </a:solidFill>
+                          <a:effectLst/>
+                          <a:latin typeface="Times New Roman" charset="0"/>
+                          <a:ea typeface="Times New Roman" charset="0"/>
+                          <a:cs typeface="Times New Roman" charset="0"/>
+                        </a:rPr>
+                        <a:t>0.02</a:t>
+                      </a:r>
+                    </a:p>
+                  </a:txBody>
+                  <a:tcPr marL="12700" marR="12700" marT="12700" marB="0" anchor="ctr"/>
+                </a:tc>
+                <a:tc>
+                  <a:txBody>
+                    <a:bodyPr/>
+                    <a:lstStyle/>
+                    <a:p>
+                      <a:pPr algn="ctr" fontAlgn="b"/>
+                      <a:r>
+                        <a:rPr lang="nb-NO" sz="1400" b="1" i="0" u="none" strike="noStrike">
+                          <a:solidFill>
+                            <a:srgbClr val="000000"/>
+                          </a:solidFill>
+                          <a:effectLst/>
+                          <a:latin typeface="Times New Roman" charset="0"/>
+                          <a:ea typeface="Times New Roman" charset="0"/>
+                          <a:cs typeface="Times New Roman" charset="0"/>
+                        </a:rPr>
+                        <a:t>0.02</a:t>
+                      </a:r>
+                    </a:p>
+                  </a:txBody>
+                  <a:tcPr marL="12700" marR="12700" marT="12700" marB="0" anchor="ctr"/>
+                </a:tc>
+                <a:tc>
+                  <a:txBody>
+                    <a:bodyPr/>
+                    <a:lstStyle/>
+                    <a:p>
+                      <a:pPr algn="ctr" fontAlgn="b"/>
+                      <a:r>
+                        <a:rPr lang="nb-NO" sz="1400" b="1" i="0" u="none" strike="noStrike">
+                          <a:solidFill>
+                            <a:srgbClr val="000000"/>
+                          </a:solidFill>
+                          <a:effectLst/>
+                          <a:latin typeface="Times New Roman" charset="0"/>
+                          <a:ea typeface="Times New Roman" charset="0"/>
+                          <a:cs typeface="Times New Roman" charset="0"/>
+                        </a:rPr>
+                        <a:t>0.02</a:t>
+                      </a:r>
+                    </a:p>
+                  </a:txBody>
+                  <a:tcPr marL="12700" marR="12700" marT="12700" marB="0" anchor="ctr"/>
+                </a:tc>
+                <a:tc>
+                  <a:txBody>
+                    <a:bodyPr/>
+                    <a:lstStyle/>
+                    <a:p>
+                      <a:pPr algn="ctr" fontAlgn="b"/>
+                      <a:r>
+                        <a:rPr lang="nb-NO" sz="1400" b="1" i="0" u="none" strike="noStrike">
+                          <a:solidFill>
+                            <a:srgbClr val="000000"/>
+                          </a:solidFill>
+                          <a:effectLst/>
+                          <a:latin typeface="Times New Roman" charset="0"/>
+                          <a:ea typeface="Times New Roman" charset="0"/>
+                          <a:cs typeface="Times New Roman" charset="0"/>
+                        </a:rPr>
+                        <a:t>0.03</a:t>
+                      </a:r>
+                    </a:p>
+                  </a:txBody>
+                  <a:tcPr marL="12700" marR="12700" marT="12700" marB="0" anchor="ctr"/>
+                </a:tc>
+                <a:tc>
+                  <a:txBody>
+                    <a:bodyPr/>
+                    <a:lstStyle/>
+                    <a:p>
+                      <a:pPr algn="ctr" fontAlgn="b"/>
+                      <a:r>
+                        <a:rPr lang="nb-NO" sz="1400" b="1" i="0" u="none" strike="noStrike">
+                          <a:solidFill>
+                            <a:srgbClr val="000000"/>
+                          </a:solidFill>
+                          <a:effectLst/>
+                          <a:latin typeface="Times New Roman" charset="0"/>
+                          <a:ea typeface="Times New Roman" charset="0"/>
+                          <a:cs typeface="Times New Roman" charset="0"/>
+                        </a:rPr>
+                        <a:t>0.03</a:t>
+                      </a:r>
+                    </a:p>
+                  </a:txBody>
+                  <a:tcPr marL="12700" marR="12700" marT="12700" marB="0" anchor="ctr"/>
+                </a:tc>
+                <a:tc>
+                  <a:txBody>
+                    <a:bodyPr/>
+                    <a:lstStyle/>
+                    <a:p>
+                      <a:pPr algn="ctr" fontAlgn="b"/>
+                      <a:r>
+                        <a:rPr lang="nb-NO" sz="1400" b="1" i="0" u="none" strike="noStrike" dirty="0">
+                          <a:solidFill>
+                            <a:srgbClr val="000000"/>
+                          </a:solidFill>
+                          <a:effectLst/>
+                          <a:latin typeface="Times New Roman" charset="0"/>
+                          <a:ea typeface="Times New Roman" charset="0"/>
+                          <a:cs typeface="Times New Roman" charset="0"/>
+                        </a:rPr>
+                        <a:t>0.03</a:t>
+                      </a:r>
+                    </a:p>
+                  </a:txBody>
+                  <a:tcPr marL="12700" marR="12700" marT="12700" marB="0" anchor="ctr"/>
+                </a:tc>
+              </a:tr>
+            </a:tbl>
+          </a:graphicData>
+        </a:graphic>
+      </p:graphicFrame>
+    </p:spTree>
+    <p:extLst>
+      <p:ext uri="{BB962C8B-B14F-4D97-AF65-F5344CB8AC3E}">
+        <p14:creationId xmlns:p14="http://schemas.microsoft.com/office/powerpoint/2010/main" val="838481637"/>
+      </p:ext>
+    </p:extLst>
+  </p:cSld>
+  <p:clrMapOvr>
+    <a:masterClrMapping/>
+  </p:clrMapOvr>
+</p:sld>
+</file>
+
+<file path=ppt/slides/slide11.xml><?xml version="1.0" encoding="utf-8"?>
+<p:sld xmlns:a="http://schemas.openxmlformats.org/drawingml/2006/main" xmlns:r="http://schemas.openxmlformats.org/officeDocument/2006/relationships" xmlns:p="http://schemas.openxmlformats.org/presentationml/2006/main">
+  <p:cSld>
+    <p:spTree>
+      <p:nvGrpSpPr>
+        <p:cNvPr id="1" name=""/>
+        <p:cNvGrpSpPr/>
+        <p:nvPr/>
+      </p:nvGrpSpPr>
+      <p:grpSpPr>
+        <a:xfrm>
+          <a:off x="0" y="0"/>
+          <a:ext cx="0" cy="0"/>
+          <a:chOff x="0" y="0"/>
+          <a:chExt cx="0" cy="0"/>
+        </a:xfrm>
+      </p:grpSpPr>
+      <p:sp>
+        <p:nvSpPr>
+          <p:cNvPr id="2" name="標題 1"/>
+          <p:cNvSpPr>
+            <a:spLocks noGrp="1"/>
+          </p:cNvSpPr>
+          <p:nvPr>
+            <p:ph type="title"/>
+          </p:nvPr>
+        </p:nvSpPr>
+        <p:spPr/>
+        <p:txBody>
+          <a:bodyPr/>
+          <a:lstStyle/>
+          <a:p>
+            <a:r>
+              <a:rPr kumimoji="1" lang="zh-TW" altLang="en-US" dirty="0" smtClean="0"/>
+              <a:t>各年齡佔非典型比例</a:t>
+            </a:r>
+            <a:endParaRPr kumimoji="1" lang="zh-TW" altLang="en-US" dirty="0"/>
+          </a:p>
+        </p:txBody>
+      </p:sp>
+      <p:pic>
+        <p:nvPicPr>
+          <p:cNvPr id="4" name="內容版面配置區 3"/>
+          <p:cNvPicPr>
+            <a:picLocks noGrp="1" noChangeAspect="1"/>
+          </p:cNvPicPr>
+          <p:nvPr>
+            <p:ph idx="1"/>
+          </p:nvPr>
+        </p:nvPicPr>
+        <p:blipFill>
+          <a:blip r:embed="rId2">
+            <a:extLst>
+              <a:ext uri="{28A0092B-C50C-407E-A947-70E740481C1C}">
+                <a14:useLocalDpi xmlns:a14="http://schemas.microsoft.com/office/drawing/2010/main" val="0"/>
+              </a:ext>
+            </a:extLst>
+          </a:blip>
+          <a:stretch>
+            <a:fillRect/>
+          </a:stretch>
+        </p:blipFill>
+        <p:spPr>
+          <a:xfrm>
+            <a:off x="2048094" y="1690688"/>
+            <a:ext cx="8095811" cy="4776804"/>
+          </a:xfrm>
+        </p:spPr>
+      </p:pic>
+    </p:spTree>
+    <p:extLst>
+      <p:ext uri="{BB962C8B-B14F-4D97-AF65-F5344CB8AC3E}">
+        <p14:creationId xmlns:p14="http://schemas.microsoft.com/office/powerpoint/2010/main" val="1664550958"/>
+      </p:ext>
+    </p:extLst>
+  </p:cSld>
+  <p:clrMapOvr>
+    <a:masterClrMapping/>
+  </p:clrMapOvr>
+</p:sld>
+</file>
+
+<file path=ppt/slides/slide12.xml><?xml version="1.0" encoding="utf-8"?>
+<p:sld xmlns:a="http://schemas.openxmlformats.org/drawingml/2006/main" xmlns:r="http://schemas.openxmlformats.org/officeDocument/2006/relationships" xmlns:p="http://schemas.openxmlformats.org/presentationml/2006/main">
+  <p:cSld>
+    <p:spTree>
+      <p:nvGrpSpPr>
+        <p:cNvPr id="1" name=""/>
+        <p:cNvGrpSpPr/>
+        <p:nvPr/>
+      </p:nvGrpSpPr>
+      <p:grpSpPr>
+        <a:xfrm>
+          <a:off x="0" y="0"/>
+          <a:ext cx="0" cy="0"/>
+          <a:chOff x="0" y="0"/>
+          <a:chExt cx="0" cy="0"/>
+        </a:xfrm>
+      </p:grpSpPr>
+      <p:sp>
+        <p:nvSpPr>
+          <p:cNvPr id="2" name="標題 1"/>
+          <p:cNvSpPr>
+            <a:spLocks noGrp="1"/>
+          </p:cNvSpPr>
+          <p:nvPr>
+            <p:ph type="title"/>
+          </p:nvPr>
+        </p:nvSpPr>
+        <p:spPr>
+          <a:xfrm>
+            <a:off x="838196" y="-4668"/>
+            <a:ext cx="10515600" cy="1325563"/>
+          </a:xfrm>
+        </p:spPr>
+        <p:txBody>
+          <a:bodyPr/>
+          <a:lstStyle/>
+          <a:p>
+            <a:r>
+              <a:rPr kumimoji="1" lang="zh-TW" altLang="en-US" dirty="0" smtClean="0"/>
+              <a:t>非典型工作平均薪資</a:t>
+            </a:r>
+            <a:endParaRPr kumimoji="1" lang="zh-TW" altLang="en-US" dirty="0"/>
+          </a:p>
+        </p:txBody>
+      </p:sp>
+      <p:graphicFrame>
+        <p:nvGraphicFramePr>
+          <p:cNvPr id="3" name="表格 2"/>
+          <p:cNvGraphicFramePr>
+            <a:graphicFrameLocks noGrp="1"/>
+          </p:cNvGraphicFramePr>
+          <p:nvPr>
+            <p:extLst>
+              <p:ext uri="{D42A27DB-BD31-4B8C-83A1-F6EECF244321}">
+                <p14:modId xmlns:p14="http://schemas.microsoft.com/office/powerpoint/2010/main" val="1003027741"/>
+              </p:ext>
+            </p:extLst>
+          </p:nvPr>
+        </p:nvGraphicFramePr>
+        <p:xfrm>
+          <a:off x="838196" y="1103971"/>
+          <a:ext cx="10636408" cy="5636260"/>
+        </p:xfrm>
+        <a:graphic>
+          <a:graphicData uri="http://schemas.openxmlformats.org/drawingml/2006/table">
+            <a:tbl>
+              <a:tblPr firstRow="1" bandRow="1">
+                <a:tableStyleId>{EB344D84-9AFB-497E-A393-DC336BA19D2E}</a:tableStyleId>
+              </a:tblPr>
+              <a:tblGrid>
+                <a:gridCol w="1329551"/>
+                <a:gridCol w="1329551"/>
+                <a:gridCol w="1329551"/>
+                <a:gridCol w="1329551"/>
+                <a:gridCol w="1329551"/>
+                <a:gridCol w="1329551"/>
+                <a:gridCol w="1329551"/>
+                <a:gridCol w="1329551"/>
+              </a:tblGrid>
+              <a:tr h="114341">
+                <a:tc>
+                  <a:txBody>
+                    <a:bodyPr/>
+                    <a:lstStyle/>
+                    <a:p>
+                      <a:pPr algn="ctr" fontAlgn="ctr"/>
+                      <a:r>
+                        <a:rPr lang="en-US" sz="1400" b="1" u="none" strike="noStrike" dirty="0">
+                          <a:effectLst/>
+                        </a:rPr>
+                        <a:t>Year/</a:t>
+                      </a:r>
+                      <a:br>
+                        <a:rPr lang="en-US" sz="1400" b="1" u="none" strike="noStrike" dirty="0">
+                          <a:effectLst/>
+                        </a:rPr>
+                      </a:br>
+                      <a:r>
+                        <a:rPr lang="en-US" sz="1400" b="1" u="none" strike="noStrike" dirty="0" err="1">
+                          <a:effectLst/>
+                        </a:rPr>
+                        <a:t>Worktype</a:t>
+                      </a:r>
+                      <a:endParaRPr lang="en-US" sz="1400" b="1" i="0" u="none" strike="noStrike" dirty="0">
+                        <a:solidFill>
+                          <a:srgbClr val="000000"/>
+                        </a:solidFill>
+                        <a:effectLst/>
+                        <a:latin typeface="Times Roman" charset="0"/>
+                      </a:endParaRPr>
+                    </a:p>
+                  </a:txBody>
+                  <a:tcPr marL="12700" marR="12700" marT="12700" marB="0" anchor="ctr"/>
+                </a:tc>
+                <a:tc>
+                  <a:txBody>
+                    <a:bodyPr/>
+                    <a:lstStyle/>
+                    <a:p>
+                      <a:pPr algn="ctr" fontAlgn="ctr"/>
+                      <a:r>
+                        <a:rPr lang="is-IS" sz="1400" b="1" u="none" strike="noStrike">
+                          <a:effectLst/>
+                        </a:rPr>
+                        <a:t>2011</a:t>
+                      </a:r>
+                      <a:endParaRPr lang="is-IS" sz="1400" b="1" i="0" u="none" strike="noStrike">
+                        <a:solidFill>
+                          <a:srgbClr val="000000"/>
+                        </a:solidFill>
+                        <a:effectLst/>
+                        <a:latin typeface="Times Roman" charset="0"/>
+                      </a:endParaRPr>
+                    </a:p>
+                  </a:txBody>
+                  <a:tcPr marL="12700" marR="12700" marT="12700" marB="0" anchor="ctr"/>
+                </a:tc>
+                <a:tc>
+                  <a:txBody>
+                    <a:bodyPr/>
+                    <a:lstStyle/>
+                    <a:p>
+                      <a:pPr algn="ctr" fontAlgn="ctr"/>
+                      <a:r>
+                        <a:rPr lang="is-IS" sz="1400" b="1" u="none" strike="noStrike">
+                          <a:effectLst/>
+                        </a:rPr>
+                        <a:t>2012</a:t>
+                      </a:r>
+                      <a:endParaRPr lang="is-IS" sz="1400" b="1" i="0" u="none" strike="noStrike">
+                        <a:solidFill>
+                          <a:srgbClr val="000000"/>
+                        </a:solidFill>
+                        <a:effectLst/>
+                        <a:latin typeface="Times Roman" charset="0"/>
+                      </a:endParaRPr>
+                    </a:p>
+                  </a:txBody>
+                  <a:tcPr marL="12700" marR="12700" marT="12700" marB="0" anchor="ctr"/>
+                </a:tc>
+                <a:tc>
+                  <a:txBody>
+                    <a:bodyPr/>
+                    <a:lstStyle/>
+                    <a:p>
+                      <a:pPr algn="ctr" fontAlgn="ctr"/>
+                      <a:r>
+                        <a:rPr lang="is-IS" sz="1400" b="1" u="none" strike="noStrike">
+                          <a:effectLst/>
+                        </a:rPr>
+                        <a:t>2013</a:t>
+                      </a:r>
+                      <a:endParaRPr lang="is-IS" sz="1400" b="1" i="0" u="none" strike="noStrike">
+                        <a:solidFill>
+                          <a:srgbClr val="000000"/>
+                        </a:solidFill>
+                        <a:effectLst/>
+                        <a:latin typeface="Times Roman" charset="0"/>
+                      </a:endParaRPr>
+                    </a:p>
+                  </a:txBody>
+                  <a:tcPr marL="12700" marR="12700" marT="12700" marB="0" anchor="ctr"/>
+                </a:tc>
+                <a:tc>
+                  <a:txBody>
+                    <a:bodyPr/>
+                    <a:lstStyle/>
+                    <a:p>
+                      <a:pPr algn="ctr" fontAlgn="ctr"/>
+                      <a:r>
+                        <a:rPr lang="is-IS" sz="1400" b="1" u="none" strike="noStrike">
+                          <a:effectLst/>
+                        </a:rPr>
+                        <a:t>2014</a:t>
+                      </a:r>
+                      <a:endParaRPr lang="is-IS" sz="1400" b="1" i="0" u="none" strike="noStrike">
+                        <a:solidFill>
+                          <a:srgbClr val="000000"/>
+                        </a:solidFill>
+                        <a:effectLst/>
+                        <a:latin typeface="Times Roman" charset="0"/>
+                      </a:endParaRPr>
+                    </a:p>
+                  </a:txBody>
+                  <a:tcPr marL="12700" marR="12700" marT="12700" marB="0" anchor="ctr"/>
+                </a:tc>
+                <a:tc>
+                  <a:txBody>
+                    <a:bodyPr/>
+                    <a:lstStyle/>
+                    <a:p>
+                      <a:pPr algn="ctr" fontAlgn="ctr"/>
+                      <a:r>
+                        <a:rPr lang="is-IS" sz="1400" b="1" u="none" strike="noStrike">
+                          <a:effectLst/>
+                        </a:rPr>
+                        <a:t>2015</a:t>
+                      </a:r>
+                      <a:endParaRPr lang="is-IS" sz="1400" b="1" i="0" u="none" strike="noStrike">
+                        <a:solidFill>
+                          <a:srgbClr val="000000"/>
+                        </a:solidFill>
+                        <a:effectLst/>
+                        <a:latin typeface="Times Roman" charset="0"/>
+                      </a:endParaRPr>
+                    </a:p>
+                  </a:txBody>
+                  <a:tcPr marL="12700" marR="12700" marT="12700" marB="0" anchor="ctr"/>
+                </a:tc>
+                <a:tc>
+                  <a:txBody>
+                    <a:bodyPr/>
+                    <a:lstStyle/>
+                    <a:p>
+                      <a:pPr algn="ctr" fontAlgn="ctr"/>
+                      <a:r>
+                        <a:rPr lang="is-IS" sz="1400" b="1" u="none" strike="noStrike">
+                          <a:effectLst/>
+                        </a:rPr>
+                        <a:t>2016</a:t>
+                      </a:r>
+                      <a:endParaRPr lang="is-IS" sz="1400" b="1" i="0" u="none" strike="noStrike">
+                        <a:solidFill>
+                          <a:srgbClr val="000000"/>
+                        </a:solidFill>
+                        <a:effectLst/>
+                        <a:latin typeface="Times Roman" charset="0"/>
+                      </a:endParaRPr>
+                    </a:p>
+                  </a:txBody>
+                  <a:tcPr marL="12700" marR="12700" marT="12700" marB="0" anchor="ctr"/>
+                </a:tc>
+                <a:tc>
+                  <a:txBody>
+                    <a:bodyPr/>
+                    <a:lstStyle/>
+                    <a:p>
+                      <a:pPr algn="ctr" fontAlgn="ctr"/>
+                      <a:r>
+                        <a:rPr lang="is-IS" sz="1400" b="1" u="none" strike="noStrike" dirty="0">
+                          <a:effectLst/>
+                        </a:rPr>
+                        <a:t>2017</a:t>
+                      </a:r>
+                      <a:endParaRPr lang="is-IS" sz="1400" b="1" i="0" u="none" strike="noStrike" dirty="0">
+                        <a:solidFill>
+                          <a:srgbClr val="000000"/>
+                        </a:solidFill>
+                        <a:effectLst/>
+                        <a:latin typeface="Times Roman" charset="0"/>
+                      </a:endParaRPr>
+                    </a:p>
+                  </a:txBody>
+                  <a:tcPr marL="12700" marR="12700" marT="12700" marB="0" anchor="ctr"/>
+                </a:tc>
+              </a:tr>
+              <a:tr h="866140">
+                <a:tc>
+                  <a:txBody>
+                    <a:bodyPr/>
+                    <a:lstStyle/>
+                    <a:p>
+                      <a:pPr algn="ctr" fontAlgn="ctr"/>
+                      <a:r>
+                        <a:rPr lang="en-US" sz="1400" b="1" u="none" strike="noStrike">
+                          <a:effectLst/>
+                        </a:rPr>
+                        <a:t>Part-time, temporary or dispatched workers</a:t>
+                      </a:r>
+                      <a:endParaRPr lang="en-US" sz="1400" b="1" i="0" u="none" strike="noStrike">
+                        <a:solidFill>
+                          <a:srgbClr val="000000"/>
+                        </a:solidFill>
+                        <a:effectLst/>
+                        <a:latin typeface="Times Roman" charset="0"/>
+                      </a:endParaRPr>
+                    </a:p>
+                  </a:txBody>
+                  <a:tcPr marL="12700" marR="12700" marT="12700" marB="0" anchor="ctr"/>
+                </a:tc>
+                <a:tc>
+                  <a:txBody>
+                    <a:bodyPr/>
+                    <a:lstStyle/>
+                    <a:p>
+                      <a:pPr algn="ctr" fontAlgn="ctr"/>
+                      <a:r>
+                        <a:rPr lang="en-US" altLang="zh-TW" sz="1400" b="1" u="none" strike="noStrike">
+                          <a:effectLst/>
+                        </a:rPr>
+                        <a:t>19038</a:t>
+                      </a:r>
+                      <a:endParaRPr lang="en-US" altLang="zh-TW" sz="1400" b="1" i="0" u="none" strike="noStrike">
+                        <a:solidFill>
+                          <a:srgbClr val="000000"/>
+                        </a:solidFill>
+                        <a:effectLst/>
+                        <a:latin typeface="Times Roman" charset="0"/>
+                      </a:endParaRPr>
+                    </a:p>
+                  </a:txBody>
+                  <a:tcPr marL="12700" marR="12700" marT="12700" marB="0" anchor="ctr"/>
+                </a:tc>
+                <a:tc>
+                  <a:txBody>
+                    <a:bodyPr/>
+                    <a:lstStyle/>
+                    <a:p>
+                      <a:pPr algn="ctr" fontAlgn="ctr"/>
+                      <a:r>
+                        <a:rPr lang="cs-CZ" sz="1400" b="1" u="none" strike="noStrike">
+                          <a:effectLst/>
+                        </a:rPr>
+                        <a:t>19971</a:t>
+                      </a:r>
+                      <a:endParaRPr lang="cs-CZ" sz="1400" b="1" i="0" u="none" strike="noStrike">
+                        <a:solidFill>
+                          <a:srgbClr val="000000"/>
+                        </a:solidFill>
+                        <a:effectLst/>
+                        <a:latin typeface="Times Roman" charset="0"/>
+                      </a:endParaRPr>
+                    </a:p>
+                  </a:txBody>
+                  <a:tcPr marL="12700" marR="12700" marT="12700" marB="0" anchor="ctr"/>
+                </a:tc>
+                <a:tc>
+                  <a:txBody>
+                    <a:bodyPr/>
+                    <a:lstStyle/>
+                    <a:p>
+                      <a:pPr algn="ctr" fontAlgn="ctr"/>
+                      <a:r>
+                        <a:rPr lang="is-IS" sz="1400" b="1" u="none" strike="noStrike">
+                          <a:effectLst/>
+                        </a:rPr>
+                        <a:t>19724</a:t>
+                      </a:r>
+                      <a:endParaRPr lang="is-IS" sz="1400" b="1" i="0" u="none" strike="noStrike">
+                        <a:solidFill>
+                          <a:srgbClr val="000000"/>
+                        </a:solidFill>
+                        <a:effectLst/>
+                        <a:latin typeface="Times Roman" charset="0"/>
+                      </a:endParaRPr>
+                    </a:p>
+                  </a:txBody>
+                  <a:tcPr marL="12700" marR="12700" marT="12700" marB="0" anchor="ctr"/>
+                </a:tc>
+                <a:tc>
+                  <a:txBody>
+                    <a:bodyPr/>
+                    <a:lstStyle/>
+                    <a:p>
+                      <a:pPr algn="ctr" fontAlgn="ctr"/>
+                      <a:r>
+                        <a:rPr lang="is-IS" sz="1400" b="1" u="none" strike="noStrike">
+                          <a:effectLst/>
+                        </a:rPr>
+                        <a:t>20581</a:t>
+                      </a:r>
+                      <a:endParaRPr lang="is-IS" sz="1400" b="1" i="0" u="none" strike="noStrike">
+                        <a:solidFill>
+                          <a:srgbClr val="000000"/>
+                        </a:solidFill>
+                        <a:effectLst/>
+                        <a:latin typeface="Times Roman" charset="0"/>
+                      </a:endParaRPr>
+                    </a:p>
+                  </a:txBody>
+                  <a:tcPr marL="12700" marR="12700" marT="12700" marB="0" anchor="ctr"/>
+                </a:tc>
+                <a:tc>
+                  <a:txBody>
+                    <a:bodyPr/>
+                    <a:lstStyle/>
+                    <a:p>
+                      <a:pPr algn="ctr" fontAlgn="ctr"/>
+                      <a:r>
+                        <a:rPr lang="tr-TR" sz="1400" b="1" u="none" strike="noStrike">
+                          <a:effectLst/>
+                        </a:rPr>
+                        <a:t>21268</a:t>
+                      </a:r>
+                      <a:endParaRPr lang="tr-TR" sz="1400" b="1" i="0" u="none" strike="noStrike">
+                        <a:solidFill>
+                          <a:srgbClr val="000000"/>
+                        </a:solidFill>
+                        <a:effectLst/>
+                        <a:latin typeface="Times Roman" charset="0"/>
+                      </a:endParaRPr>
+                    </a:p>
+                  </a:txBody>
+                  <a:tcPr marL="12700" marR="12700" marT="12700" marB="0" anchor="ctr"/>
+                </a:tc>
+                <a:tc>
+                  <a:txBody>
+                    <a:bodyPr/>
+                    <a:lstStyle/>
+                    <a:p>
+                      <a:pPr algn="ctr" fontAlgn="ctr"/>
+                      <a:r>
+                        <a:rPr lang="is-IS" sz="1400" b="1" u="none" strike="noStrike">
+                          <a:effectLst/>
+                        </a:rPr>
+                        <a:t>22023</a:t>
+                      </a:r>
+                      <a:endParaRPr lang="is-IS" sz="1400" b="1" i="0" u="none" strike="noStrike">
+                        <a:solidFill>
+                          <a:srgbClr val="000000"/>
+                        </a:solidFill>
+                        <a:effectLst/>
+                        <a:latin typeface="Times Roman" charset="0"/>
+                      </a:endParaRPr>
+                    </a:p>
+                  </a:txBody>
+                  <a:tcPr marL="12700" marR="12700" marT="12700" marB="0" anchor="ctr"/>
+                </a:tc>
+                <a:tc>
+                  <a:txBody>
+                    <a:bodyPr/>
+                    <a:lstStyle/>
+                    <a:p>
+                      <a:pPr algn="ctr" fontAlgn="ctr"/>
+                      <a:r>
+                        <a:rPr lang="is-IS" sz="1400" b="1" u="none" strike="noStrike">
+                          <a:effectLst/>
+                        </a:rPr>
+                        <a:t>22550</a:t>
+                      </a:r>
+                      <a:endParaRPr lang="is-IS" sz="1400" b="1" i="0" u="none" strike="noStrike">
+                        <a:solidFill>
+                          <a:srgbClr val="000000"/>
+                        </a:solidFill>
+                        <a:effectLst/>
+                        <a:latin typeface="Times Roman" charset="0"/>
+                      </a:endParaRPr>
+                    </a:p>
+                  </a:txBody>
+                  <a:tcPr marL="12700" marR="12700" marT="12700" marB="0" anchor="ctr"/>
+                </a:tc>
+              </a:tr>
+              <a:tr h="866140">
+                <a:tc>
+                  <a:txBody>
+                    <a:bodyPr/>
+                    <a:lstStyle/>
+                    <a:p>
+                      <a:pPr algn="ctr" fontAlgn="ctr"/>
+                      <a:r>
+                        <a:rPr lang="en-US" sz="1400" b="1" u="none" strike="noStrike">
+                          <a:effectLst/>
+                        </a:rPr>
+                        <a:t>Non part-time, temporary or dispatched workers</a:t>
+                      </a:r>
+                      <a:endParaRPr lang="en-US" sz="1400" b="1" i="0" u="none" strike="noStrike">
+                        <a:solidFill>
+                          <a:srgbClr val="000000"/>
+                        </a:solidFill>
+                        <a:effectLst/>
+                        <a:latin typeface="Times Roman" charset="0"/>
+                      </a:endParaRPr>
+                    </a:p>
+                  </a:txBody>
+                  <a:tcPr marL="12700" marR="12700" marT="12700" marB="0" anchor="ctr"/>
+                </a:tc>
+                <a:tc>
+                  <a:txBody>
+                    <a:bodyPr/>
+                    <a:lstStyle/>
+                    <a:p>
+                      <a:pPr algn="ctr" fontAlgn="ctr"/>
+                      <a:r>
+                        <a:rPr lang="cs-CZ" sz="1400" b="1" u="none" strike="noStrike">
+                          <a:effectLst/>
+                        </a:rPr>
+                        <a:t>36400</a:t>
+                      </a:r>
+                      <a:endParaRPr lang="cs-CZ" sz="1400" b="1" i="0" u="none" strike="noStrike">
+                        <a:solidFill>
+                          <a:srgbClr val="000000"/>
+                        </a:solidFill>
+                        <a:effectLst/>
+                        <a:latin typeface="Times Roman" charset="0"/>
+                      </a:endParaRPr>
+                    </a:p>
+                  </a:txBody>
+                  <a:tcPr marL="12700" marR="12700" marT="12700" marB="0" anchor="ctr"/>
+                </a:tc>
+                <a:tc>
+                  <a:txBody>
+                    <a:bodyPr/>
+                    <a:lstStyle/>
+                    <a:p>
+                      <a:pPr algn="ctr" fontAlgn="ctr"/>
+                      <a:r>
+                        <a:rPr lang="is-IS" sz="1400" b="1" u="none" strike="noStrike">
+                          <a:effectLst/>
+                        </a:rPr>
+                        <a:t>36726</a:t>
+                      </a:r>
+                      <a:endParaRPr lang="is-IS" sz="1400" b="1" i="0" u="none" strike="noStrike">
+                        <a:solidFill>
+                          <a:srgbClr val="000000"/>
+                        </a:solidFill>
+                        <a:effectLst/>
+                        <a:latin typeface="Times Roman" charset="0"/>
+                      </a:endParaRPr>
+                    </a:p>
+                  </a:txBody>
+                  <a:tcPr marL="12700" marR="12700" marT="12700" marB="0" anchor="ctr"/>
+                </a:tc>
+                <a:tc>
+                  <a:txBody>
+                    <a:bodyPr/>
+                    <a:lstStyle/>
+                    <a:p>
+                      <a:pPr algn="ctr" fontAlgn="ctr"/>
+                      <a:r>
+                        <a:rPr lang="cs-CZ" sz="1400" b="1" u="none" strike="noStrike">
+                          <a:effectLst/>
+                        </a:rPr>
+                        <a:t>36980</a:t>
+                      </a:r>
+                      <a:endParaRPr lang="cs-CZ" sz="1400" b="1" i="0" u="none" strike="noStrike">
+                        <a:solidFill>
+                          <a:srgbClr val="000000"/>
+                        </a:solidFill>
+                        <a:effectLst/>
+                        <a:latin typeface="Times Roman" charset="0"/>
+                      </a:endParaRPr>
+                    </a:p>
+                  </a:txBody>
+                  <a:tcPr marL="12700" marR="12700" marT="12700" marB="0" anchor="ctr"/>
+                </a:tc>
+                <a:tc>
+                  <a:txBody>
+                    <a:bodyPr/>
+                    <a:lstStyle/>
+                    <a:p>
+                      <a:pPr algn="ctr" fontAlgn="ctr"/>
+                      <a:r>
+                        <a:rPr lang="is-IS" sz="1400" b="1" u="none" strike="noStrike">
+                          <a:effectLst/>
+                        </a:rPr>
+                        <a:t>37364</a:t>
+                      </a:r>
+                      <a:endParaRPr lang="is-IS" sz="1400" b="1" i="0" u="none" strike="noStrike">
+                        <a:solidFill>
+                          <a:srgbClr val="000000"/>
+                        </a:solidFill>
+                        <a:effectLst/>
+                        <a:latin typeface="Times Roman" charset="0"/>
+                      </a:endParaRPr>
+                    </a:p>
+                  </a:txBody>
+                  <a:tcPr marL="12700" marR="12700" marT="12700" marB="0" anchor="ctr"/>
+                </a:tc>
+                <a:tc>
+                  <a:txBody>
+                    <a:bodyPr/>
+                    <a:lstStyle/>
+                    <a:p>
+                      <a:pPr algn="ctr" fontAlgn="ctr"/>
+                      <a:r>
+                        <a:rPr lang="is-IS" sz="1400" b="1" u="none" strike="noStrike">
+                          <a:effectLst/>
+                        </a:rPr>
+                        <a:t>37866</a:t>
+                      </a:r>
+                      <a:endParaRPr lang="is-IS" sz="1400" b="1" i="0" u="none" strike="noStrike">
+                        <a:solidFill>
+                          <a:srgbClr val="000000"/>
+                        </a:solidFill>
+                        <a:effectLst/>
+                        <a:latin typeface="Times Roman" charset="0"/>
+                      </a:endParaRPr>
+                    </a:p>
+                  </a:txBody>
+                  <a:tcPr marL="12700" marR="12700" marT="12700" marB="0" anchor="ctr"/>
+                </a:tc>
+                <a:tc>
+                  <a:txBody>
+                    <a:bodyPr/>
+                    <a:lstStyle/>
+                    <a:p>
+                      <a:pPr algn="ctr" fontAlgn="ctr"/>
+                      <a:r>
+                        <a:rPr lang="en-US" altLang="zh-TW" sz="1400" b="1" u="none" strike="noStrike">
+                          <a:effectLst/>
+                        </a:rPr>
+                        <a:t>38446</a:t>
+                      </a:r>
+                      <a:endParaRPr lang="en-US" altLang="zh-TW" sz="1400" b="1" i="0" u="none" strike="noStrike">
+                        <a:solidFill>
+                          <a:srgbClr val="000000"/>
+                        </a:solidFill>
+                        <a:effectLst/>
+                        <a:latin typeface="Times Roman" charset="0"/>
+                      </a:endParaRPr>
+                    </a:p>
+                  </a:txBody>
+                  <a:tcPr marL="12700" marR="12700" marT="12700" marB="0" anchor="ctr"/>
+                </a:tc>
+                <a:tc>
+                  <a:txBody>
+                    <a:bodyPr/>
+                    <a:lstStyle/>
+                    <a:p>
+                      <a:pPr algn="ctr" fontAlgn="ctr"/>
+                      <a:r>
+                        <a:rPr lang="is-IS" sz="1400" b="1" u="none" strike="noStrike">
+                          <a:effectLst/>
+                        </a:rPr>
+                        <a:t>39074</a:t>
+                      </a:r>
+                      <a:endParaRPr lang="is-IS" sz="1400" b="1" i="0" u="none" strike="noStrike">
+                        <a:solidFill>
+                          <a:srgbClr val="000000"/>
+                        </a:solidFill>
+                        <a:effectLst/>
+                        <a:latin typeface="Times Roman" charset="0"/>
+                      </a:endParaRPr>
+                    </a:p>
+                  </a:txBody>
+                  <a:tcPr marL="12700" marR="12700" marT="12700" marB="0" anchor="ctr"/>
+                </a:tc>
+              </a:tr>
+              <a:tr h="866140">
+                <a:tc>
+                  <a:txBody>
+                    <a:bodyPr/>
+                    <a:lstStyle/>
+                    <a:p>
+                      <a:pPr algn="ctr" fontAlgn="ctr"/>
+                      <a:r>
+                        <a:rPr lang="en-US" sz="1400" b="1" u="none" strike="noStrike">
+                          <a:effectLst/>
+                        </a:rPr>
+                        <a:t>Full-time workers</a:t>
+                      </a:r>
+                      <a:endParaRPr lang="en-US" sz="1400" b="1" i="0" u="none" strike="noStrike">
+                        <a:solidFill>
+                          <a:srgbClr val="000000"/>
+                        </a:solidFill>
+                        <a:effectLst/>
+                        <a:latin typeface="Times Roman" charset="0"/>
+                      </a:endParaRPr>
+                    </a:p>
+                  </a:txBody>
+                  <a:tcPr marL="12700" marR="12700" marT="12700" marB="0" anchor="ctr"/>
+                </a:tc>
+                <a:tc>
+                  <a:txBody>
+                    <a:bodyPr/>
+                    <a:lstStyle/>
+                    <a:p>
+                      <a:pPr algn="ctr" fontAlgn="ctr"/>
+                      <a:r>
+                        <a:rPr lang="is-IS" sz="1400" b="1" u="none" strike="noStrike">
+                          <a:effectLst/>
+                        </a:rPr>
+                        <a:t>35922</a:t>
+                      </a:r>
+                      <a:endParaRPr lang="is-IS" sz="1400" b="1" i="0" u="none" strike="noStrike">
+                        <a:solidFill>
+                          <a:srgbClr val="000000"/>
+                        </a:solidFill>
+                        <a:effectLst/>
+                        <a:latin typeface="Times Roman" charset="0"/>
+                      </a:endParaRPr>
+                    </a:p>
+                  </a:txBody>
+                  <a:tcPr marL="12700" marR="12700" marT="12700" marB="0" anchor="ctr"/>
+                </a:tc>
+                <a:tc>
+                  <a:txBody>
+                    <a:bodyPr/>
+                    <a:lstStyle/>
+                    <a:p>
+                      <a:pPr algn="ctr" fontAlgn="ctr"/>
+                      <a:r>
+                        <a:rPr lang="is-IS" sz="1400" b="1" u="none" strike="noStrike">
+                          <a:effectLst/>
+                        </a:rPr>
+                        <a:t>36253</a:t>
+                      </a:r>
+                      <a:endParaRPr lang="is-IS" sz="1400" b="1" i="0" u="none" strike="noStrike">
+                        <a:solidFill>
+                          <a:srgbClr val="000000"/>
+                        </a:solidFill>
+                        <a:effectLst/>
+                        <a:latin typeface="Times Roman" charset="0"/>
+                      </a:endParaRPr>
+                    </a:p>
+                  </a:txBody>
+                  <a:tcPr marL="12700" marR="12700" marT="12700" marB="0" anchor="ctr"/>
+                </a:tc>
+                <a:tc>
+                  <a:txBody>
+                    <a:bodyPr/>
+                    <a:lstStyle/>
+                    <a:p>
+                      <a:pPr algn="ctr" fontAlgn="ctr"/>
+                      <a:r>
+                        <a:rPr lang="cs-CZ" sz="1400" b="1" u="none" strike="noStrike">
+                          <a:effectLst/>
+                        </a:rPr>
+                        <a:t>36454</a:t>
+                      </a:r>
+                      <a:endParaRPr lang="cs-CZ" sz="1400" b="1" i="0" u="none" strike="noStrike">
+                        <a:solidFill>
+                          <a:srgbClr val="000000"/>
+                        </a:solidFill>
+                        <a:effectLst/>
+                        <a:latin typeface="Times Roman" charset="0"/>
+                      </a:endParaRPr>
+                    </a:p>
+                  </a:txBody>
+                  <a:tcPr marL="12700" marR="12700" marT="12700" marB="0" anchor="ctr"/>
+                </a:tc>
+                <a:tc>
+                  <a:txBody>
+                    <a:bodyPr/>
+                    <a:lstStyle/>
+                    <a:p>
+                      <a:pPr algn="ctr" fontAlgn="ctr"/>
+                      <a:r>
+                        <a:rPr lang="is-IS" sz="1400" b="1" u="none" strike="noStrike">
+                          <a:effectLst/>
+                        </a:rPr>
+                        <a:t>36885</a:t>
+                      </a:r>
+                      <a:endParaRPr lang="is-IS" sz="1400" b="1" i="0" u="none" strike="noStrike">
+                        <a:solidFill>
+                          <a:srgbClr val="000000"/>
+                        </a:solidFill>
+                        <a:effectLst/>
+                        <a:latin typeface="Times Roman" charset="0"/>
+                      </a:endParaRPr>
+                    </a:p>
+                  </a:txBody>
+                  <a:tcPr marL="12700" marR="12700" marT="12700" marB="0" anchor="ctr"/>
+                </a:tc>
+                <a:tc>
+                  <a:txBody>
+                    <a:bodyPr/>
+                    <a:lstStyle/>
+                    <a:p>
+                      <a:pPr algn="ctr" fontAlgn="ctr"/>
+                      <a:r>
+                        <a:rPr lang="is-IS" sz="1400" b="1" u="none" strike="noStrike">
+                          <a:effectLst/>
+                        </a:rPr>
+                        <a:t>37413</a:t>
+                      </a:r>
+                      <a:endParaRPr lang="is-IS" sz="1400" b="1" i="0" u="none" strike="noStrike">
+                        <a:solidFill>
+                          <a:srgbClr val="000000"/>
+                        </a:solidFill>
+                        <a:effectLst/>
+                        <a:latin typeface="Times Roman" charset="0"/>
+                      </a:endParaRPr>
+                    </a:p>
+                  </a:txBody>
+                  <a:tcPr marL="12700" marR="12700" marT="12700" marB="0" anchor="ctr"/>
+                </a:tc>
+                <a:tc>
+                  <a:txBody>
+                    <a:bodyPr/>
+                    <a:lstStyle/>
+                    <a:p>
+                      <a:pPr algn="ctr" fontAlgn="ctr"/>
+                      <a:r>
+                        <a:rPr lang="cs-CZ" sz="1400" b="1" u="none" strike="noStrike">
+                          <a:effectLst/>
+                        </a:rPr>
+                        <a:t>38036</a:t>
+                      </a:r>
+                      <a:endParaRPr lang="cs-CZ" sz="1400" b="1" i="0" u="none" strike="noStrike">
+                        <a:solidFill>
+                          <a:srgbClr val="000000"/>
+                        </a:solidFill>
+                        <a:effectLst/>
+                        <a:latin typeface="Times Roman" charset="0"/>
+                      </a:endParaRPr>
+                    </a:p>
+                  </a:txBody>
+                  <a:tcPr marL="12700" marR="12700" marT="12700" marB="0" anchor="ctr"/>
+                </a:tc>
+                <a:tc>
+                  <a:txBody>
+                    <a:bodyPr/>
+                    <a:lstStyle/>
+                    <a:p>
+                      <a:pPr algn="ctr" fontAlgn="ctr"/>
+                      <a:r>
+                        <a:rPr lang="en-US" altLang="zh-TW" sz="1400" b="1" u="none" strike="noStrike">
+                          <a:effectLst/>
+                        </a:rPr>
+                        <a:t>38656</a:t>
+                      </a:r>
+                      <a:endParaRPr lang="en-US" altLang="zh-TW" sz="1400" b="1" i="0" u="none" strike="noStrike">
+                        <a:solidFill>
+                          <a:srgbClr val="000000"/>
+                        </a:solidFill>
+                        <a:effectLst/>
+                        <a:latin typeface="Times Roman" charset="0"/>
+                      </a:endParaRPr>
+                    </a:p>
+                  </a:txBody>
+                  <a:tcPr marL="12700" marR="12700" marT="12700" marB="0" anchor="ctr"/>
+                </a:tc>
+              </a:tr>
+              <a:tr h="866140">
+                <a:tc>
+                  <a:txBody>
+                    <a:bodyPr/>
+                    <a:lstStyle/>
+                    <a:p>
+                      <a:pPr algn="ctr" fontAlgn="ctr"/>
+                      <a:r>
+                        <a:rPr lang="en-US" sz="1400" b="1" u="none" strike="noStrike">
+                          <a:effectLst/>
+                        </a:rPr>
+                        <a:t>Part-time workers</a:t>
+                      </a:r>
+                      <a:endParaRPr lang="en-US" sz="1400" b="1" i="0" u="none" strike="noStrike">
+                        <a:solidFill>
+                          <a:srgbClr val="000000"/>
+                        </a:solidFill>
+                        <a:effectLst/>
+                        <a:latin typeface="Times Roman" charset="0"/>
+                      </a:endParaRPr>
+                    </a:p>
+                  </a:txBody>
+                  <a:tcPr marL="12700" marR="12700" marT="12700" marB="0" anchor="ctr"/>
+                </a:tc>
+                <a:tc>
+                  <a:txBody>
+                    <a:bodyPr/>
+                    <a:lstStyle/>
+                    <a:p>
+                      <a:pPr algn="ctr" fontAlgn="ctr"/>
+                      <a:r>
+                        <a:rPr lang="is-IS" sz="1400" b="1" u="none" strike="noStrike">
+                          <a:effectLst/>
+                        </a:rPr>
+                        <a:t>14382</a:t>
+                      </a:r>
+                      <a:endParaRPr lang="is-IS" sz="1400" b="1" i="0" u="none" strike="noStrike">
+                        <a:solidFill>
+                          <a:srgbClr val="000000"/>
+                        </a:solidFill>
+                        <a:effectLst/>
+                        <a:latin typeface="Times Roman" charset="0"/>
+                      </a:endParaRPr>
+                    </a:p>
+                  </a:txBody>
+                  <a:tcPr marL="12700" marR="12700" marT="12700" marB="0" anchor="ctr"/>
+                </a:tc>
+                <a:tc>
+                  <a:txBody>
+                    <a:bodyPr/>
+                    <a:lstStyle/>
+                    <a:p>
+                      <a:pPr algn="ctr" fontAlgn="ctr"/>
+                      <a:r>
+                        <a:rPr lang="is-IS" sz="1400" b="1" u="none" strike="noStrike">
+                          <a:effectLst/>
+                        </a:rPr>
+                        <a:t>14805</a:t>
+                      </a:r>
+                      <a:endParaRPr lang="is-IS" sz="1400" b="1" i="0" u="none" strike="noStrike">
+                        <a:solidFill>
+                          <a:srgbClr val="000000"/>
+                        </a:solidFill>
+                        <a:effectLst/>
+                        <a:latin typeface="Times Roman" charset="0"/>
+                      </a:endParaRPr>
+                    </a:p>
+                  </a:txBody>
+                  <a:tcPr marL="12700" marR="12700" marT="12700" marB="0" anchor="ctr"/>
+                </a:tc>
+                <a:tc>
+                  <a:txBody>
+                    <a:bodyPr/>
+                    <a:lstStyle/>
+                    <a:p>
+                      <a:pPr algn="ctr" fontAlgn="ctr"/>
+                      <a:r>
+                        <a:rPr lang="is-IS" sz="1400" b="1" u="none" strike="noStrike">
+                          <a:effectLst/>
+                        </a:rPr>
+                        <a:t>14552</a:t>
+                      </a:r>
+                      <a:endParaRPr lang="is-IS" sz="1400" b="1" i="0" u="none" strike="noStrike">
+                        <a:solidFill>
+                          <a:srgbClr val="000000"/>
+                        </a:solidFill>
+                        <a:effectLst/>
+                        <a:latin typeface="Times Roman" charset="0"/>
+                      </a:endParaRPr>
+                    </a:p>
+                  </a:txBody>
+                  <a:tcPr marL="12700" marR="12700" marT="12700" marB="0" anchor="ctr"/>
+                </a:tc>
+                <a:tc>
+                  <a:txBody>
+                    <a:bodyPr/>
+                    <a:lstStyle/>
+                    <a:p>
+                      <a:pPr algn="ctr" fontAlgn="ctr"/>
+                      <a:r>
+                        <a:rPr lang="en-US" altLang="zh-TW" sz="1400" b="1" u="none" strike="noStrike">
+                          <a:effectLst/>
+                        </a:rPr>
+                        <a:t>14691</a:t>
+                      </a:r>
+                      <a:endParaRPr lang="en-US" altLang="zh-TW" sz="1400" b="1" i="0" u="none" strike="noStrike">
+                        <a:solidFill>
+                          <a:srgbClr val="000000"/>
+                        </a:solidFill>
+                        <a:effectLst/>
+                        <a:latin typeface="Times Roman" charset="0"/>
+                      </a:endParaRPr>
+                    </a:p>
+                  </a:txBody>
+                  <a:tcPr marL="12700" marR="12700" marT="12700" marB="0" anchor="ctr"/>
+                </a:tc>
+                <a:tc>
+                  <a:txBody>
+                    <a:bodyPr/>
+                    <a:lstStyle/>
+                    <a:p>
+                      <a:pPr algn="ctr" fontAlgn="ctr"/>
+                      <a:r>
+                        <a:rPr lang="is-IS" sz="1400" b="1" u="none" strike="noStrike">
+                          <a:effectLst/>
+                        </a:rPr>
+                        <a:t>14868</a:t>
+                      </a:r>
+                      <a:endParaRPr lang="is-IS" sz="1400" b="1" i="0" u="none" strike="noStrike">
+                        <a:solidFill>
+                          <a:srgbClr val="000000"/>
+                        </a:solidFill>
+                        <a:effectLst/>
+                        <a:latin typeface="Times Roman" charset="0"/>
+                      </a:endParaRPr>
+                    </a:p>
+                  </a:txBody>
+                  <a:tcPr marL="12700" marR="12700" marT="12700" marB="0" anchor="ctr"/>
+                </a:tc>
+                <a:tc>
+                  <a:txBody>
+                    <a:bodyPr/>
+                    <a:lstStyle/>
+                    <a:p>
+                      <a:pPr algn="ctr" fontAlgn="ctr"/>
+                      <a:r>
+                        <a:rPr lang="cs-CZ" sz="1400" b="1" u="none" strike="noStrike">
+                          <a:effectLst/>
+                        </a:rPr>
+                        <a:t>14987</a:t>
+                      </a:r>
+                      <a:endParaRPr lang="cs-CZ" sz="1400" b="1" i="0" u="none" strike="noStrike">
+                        <a:solidFill>
+                          <a:srgbClr val="000000"/>
+                        </a:solidFill>
+                        <a:effectLst/>
+                        <a:latin typeface="Times Roman" charset="0"/>
+                      </a:endParaRPr>
+                    </a:p>
+                  </a:txBody>
+                  <a:tcPr marL="12700" marR="12700" marT="12700" marB="0" anchor="ctr"/>
+                </a:tc>
+                <a:tc>
+                  <a:txBody>
+                    <a:bodyPr/>
+                    <a:lstStyle/>
+                    <a:p>
+                      <a:pPr algn="ctr" fontAlgn="ctr"/>
+                      <a:r>
+                        <a:rPr lang="is-IS" sz="1400" b="1" u="none" strike="noStrike">
+                          <a:effectLst/>
+                        </a:rPr>
+                        <a:t>15442</a:t>
+                      </a:r>
+                      <a:endParaRPr lang="is-IS" sz="1400" b="1" i="0" u="none" strike="noStrike">
+                        <a:solidFill>
+                          <a:srgbClr val="000000"/>
+                        </a:solidFill>
+                        <a:effectLst/>
+                        <a:latin typeface="Times Roman" charset="0"/>
+                      </a:endParaRPr>
+                    </a:p>
+                  </a:txBody>
+                  <a:tcPr marL="12700" marR="12700" marT="12700" marB="0" anchor="ctr"/>
+                </a:tc>
+              </a:tr>
+              <a:tr h="866140">
+                <a:tc>
+                  <a:txBody>
+                    <a:bodyPr/>
+                    <a:lstStyle/>
+                    <a:p>
+                      <a:pPr algn="ctr" fontAlgn="ctr"/>
+                      <a:r>
+                        <a:rPr lang="en-US" sz="1400" b="1" u="none" strike="noStrike">
+                          <a:effectLst/>
+                        </a:rPr>
+                        <a:t>Temporary or dispatched workers</a:t>
+                      </a:r>
+                      <a:endParaRPr lang="en-US" sz="1400" b="1" i="0" u="none" strike="noStrike">
+                        <a:solidFill>
+                          <a:srgbClr val="000000"/>
+                        </a:solidFill>
+                        <a:effectLst/>
+                        <a:latin typeface="Times Roman" charset="0"/>
+                      </a:endParaRPr>
+                    </a:p>
+                  </a:txBody>
+                  <a:tcPr marL="12700" marR="12700" marT="12700" marB="0" anchor="ctr"/>
+                </a:tc>
+                <a:tc>
+                  <a:txBody>
+                    <a:bodyPr/>
+                    <a:lstStyle/>
+                    <a:p>
+                      <a:pPr algn="ctr" fontAlgn="ctr"/>
+                      <a:r>
+                        <a:rPr lang="is-IS" sz="1400" b="1" u="none" strike="noStrike">
+                          <a:effectLst/>
+                        </a:rPr>
+                        <a:t>19526</a:t>
+                      </a:r>
+                      <a:endParaRPr lang="is-IS" sz="1400" b="1" i="0" u="none" strike="noStrike">
+                        <a:solidFill>
+                          <a:srgbClr val="000000"/>
+                        </a:solidFill>
+                        <a:effectLst/>
+                        <a:latin typeface="Times Roman" charset="0"/>
+                      </a:endParaRPr>
+                    </a:p>
+                  </a:txBody>
+                  <a:tcPr marL="12700" marR="12700" marT="12700" marB="0" anchor="ctr"/>
+                </a:tc>
+                <a:tc>
+                  <a:txBody>
+                    <a:bodyPr/>
+                    <a:lstStyle/>
+                    <a:p>
+                      <a:pPr algn="ctr" fontAlgn="ctr"/>
+                      <a:r>
+                        <a:rPr lang="cs-CZ" sz="1400" b="1" u="none" strike="noStrike">
+                          <a:effectLst/>
+                        </a:rPr>
+                        <a:t>19994</a:t>
+                      </a:r>
+                      <a:endParaRPr lang="cs-CZ" sz="1400" b="1" i="0" u="none" strike="noStrike">
+                        <a:solidFill>
+                          <a:srgbClr val="000000"/>
+                        </a:solidFill>
+                        <a:effectLst/>
+                        <a:latin typeface="Times Roman" charset="0"/>
+                      </a:endParaRPr>
+                    </a:p>
+                  </a:txBody>
+                  <a:tcPr marL="12700" marR="12700" marT="12700" marB="0" anchor="ctr"/>
+                </a:tc>
+                <a:tc>
+                  <a:txBody>
+                    <a:bodyPr/>
+                    <a:lstStyle/>
+                    <a:p>
+                      <a:pPr algn="ctr" fontAlgn="ctr"/>
+                      <a:r>
+                        <a:rPr lang="is-IS" sz="1400" b="1" u="none" strike="noStrike">
+                          <a:effectLst/>
+                        </a:rPr>
+                        <a:t>20265</a:t>
+                      </a:r>
+                      <a:endParaRPr lang="is-IS" sz="1400" b="1" i="0" u="none" strike="noStrike">
+                        <a:solidFill>
+                          <a:srgbClr val="000000"/>
+                        </a:solidFill>
+                        <a:effectLst/>
+                        <a:latin typeface="Times Roman" charset="0"/>
+                      </a:endParaRPr>
+                    </a:p>
+                  </a:txBody>
+                  <a:tcPr marL="12700" marR="12700" marT="12700" marB="0" anchor="ctr"/>
+                </a:tc>
+                <a:tc>
+                  <a:txBody>
+                    <a:bodyPr/>
+                    <a:lstStyle/>
+                    <a:p>
+                      <a:pPr algn="ctr" fontAlgn="ctr"/>
+                      <a:r>
+                        <a:rPr lang="is-IS" sz="1400" b="1" u="none" strike="noStrike">
+                          <a:effectLst/>
+                        </a:rPr>
+                        <a:t>20906</a:t>
+                      </a:r>
+                      <a:endParaRPr lang="is-IS" sz="1400" b="1" i="0" u="none" strike="noStrike">
+                        <a:solidFill>
+                          <a:srgbClr val="000000"/>
+                        </a:solidFill>
+                        <a:effectLst/>
+                        <a:latin typeface="Times Roman" charset="0"/>
+                      </a:endParaRPr>
+                    </a:p>
+                  </a:txBody>
+                  <a:tcPr marL="12700" marR="12700" marT="12700" marB="0" anchor="ctr"/>
+                </a:tc>
+                <a:tc>
+                  <a:txBody>
+                    <a:bodyPr/>
+                    <a:lstStyle/>
+                    <a:p>
+                      <a:pPr algn="ctr" fontAlgn="ctr"/>
+                      <a:r>
+                        <a:rPr lang="is-IS" sz="1400" b="1" u="none" strike="noStrike">
+                          <a:effectLst/>
+                        </a:rPr>
+                        <a:t>21693</a:t>
+                      </a:r>
+                      <a:endParaRPr lang="is-IS" sz="1400" b="1" i="0" u="none" strike="noStrike">
+                        <a:solidFill>
+                          <a:srgbClr val="000000"/>
+                        </a:solidFill>
+                        <a:effectLst/>
+                        <a:latin typeface="Times Roman" charset="0"/>
+                      </a:endParaRPr>
+                    </a:p>
+                  </a:txBody>
+                  <a:tcPr marL="12700" marR="12700" marT="12700" marB="0" anchor="ctr"/>
+                </a:tc>
+                <a:tc>
+                  <a:txBody>
+                    <a:bodyPr/>
+                    <a:lstStyle/>
+                    <a:p>
+                      <a:pPr algn="ctr" fontAlgn="ctr"/>
+                      <a:r>
+                        <a:rPr lang="is-IS" sz="1400" b="1" u="none" strike="noStrike">
+                          <a:effectLst/>
+                        </a:rPr>
+                        <a:t>22748</a:t>
+                      </a:r>
+                      <a:endParaRPr lang="is-IS" sz="1400" b="1" i="0" u="none" strike="noStrike">
+                        <a:solidFill>
+                          <a:srgbClr val="000000"/>
+                        </a:solidFill>
+                        <a:effectLst/>
+                        <a:latin typeface="Times Roman" charset="0"/>
+                      </a:endParaRPr>
+                    </a:p>
+                  </a:txBody>
+                  <a:tcPr marL="12700" marR="12700" marT="12700" marB="0" anchor="ctr"/>
+                </a:tc>
+                <a:tc>
+                  <a:txBody>
+                    <a:bodyPr/>
+                    <a:lstStyle/>
+                    <a:p>
+                      <a:pPr algn="ctr" fontAlgn="ctr"/>
+                      <a:r>
+                        <a:rPr lang="is-IS" sz="1400" b="1" u="none" strike="noStrike">
+                          <a:effectLst/>
+                        </a:rPr>
+                        <a:t>23566</a:t>
+                      </a:r>
+                      <a:endParaRPr lang="is-IS" sz="1400" b="1" i="0" u="none" strike="noStrike">
+                        <a:solidFill>
+                          <a:srgbClr val="000000"/>
+                        </a:solidFill>
+                        <a:effectLst/>
+                        <a:latin typeface="Times Roman" charset="0"/>
+                      </a:endParaRPr>
+                    </a:p>
+                  </a:txBody>
+                  <a:tcPr marL="12700" marR="12700" marT="12700" marB="0" anchor="ctr"/>
+                </a:tc>
+              </a:tr>
+              <a:tr h="866140">
+                <a:tc>
+                  <a:txBody>
+                    <a:bodyPr/>
+                    <a:lstStyle/>
+                    <a:p>
+                      <a:pPr algn="ctr" fontAlgn="ctr"/>
+                      <a:r>
+                        <a:rPr lang="en-US" sz="1400" b="1" u="none" strike="noStrike">
+                          <a:effectLst/>
+                        </a:rPr>
+                        <a:t>Non temporary or dispatched workers</a:t>
+                      </a:r>
+                      <a:endParaRPr lang="en-US" sz="1400" b="1" i="0" u="none" strike="noStrike">
+                        <a:solidFill>
+                          <a:srgbClr val="000000"/>
+                        </a:solidFill>
+                        <a:effectLst/>
+                        <a:latin typeface="Times Roman" charset="0"/>
+                      </a:endParaRPr>
+                    </a:p>
+                  </a:txBody>
+                  <a:tcPr marL="12700" marR="12700" marT="12700" marB="0" anchor="ctr"/>
+                </a:tc>
+                <a:tc>
+                  <a:txBody>
+                    <a:bodyPr/>
+                    <a:lstStyle/>
+                    <a:p>
+                      <a:pPr algn="ctr" fontAlgn="ctr"/>
+                      <a:r>
+                        <a:rPr lang="is-IS" sz="1400" b="1" u="none" strike="noStrike">
+                          <a:effectLst/>
+                        </a:rPr>
+                        <a:t>36096</a:t>
+                      </a:r>
+                      <a:endParaRPr lang="is-IS" sz="1400" b="1" i="0" u="none" strike="noStrike">
+                        <a:solidFill>
+                          <a:srgbClr val="000000"/>
+                        </a:solidFill>
+                        <a:effectLst/>
+                        <a:latin typeface="Times Roman" charset="0"/>
+                      </a:endParaRPr>
+                    </a:p>
+                  </a:txBody>
+                  <a:tcPr marL="12700" marR="12700" marT="12700" marB="0" anchor="ctr"/>
+                </a:tc>
+                <a:tc>
+                  <a:txBody>
+                    <a:bodyPr/>
+                    <a:lstStyle/>
+                    <a:p>
+                      <a:pPr algn="ctr" fontAlgn="ctr"/>
+                      <a:r>
+                        <a:rPr lang="cs-CZ" sz="1400" b="1" u="none" strike="noStrike">
+                          <a:effectLst/>
+                        </a:rPr>
+                        <a:t>36464</a:t>
+                      </a:r>
+                      <a:endParaRPr lang="cs-CZ" sz="1400" b="1" i="0" u="none" strike="noStrike">
+                        <a:solidFill>
+                          <a:srgbClr val="000000"/>
+                        </a:solidFill>
+                        <a:effectLst/>
+                        <a:latin typeface="Times Roman" charset="0"/>
+                      </a:endParaRPr>
+                    </a:p>
+                  </a:txBody>
+                  <a:tcPr marL="12700" marR="12700" marT="12700" marB="0" anchor="ctr"/>
+                </a:tc>
+                <a:tc>
+                  <a:txBody>
+                    <a:bodyPr/>
+                    <a:lstStyle/>
+                    <a:p>
+                      <a:pPr algn="ctr" fontAlgn="ctr"/>
+                      <a:r>
+                        <a:rPr lang="is-IS" sz="1400" b="1" u="none" strike="noStrike">
+                          <a:effectLst/>
+                        </a:rPr>
+                        <a:t>36665</a:t>
+                      </a:r>
+                      <a:endParaRPr lang="is-IS" sz="1400" b="1" i="0" u="none" strike="noStrike">
+                        <a:solidFill>
+                          <a:srgbClr val="000000"/>
+                        </a:solidFill>
+                        <a:effectLst/>
+                        <a:latin typeface="Times Roman" charset="0"/>
+                      </a:endParaRPr>
+                    </a:p>
+                  </a:txBody>
+                  <a:tcPr marL="12700" marR="12700" marT="12700" marB="0" anchor="ctr"/>
+                </a:tc>
+                <a:tc>
+                  <a:txBody>
+                    <a:bodyPr/>
+                    <a:lstStyle/>
+                    <a:p>
+                      <a:pPr algn="ctr" fontAlgn="ctr"/>
+                      <a:r>
+                        <a:rPr lang="is-IS" sz="1400" b="1" u="none" strike="noStrike">
+                          <a:effectLst/>
+                        </a:rPr>
+                        <a:t>37077</a:t>
+                      </a:r>
+                      <a:endParaRPr lang="is-IS" sz="1400" b="1" i="0" u="none" strike="noStrike">
+                        <a:solidFill>
+                          <a:srgbClr val="000000"/>
+                        </a:solidFill>
+                        <a:effectLst/>
+                        <a:latin typeface="Times Roman" charset="0"/>
+                      </a:endParaRPr>
+                    </a:p>
+                  </a:txBody>
+                  <a:tcPr marL="12700" marR="12700" marT="12700" marB="0" anchor="ctr"/>
+                </a:tc>
+                <a:tc>
+                  <a:txBody>
+                    <a:bodyPr/>
+                    <a:lstStyle/>
+                    <a:p>
+                      <a:pPr algn="ctr" fontAlgn="ctr"/>
+                      <a:r>
+                        <a:rPr lang="is-IS" sz="1400" b="1" u="none" strike="noStrike">
+                          <a:effectLst/>
+                        </a:rPr>
+                        <a:t>37581</a:t>
+                      </a:r>
+                      <a:endParaRPr lang="is-IS" sz="1400" b="1" i="0" u="none" strike="noStrike">
+                        <a:solidFill>
+                          <a:srgbClr val="000000"/>
+                        </a:solidFill>
+                        <a:effectLst/>
+                        <a:latin typeface="Times Roman" charset="0"/>
+                      </a:endParaRPr>
+                    </a:p>
+                  </a:txBody>
+                  <a:tcPr marL="12700" marR="12700" marT="12700" marB="0" anchor="ctr"/>
+                </a:tc>
+                <a:tc>
+                  <a:txBody>
+                    <a:bodyPr/>
+                    <a:lstStyle/>
+                    <a:p>
+                      <a:pPr algn="ctr" fontAlgn="ctr"/>
+                      <a:r>
+                        <a:rPr lang="is-IS" sz="1400" b="1" u="none" strike="noStrike">
+                          <a:effectLst/>
+                        </a:rPr>
+                        <a:t>38143</a:t>
+                      </a:r>
+                      <a:endParaRPr lang="is-IS" sz="1400" b="1" i="0" u="none" strike="noStrike">
+                        <a:solidFill>
+                          <a:srgbClr val="000000"/>
+                        </a:solidFill>
+                        <a:effectLst/>
+                        <a:latin typeface="Times Roman" charset="0"/>
+                      </a:endParaRPr>
+                    </a:p>
+                  </a:txBody>
+                  <a:tcPr marL="12700" marR="12700" marT="12700" marB="0" anchor="ctr"/>
+                </a:tc>
+                <a:tc>
+                  <a:txBody>
+                    <a:bodyPr/>
+                    <a:lstStyle/>
+                    <a:p>
+                      <a:pPr algn="ctr" fontAlgn="ctr"/>
+                      <a:r>
+                        <a:rPr lang="fi-FI" sz="1400" b="1" u="none" strike="noStrike" dirty="0">
+                          <a:effectLst/>
+                        </a:rPr>
+                        <a:t>38739</a:t>
+                      </a:r>
+                      <a:endParaRPr lang="fi-FI" sz="1400" b="1" i="0" u="none" strike="noStrike" dirty="0">
+                        <a:solidFill>
+                          <a:srgbClr val="000000"/>
+                        </a:solidFill>
+                        <a:effectLst/>
+                        <a:latin typeface="Times Roman" charset="0"/>
+                      </a:endParaRPr>
+                    </a:p>
+                  </a:txBody>
+                  <a:tcPr marL="12700" marR="12700" marT="12700" marB="0" anchor="ctr"/>
+                </a:tc>
+              </a:tr>
+            </a:tbl>
+          </a:graphicData>
+        </a:graphic>
+      </p:graphicFrame>
+    </p:spTree>
+    <p:extLst>
+      <p:ext uri="{BB962C8B-B14F-4D97-AF65-F5344CB8AC3E}">
+        <p14:creationId xmlns:p14="http://schemas.microsoft.com/office/powerpoint/2010/main" val="1108953600"/>
+      </p:ext>
+    </p:extLst>
+  </p:cSld>
+  <p:clrMapOvr>
+    <a:masterClrMapping/>
+  </p:clrMapOvr>
+</p:sld>
+</file>
+
+<file path=ppt/slides/slide13.xml><?xml version="1.0" encoding="utf-8"?>
+<p:sld xmlns:a="http://schemas.openxmlformats.org/drawingml/2006/main" xmlns:r="http://schemas.openxmlformats.org/officeDocument/2006/relationships" xmlns:p="http://schemas.openxmlformats.org/presentationml/2006/main">
+  <p:cSld>
+    <p:spTree>
+      <p:nvGrpSpPr>
+        <p:cNvPr id="1" name=""/>
+        <p:cNvGrpSpPr/>
+        <p:nvPr/>
+      </p:nvGrpSpPr>
+      <p:grpSpPr>
+        <a:xfrm>
+          <a:off x="0" y="0"/>
+          <a:ext cx="0" cy="0"/>
+          <a:chOff x="0" y="0"/>
+          <a:chExt cx="0" cy="0"/>
+        </a:xfrm>
+      </p:grpSpPr>
+      <p:pic>
+        <p:nvPicPr>
+          <p:cNvPr id="6" name="圖片 5"/>
+          <p:cNvPicPr>
+            <a:picLocks noChangeAspect="1"/>
+          </p:cNvPicPr>
+          <p:nvPr/>
+        </p:nvPicPr>
+        <p:blipFill>
+          <a:blip r:embed="rId2">
+            <a:extLst>
+              <a:ext uri="{28A0092B-C50C-407E-A947-70E740481C1C}">
+                <a14:useLocalDpi xmlns:a14="http://schemas.microsoft.com/office/drawing/2010/main" val="0"/>
+              </a:ext>
+            </a:extLst>
+          </a:blip>
+          <a:stretch>
+            <a:fillRect/>
+          </a:stretch>
+        </p:blipFill>
+        <p:spPr>
+          <a:xfrm>
+            <a:off x="2882900" y="0"/>
+            <a:ext cx="6420101" cy="6858000"/>
+          </a:xfrm>
+          <a:prstGeom prst="rect">
+            <a:avLst/>
+          </a:prstGeom>
+        </p:spPr>
+      </p:pic>
+    </p:spTree>
+    <p:extLst>
+      <p:ext uri="{BB962C8B-B14F-4D97-AF65-F5344CB8AC3E}">
+        <p14:creationId xmlns:p14="http://schemas.microsoft.com/office/powerpoint/2010/main" val="140614037"/>
+      </p:ext>
+    </p:extLst>
+  </p:cSld>
+  <p:clrMapOvr>
+    <a:masterClrMapping/>
+  </p:clrMapOvr>
+</p:sld>
+</file>
+
+<file path=ppt/slides/slide14.xml><?xml version="1.0" encoding="utf-8"?>
+<p:sld xmlns:a="http://schemas.openxmlformats.org/drawingml/2006/main" xmlns:r="http://schemas.openxmlformats.org/officeDocument/2006/relationships" xmlns:p="http://schemas.openxmlformats.org/presentationml/2006/main">
+  <p:cSld>
+    <p:spTree>
+      <p:nvGrpSpPr>
+        <p:cNvPr id="1" name=""/>
+        <p:cNvGrpSpPr/>
+        <p:nvPr/>
+      </p:nvGrpSpPr>
+      <p:grpSpPr>
+        <a:xfrm>
+          <a:off x="0" y="0"/>
+          <a:ext cx="0" cy="0"/>
+          <a:chOff x="0" y="0"/>
+          <a:chExt cx="0" cy="0"/>
+        </a:xfrm>
+      </p:grpSpPr>
+      <p:pic>
+        <p:nvPicPr>
+          <p:cNvPr id="2" name="圖片 1"/>
+          <p:cNvPicPr>
+            <a:picLocks noChangeAspect="1"/>
+          </p:cNvPicPr>
+          <p:nvPr/>
+        </p:nvPicPr>
+        <p:blipFill>
+          <a:blip r:embed="rId2">
+            <a:extLst>
+              <a:ext uri="{28A0092B-C50C-407E-A947-70E740481C1C}">
+                <a14:useLocalDpi xmlns:a14="http://schemas.microsoft.com/office/drawing/2010/main" val="0"/>
+              </a:ext>
+            </a:extLst>
+          </a:blip>
+          <a:stretch>
+            <a:fillRect/>
+          </a:stretch>
+        </p:blipFill>
+        <p:spPr>
+          <a:xfrm>
+            <a:off x="2882900" y="0"/>
+            <a:ext cx="6420101" cy="6858000"/>
+          </a:xfrm>
+          <a:prstGeom prst="rect">
+            <a:avLst/>
+          </a:prstGeom>
+        </p:spPr>
+      </p:pic>
+    </p:spTree>
+    <p:extLst>
+      <p:ext uri="{BB962C8B-B14F-4D97-AF65-F5344CB8AC3E}">
+        <p14:creationId xmlns:p14="http://schemas.microsoft.com/office/powerpoint/2010/main" val="1573094743"/>
+      </p:ext>
+    </p:extLst>
+  </p:cSld>
+  <p:clrMapOvr>
+    <a:masterClrMapping/>
+  </p:clrMapOvr>
+</p:sld>
+</file>
+
+<file path=ppt/slides/slide15.xml><?xml version="1.0" encoding="utf-8"?>
+<p:sld xmlns:a="http://schemas.openxmlformats.org/drawingml/2006/main" xmlns:r="http://schemas.openxmlformats.org/officeDocument/2006/relationships" xmlns:p="http://schemas.openxmlformats.org/presentationml/2006/main">
+  <p:cSld>
+    <p:spTree>
+      <p:nvGrpSpPr>
+        <p:cNvPr id="1" name=""/>
+        <p:cNvGrpSpPr/>
+        <p:nvPr/>
+      </p:nvGrpSpPr>
+      <p:grpSpPr>
+        <a:xfrm>
+          <a:off x="0" y="0"/>
+          <a:ext cx="0" cy="0"/>
+          <a:chOff x="0" y="0"/>
+          <a:chExt cx="0" cy="0"/>
+        </a:xfrm>
+      </p:grpSpPr>
+      <p:pic>
+        <p:nvPicPr>
+          <p:cNvPr id="2" name="圖片 1"/>
+          <p:cNvPicPr>
+            <a:picLocks noChangeAspect="1"/>
+          </p:cNvPicPr>
+          <p:nvPr/>
+        </p:nvPicPr>
+        <p:blipFill>
+          <a:blip r:embed="rId2">
+            <a:extLst>
+              <a:ext uri="{28A0092B-C50C-407E-A947-70E740481C1C}">
+                <a14:useLocalDpi xmlns:a14="http://schemas.microsoft.com/office/drawing/2010/main" val="0"/>
+              </a:ext>
+            </a:extLst>
+          </a:blip>
+          <a:stretch>
+            <a:fillRect/>
+          </a:stretch>
+        </p:blipFill>
+        <p:spPr>
+          <a:xfrm>
+            <a:off x="2882900" y="0"/>
+            <a:ext cx="6420101" cy="6858000"/>
+          </a:xfrm>
+          <a:prstGeom prst="rect">
+            <a:avLst/>
+          </a:prstGeom>
+        </p:spPr>
+      </p:pic>
+    </p:spTree>
+    <p:extLst>
+      <p:ext uri="{BB962C8B-B14F-4D97-AF65-F5344CB8AC3E}">
+        <p14:creationId xmlns:p14="http://schemas.microsoft.com/office/powerpoint/2010/main" val="1332167384"/>
+      </p:ext>
+    </p:extLst>
+  </p:cSld>
+  <p:clrMapOvr>
+    <a:masterClrMapping/>
+  </p:clrMapOvr>
+</p:sld>
+</file>
+
 <file path=ppt/slides/slide2.xml><?xml version="1.0" encoding="utf-8"?>
+<p:sld xmlns:a="http://schemas.openxmlformats.org/drawingml/2006/main" xmlns:r="http://schemas.openxmlformats.org/officeDocument/2006/relationships" xmlns:p="http://schemas.openxmlformats.org/presentationml/2006/main">
+  <p:cSld>
+    <p:spTree>
+      <p:nvGrpSpPr>
+        <p:cNvPr id="1" name=""/>
+        <p:cNvGrpSpPr/>
+        <p:nvPr/>
+      </p:nvGrpSpPr>
+      <p:grpSpPr>
+        <a:xfrm>
+          <a:off x="0" y="0"/>
+          <a:ext cx="0" cy="0"/>
+          <a:chOff x="0" y="0"/>
+          <a:chExt cx="0" cy="0"/>
+        </a:xfrm>
+      </p:grpSpPr>
+      <p:sp>
+        <p:nvSpPr>
+          <p:cNvPr id="2" name="標題 1"/>
+          <p:cNvSpPr>
+            <a:spLocks noGrp="1"/>
+          </p:cNvSpPr>
+          <p:nvPr>
+            <p:ph type="title"/>
+          </p:nvPr>
+        </p:nvSpPr>
+        <p:spPr>
+          <a:xfrm>
+            <a:off x="838200" y="180068"/>
+            <a:ext cx="10515600" cy="1325563"/>
+          </a:xfrm>
+        </p:spPr>
+        <p:txBody>
+          <a:bodyPr>
+            <a:normAutofit/>
+          </a:bodyPr>
+          <a:lstStyle/>
+          <a:p>
+            <a:pPr algn="ctr" fontAlgn="ctr"/>
+            <a:r>
+              <a:rPr kumimoji="1" lang="en-US" altLang="zh-TW" b="1" dirty="0" smtClean="0"/>
+              <a:t>Age-specific </a:t>
+            </a:r>
+            <a:r>
+              <a:rPr lang="en-US" altLang="zh-TW" b="1" dirty="0" smtClean="0"/>
+              <a:t>Part-time, temporary or dispatched </a:t>
+            </a:r>
+            <a:r>
+              <a:rPr lang="en-US" altLang="zh-TW" b="1" dirty="0"/>
+              <a:t>workers</a:t>
+            </a:r>
+            <a:endParaRPr lang="en-US" altLang="zh-TW" b="1" dirty="0">
+              <a:solidFill>
+                <a:srgbClr val="000000"/>
+              </a:solidFill>
+              <a:latin typeface="新細明體" charset="-120"/>
+            </a:endParaRPr>
+          </a:p>
+        </p:txBody>
+      </p:sp>
+      <p:graphicFrame>
+        <p:nvGraphicFramePr>
+          <p:cNvPr id="3" name="表格 2"/>
+          <p:cNvGraphicFramePr>
+            <a:graphicFrameLocks noGrp="1"/>
+          </p:cNvGraphicFramePr>
+          <p:nvPr>
+            <p:extLst>
+              <p:ext uri="{D42A27DB-BD31-4B8C-83A1-F6EECF244321}">
+                <p14:modId xmlns:p14="http://schemas.microsoft.com/office/powerpoint/2010/main" val="1608196337"/>
+              </p:ext>
+            </p:extLst>
+          </p:nvPr>
+        </p:nvGraphicFramePr>
+        <p:xfrm>
+          <a:off x="1220841" y="1505631"/>
+          <a:ext cx="9840448" cy="4762434"/>
+        </p:xfrm>
+        <a:graphic>
+          <a:graphicData uri="http://schemas.openxmlformats.org/drawingml/2006/table">
+            <a:tbl>
+              <a:tblPr firstRow="1" bandRow="1">
+                <a:tableStyleId>{EB344D84-9AFB-497E-A393-DC336BA19D2E}</a:tableStyleId>
+              </a:tblPr>
+              <a:tblGrid>
+                <a:gridCol w="1230056"/>
+                <a:gridCol w="1230056"/>
+                <a:gridCol w="1230056"/>
+                <a:gridCol w="1230056"/>
+                <a:gridCol w="1230056"/>
+                <a:gridCol w="1230056"/>
+                <a:gridCol w="1230056"/>
+                <a:gridCol w="1230056"/>
+              </a:tblGrid>
+              <a:tr h="793739">
+                <a:tc>
+                  <a:txBody>
+                    <a:bodyPr/>
+                    <a:lstStyle/>
+                    <a:p>
+                      <a:pPr algn="ctr" fontAlgn="b"/>
+                      <a:endParaRPr lang="zh-TW" altLang="en-US" sz="1400" b="1" i="0" u="none" strike="noStrike" dirty="0">
+                        <a:solidFill>
+                          <a:srgbClr val="000000"/>
+                        </a:solidFill>
+                        <a:effectLst/>
+                        <a:latin typeface="Times New Roman" charset="0"/>
+                        <a:ea typeface="Times New Roman" charset="0"/>
+                        <a:cs typeface="Times New Roman" charset="0"/>
+                      </a:endParaRPr>
+                    </a:p>
+                  </a:txBody>
+                  <a:tcPr marL="12700" marR="12700" marT="12700" marB="0" anchor="ctr"/>
+                </a:tc>
+                <a:tc>
+                  <a:txBody>
+                    <a:bodyPr/>
+                    <a:lstStyle/>
+                    <a:p>
+                      <a:pPr algn="ctr" fontAlgn="b"/>
+                      <a:r>
+                        <a:rPr lang="is-IS" sz="1400" u="none" strike="noStrike" dirty="0">
+                          <a:effectLst/>
+                        </a:rPr>
+                        <a:t>2011</a:t>
+                      </a:r>
+                      <a:endParaRPr lang="is-IS" sz="1400" b="1" i="0" u="none" strike="noStrike" dirty="0">
+                        <a:solidFill>
+                          <a:srgbClr val="000000"/>
+                        </a:solidFill>
+                        <a:effectLst/>
+                        <a:latin typeface="Times New Roman" charset="0"/>
+                        <a:ea typeface="Times New Roman" charset="0"/>
+                        <a:cs typeface="Times New Roman" charset="0"/>
+                      </a:endParaRPr>
+                    </a:p>
+                  </a:txBody>
+                  <a:tcPr marL="12700" marR="12700" marT="12700" marB="0" anchor="ctr"/>
+                </a:tc>
+                <a:tc>
+                  <a:txBody>
+                    <a:bodyPr/>
+                    <a:lstStyle/>
+                    <a:p>
+                      <a:pPr algn="ctr" fontAlgn="b"/>
+                      <a:r>
+                        <a:rPr lang="is-IS" sz="1400" u="none" strike="noStrike" dirty="0">
+                          <a:effectLst/>
+                        </a:rPr>
+                        <a:t>2012</a:t>
+                      </a:r>
+                      <a:endParaRPr lang="is-IS" sz="1400" b="1" i="0" u="none" strike="noStrike" dirty="0">
+                        <a:solidFill>
+                          <a:srgbClr val="000000"/>
+                        </a:solidFill>
+                        <a:effectLst/>
+                        <a:latin typeface="Times New Roman" charset="0"/>
+                        <a:ea typeface="Times New Roman" charset="0"/>
+                        <a:cs typeface="Times New Roman" charset="0"/>
+                      </a:endParaRPr>
+                    </a:p>
+                  </a:txBody>
+                  <a:tcPr marL="12700" marR="12700" marT="12700" marB="0" anchor="ctr"/>
+                </a:tc>
+                <a:tc>
+                  <a:txBody>
+                    <a:bodyPr/>
+                    <a:lstStyle/>
+                    <a:p>
+                      <a:pPr algn="ctr" fontAlgn="b"/>
+                      <a:r>
+                        <a:rPr lang="is-IS" sz="1400" u="none" strike="noStrike">
+                          <a:effectLst/>
+                        </a:rPr>
+                        <a:t>2013</a:t>
+                      </a:r>
+                      <a:endParaRPr lang="is-IS" sz="1400" b="1" i="0" u="none" strike="noStrike">
+                        <a:solidFill>
+                          <a:srgbClr val="000000"/>
+                        </a:solidFill>
+                        <a:effectLst/>
+                        <a:latin typeface="Times New Roman" charset="0"/>
+                        <a:ea typeface="Times New Roman" charset="0"/>
+                        <a:cs typeface="Times New Roman" charset="0"/>
+                      </a:endParaRPr>
+                    </a:p>
+                  </a:txBody>
+                  <a:tcPr marL="12700" marR="12700" marT="12700" marB="0" anchor="ctr"/>
+                </a:tc>
+                <a:tc>
+                  <a:txBody>
+                    <a:bodyPr/>
+                    <a:lstStyle/>
+                    <a:p>
+                      <a:pPr algn="ctr" fontAlgn="b"/>
+                      <a:r>
+                        <a:rPr lang="is-IS" sz="1400" u="none" strike="noStrike">
+                          <a:effectLst/>
+                        </a:rPr>
+                        <a:t>2014</a:t>
+                      </a:r>
+                      <a:endParaRPr lang="is-IS" sz="1400" b="1" i="0" u="none" strike="noStrike">
+                        <a:solidFill>
+                          <a:srgbClr val="000000"/>
+                        </a:solidFill>
+                        <a:effectLst/>
+                        <a:latin typeface="Times New Roman" charset="0"/>
+                        <a:ea typeface="Times New Roman" charset="0"/>
+                        <a:cs typeface="Times New Roman" charset="0"/>
+                      </a:endParaRPr>
+                    </a:p>
+                  </a:txBody>
+                  <a:tcPr marL="12700" marR="12700" marT="12700" marB="0" anchor="ctr"/>
+                </a:tc>
+                <a:tc>
+                  <a:txBody>
+                    <a:bodyPr/>
+                    <a:lstStyle/>
+                    <a:p>
+                      <a:pPr algn="ctr" fontAlgn="b"/>
+                      <a:r>
+                        <a:rPr lang="is-IS" sz="1400" u="none" strike="noStrike">
+                          <a:effectLst/>
+                        </a:rPr>
+                        <a:t>2015</a:t>
+                      </a:r>
+                      <a:endParaRPr lang="is-IS" sz="1400" b="1" i="0" u="none" strike="noStrike">
+                        <a:solidFill>
+                          <a:srgbClr val="000000"/>
+                        </a:solidFill>
+                        <a:effectLst/>
+                        <a:latin typeface="Times New Roman" charset="0"/>
+                        <a:ea typeface="Times New Roman" charset="0"/>
+                        <a:cs typeface="Times New Roman" charset="0"/>
+                      </a:endParaRPr>
+                    </a:p>
+                  </a:txBody>
+                  <a:tcPr marL="12700" marR="12700" marT="12700" marB="0" anchor="ctr"/>
+                </a:tc>
+                <a:tc>
+                  <a:txBody>
+                    <a:bodyPr/>
+                    <a:lstStyle/>
+                    <a:p>
+                      <a:pPr algn="ctr" fontAlgn="b"/>
+                      <a:r>
+                        <a:rPr lang="is-IS" sz="1400" u="none" strike="noStrike">
+                          <a:effectLst/>
+                        </a:rPr>
+                        <a:t>2016</a:t>
+                      </a:r>
+                      <a:endParaRPr lang="is-IS" sz="1400" b="1" i="0" u="none" strike="noStrike">
+                        <a:solidFill>
+                          <a:srgbClr val="000000"/>
+                        </a:solidFill>
+                        <a:effectLst/>
+                        <a:latin typeface="Times New Roman" charset="0"/>
+                        <a:ea typeface="Times New Roman" charset="0"/>
+                        <a:cs typeface="Times New Roman" charset="0"/>
+                      </a:endParaRPr>
+                    </a:p>
+                  </a:txBody>
+                  <a:tcPr marL="12700" marR="12700" marT="12700" marB="0" anchor="ctr"/>
+                </a:tc>
+                <a:tc>
+                  <a:txBody>
+                    <a:bodyPr/>
+                    <a:lstStyle/>
+                    <a:p>
+                      <a:pPr algn="ctr" fontAlgn="b"/>
+                      <a:r>
+                        <a:rPr lang="is-IS" sz="1400" u="none" strike="noStrike">
+                          <a:effectLst/>
+                        </a:rPr>
+                        <a:t>2017</a:t>
+                      </a:r>
+                      <a:endParaRPr lang="is-IS" sz="1400" b="1" i="0" u="none" strike="noStrike">
+                        <a:solidFill>
+                          <a:srgbClr val="000000"/>
+                        </a:solidFill>
+                        <a:effectLst/>
+                        <a:latin typeface="Times New Roman" charset="0"/>
+                        <a:ea typeface="Times New Roman" charset="0"/>
+                        <a:cs typeface="Times New Roman" charset="0"/>
+                      </a:endParaRPr>
+                    </a:p>
+                  </a:txBody>
+                  <a:tcPr marL="12700" marR="12700" marT="12700" marB="0" anchor="ctr"/>
+                </a:tc>
+              </a:tr>
+              <a:tr h="793739">
+                <a:tc>
+                  <a:txBody>
+                    <a:bodyPr/>
+                    <a:lstStyle/>
+                    <a:p>
+                      <a:pPr algn="ctr" fontAlgn="b"/>
+                      <a:r>
+                        <a:rPr lang="en-US" sz="1400" u="none" strike="noStrike">
+                          <a:effectLst/>
+                        </a:rPr>
+                        <a:t>Total</a:t>
+                      </a:r>
+                      <a:endParaRPr lang="en-US" sz="1400" b="1" i="0" u="none" strike="noStrike">
+                        <a:solidFill>
+                          <a:srgbClr val="000000"/>
+                        </a:solidFill>
+                        <a:effectLst/>
+                        <a:latin typeface="Times New Roman" charset="0"/>
+                        <a:ea typeface="Times New Roman" charset="0"/>
+                        <a:cs typeface="Times New Roman" charset="0"/>
+                      </a:endParaRPr>
+                    </a:p>
+                  </a:txBody>
+                  <a:tcPr marL="12700" marR="12700" marT="12700" marB="0" anchor="ctr"/>
+                </a:tc>
+                <a:tc>
+                  <a:txBody>
+                    <a:bodyPr/>
+                    <a:lstStyle/>
+                    <a:p>
+                      <a:pPr algn="ctr" fontAlgn="b"/>
+                      <a:r>
+                        <a:rPr lang="hr-HR" sz="1400" u="none" strike="noStrike">
+                          <a:effectLst/>
+                        </a:rPr>
+                        <a:t>6.5</a:t>
+                      </a:r>
+                      <a:endParaRPr lang="hr-HR" sz="1400" b="1" i="0" u="none" strike="noStrike">
+                        <a:solidFill>
+                          <a:srgbClr val="000000"/>
+                        </a:solidFill>
+                        <a:effectLst/>
+                        <a:latin typeface="Times New Roman" charset="0"/>
+                        <a:ea typeface="Times New Roman" charset="0"/>
+                        <a:cs typeface="Times New Roman" charset="0"/>
+                      </a:endParaRPr>
+                    </a:p>
+                  </a:txBody>
+                  <a:tcPr marL="12700" marR="12700" marT="12700" marB="0" anchor="ctr"/>
+                </a:tc>
+                <a:tc>
+                  <a:txBody>
+                    <a:bodyPr/>
+                    <a:lstStyle/>
+                    <a:p>
+                      <a:pPr algn="ctr" fontAlgn="b"/>
+                      <a:r>
+                        <a:rPr lang="fi-FI" sz="1400" u="none" strike="noStrike">
+                          <a:effectLst/>
+                        </a:rPr>
+                        <a:t>6.79</a:t>
+                      </a:r>
+                      <a:endParaRPr lang="fi-FI" sz="1400" b="1" i="0" u="none" strike="noStrike">
+                        <a:solidFill>
+                          <a:srgbClr val="000000"/>
+                        </a:solidFill>
+                        <a:effectLst/>
+                        <a:latin typeface="Times New Roman" charset="0"/>
+                        <a:ea typeface="Times New Roman" charset="0"/>
+                        <a:cs typeface="Times New Roman" charset="0"/>
+                      </a:endParaRPr>
+                    </a:p>
+                  </a:txBody>
+                  <a:tcPr marL="12700" marR="12700" marT="12700" marB="0" anchor="ctr"/>
+                </a:tc>
+                <a:tc>
+                  <a:txBody>
+                    <a:bodyPr/>
+                    <a:lstStyle/>
+                    <a:p>
+                      <a:pPr algn="ctr" fontAlgn="b"/>
+                      <a:r>
+                        <a:rPr lang="hr-HR" sz="1400" u="none" strike="noStrike" dirty="0">
+                          <a:effectLst/>
+                        </a:rPr>
+                        <a:t>6.94</a:t>
+                      </a:r>
+                      <a:endParaRPr lang="hr-HR" sz="1400" b="1" i="0" u="none" strike="noStrike" dirty="0">
+                        <a:solidFill>
+                          <a:srgbClr val="000000"/>
+                        </a:solidFill>
+                        <a:effectLst/>
+                        <a:latin typeface="Times New Roman" charset="0"/>
+                        <a:ea typeface="Times New Roman" charset="0"/>
+                        <a:cs typeface="Times New Roman" charset="0"/>
+                      </a:endParaRPr>
+                    </a:p>
+                  </a:txBody>
+                  <a:tcPr marL="12700" marR="12700" marT="12700" marB="0" anchor="ctr"/>
+                </a:tc>
+                <a:tc>
+                  <a:txBody>
+                    <a:bodyPr/>
+                    <a:lstStyle/>
+                    <a:p>
+                      <a:pPr algn="ctr" fontAlgn="b"/>
+                      <a:r>
+                        <a:rPr lang="hr-HR" sz="1400" u="none" strike="noStrike">
+                          <a:effectLst/>
+                        </a:rPr>
+                        <a:t>6.93</a:t>
+                      </a:r>
+                      <a:endParaRPr lang="hr-HR" sz="1400" b="1" i="0" u="none" strike="noStrike">
+                        <a:solidFill>
+                          <a:srgbClr val="000000"/>
+                        </a:solidFill>
+                        <a:effectLst/>
+                        <a:latin typeface="Times New Roman" charset="0"/>
+                        <a:ea typeface="Times New Roman" charset="0"/>
+                        <a:cs typeface="Times New Roman" charset="0"/>
+                      </a:endParaRPr>
+                    </a:p>
+                  </a:txBody>
+                  <a:tcPr marL="12700" marR="12700" marT="12700" marB="0" anchor="ctr"/>
+                </a:tc>
+                <a:tc>
+                  <a:txBody>
+                    <a:bodyPr/>
+                    <a:lstStyle/>
+                    <a:p>
+                      <a:pPr algn="ctr" fontAlgn="b"/>
+                      <a:r>
+                        <a:rPr lang="hr-HR" sz="1400" u="none" strike="noStrike">
+                          <a:effectLst/>
+                        </a:rPr>
+                        <a:t>6.98</a:t>
+                      </a:r>
+                      <a:endParaRPr lang="hr-HR" sz="1400" b="1" i="0" u="none" strike="noStrike">
+                        <a:solidFill>
+                          <a:srgbClr val="000000"/>
+                        </a:solidFill>
+                        <a:effectLst/>
+                        <a:latin typeface="Times New Roman" charset="0"/>
+                        <a:ea typeface="Times New Roman" charset="0"/>
+                        <a:cs typeface="Times New Roman" charset="0"/>
+                      </a:endParaRPr>
+                    </a:p>
+                  </a:txBody>
+                  <a:tcPr marL="12700" marR="12700" marT="12700" marB="0" anchor="ctr"/>
+                </a:tc>
+                <a:tc>
+                  <a:txBody>
+                    <a:bodyPr/>
+                    <a:lstStyle/>
+                    <a:p>
+                      <a:pPr algn="ctr" fontAlgn="b"/>
+                      <a:r>
+                        <a:rPr lang="nb-NO" sz="1400" u="none" strike="noStrike">
+                          <a:effectLst/>
+                        </a:rPr>
+                        <a:t>7.04</a:t>
+                      </a:r>
+                      <a:endParaRPr lang="nb-NO" sz="1400" b="1" i="0" u="none" strike="noStrike">
+                        <a:solidFill>
+                          <a:srgbClr val="000000"/>
+                        </a:solidFill>
+                        <a:effectLst/>
+                        <a:latin typeface="Times New Roman" charset="0"/>
+                        <a:ea typeface="Times New Roman" charset="0"/>
+                        <a:cs typeface="Times New Roman" charset="0"/>
+                      </a:endParaRPr>
+                    </a:p>
+                  </a:txBody>
+                  <a:tcPr marL="12700" marR="12700" marT="12700" marB="0" anchor="ctr"/>
+                </a:tc>
+                <a:tc>
+                  <a:txBody>
+                    <a:bodyPr/>
+                    <a:lstStyle/>
+                    <a:p>
+                      <a:pPr algn="ctr" fontAlgn="b"/>
+                      <a:r>
+                        <a:rPr lang="nb-NO" sz="1400" u="none" strike="noStrike">
+                          <a:effectLst/>
+                        </a:rPr>
+                        <a:t>7.11</a:t>
+                      </a:r>
+                      <a:endParaRPr lang="nb-NO" sz="1400" b="1" i="0" u="none" strike="noStrike">
+                        <a:solidFill>
+                          <a:srgbClr val="000000"/>
+                        </a:solidFill>
+                        <a:effectLst/>
+                        <a:latin typeface="Times New Roman" charset="0"/>
+                        <a:ea typeface="Times New Roman" charset="0"/>
+                        <a:cs typeface="Times New Roman" charset="0"/>
+                      </a:endParaRPr>
+                    </a:p>
+                  </a:txBody>
+                  <a:tcPr marL="12700" marR="12700" marT="12700" marB="0" anchor="ctr"/>
+                </a:tc>
+              </a:tr>
+              <a:tr h="793739">
+                <a:tc>
+                  <a:txBody>
+                    <a:bodyPr/>
+                    <a:lstStyle/>
+                    <a:p>
+                      <a:pPr algn="ctr" fontAlgn="b"/>
+                      <a:r>
+                        <a:rPr lang="en-US" sz="1400" u="none" strike="noStrike">
+                          <a:effectLst/>
+                        </a:rPr>
+                        <a:t>15-24 years</a:t>
+                      </a:r>
+                      <a:endParaRPr lang="en-US" sz="1400" b="1" i="0" u="none" strike="noStrike">
+                        <a:solidFill>
+                          <a:srgbClr val="000000"/>
+                        </a:solidFill>
+                        <a:effectLst/>
+                        <a:latin typeface="Times New Roman" charset="0"/>
+                        <a:ea typeface="Times New Roman" charset="0"/>
+                        <a:cs typeface="Times New Roman" charset="0"/>
+                      </a:endParaRPr>
+                    </a:p>
+                  </a:txBody>
+                  <a:tcPr marL="12700" marR="12700" marT="12700" marB="0" anchor="ctr"/>
+                </a:tc>
+                <a:tc>
+                  <a:txBody>
+                    <a:bodyPr/>
+                    <a:lstStyle/>
+                    <a:p>
+                      <a:pPr algn="ctr" fontAlgn="b"/>
+                      <a:r>
+                        <a:rPr lang="nb-NO" sz="1400" u="none" strike="noStrike">
+                          <a:effectLst/>
+                        </a:rPr>
+                        <a:t>25.44</a:t>
+                      </a:r>
+                      <a:endParaRPr lang="nb-NO" sz="1400" b="1" i="0" u="none" strike="noStrike">
+                        <a:solidFill>
+                          <a:srgbClr val="000000"/>
+                        </a:solidFill>
+                        <a:effectLst/>
+                        <a:latin typeface="Times New Roman" charset="0"/>
+                        <a:ea typeface="Times New Roman" charset="0"/>
+                        <a:cs typeface="Times New Roman" charset="0"/>
+                      </a:endParaRPr>
+                    </a:p>
+                  </a:txBody>
+                  <a:tcPr marL="12700" marR="12700" marT="12700" marB="0" anchor="ctr"/>
+                </a:tc>
+                <a:tc>
+                  <a:txBody>
+                    <a:bodyPr/>
+                    <a:lstStyle/>
+                    <a:p>
+                      <a:pPr algn="ctr" fontAlgn="b"/>
+                      <a:r>
+                        <a:rPr lang="hr-HR" sz="1400" u="none" strike="noStrike">
+                          <a:effectLst/>
+                        </a:rPr>
+                        <a:t>24.15</a:t>
+                      </a:r>
+                      <a:endParaRPr lang="hr-HR" sz="1400" b="1" i="0" u="none" strike="noStrike">
+                        <a:solidFill>
+                          <a:srgbClr val="000000"/>
+                        </a:solidFill>
+                        <a:effectLst/>
+                        <a:latin typeface="Times New Roman" charset="0"/>
+                        <a:ea typeface="Times New Roman" charset="0"/>
+                        <a:cs typeface="Times New Roman" charset="0"/>
+                      </a:endParaRPr>
+                    </a:p>
+                  </a:txBody>
+                  <a:tcPr marL="12700" marR="12700" marT="12700" marB="0" anchor="ctr"/>
+                </a:tc>
+                <a:tc>
+                  <a:txBody>
+                    <a:bodyPr/>
+                    <a:lstStyle/>
+                    <a:p>
+                      <a:pPr algn="ctr" fontAlgn="b"/>
+                      <a:r>
+                        <a:rPr lang="nb-NO" sz="1400" u="none" strike="noStrike" dirty="0">
+                          <a:effectLst/>
+                        </a:rPr>
+                        <a:t>25.28</a:t>
+                      </a:r>
+                      <a:endParaRPr lang="nb-NO" sz="1400" b="1" i="0" u="none" strike="noStrike" dirty="0">
+                        <a:solidFill>
+                          <a:srgbClr val="000000"/>
+                        </a:solidFill>
+                        <a:effectLst/>
+                        <a:latin typeface="Times New Roman" charset="0"/>
+                        <a:ea typeface="Times New Roman" charset="0"/>
+                        <a:cs typeface="Times New Roman" charset="0"/>
+                      </a:endParaRPr>
+                    </a:p>
+                  </a:txBody>
+                  <a:tcPr marL="12700" marR="12700" marT="12700" marB="0" anchor="ctr"/>
+                </a:tc>
+                <a:tc>
+                  <a:txBody>
+                    <a:bodyPr/>
+                    <a:lstStyle/>
+                    <a:p>
+                      <a:pPr algn="ctr" fontAlgn="b"/>
+                      <a:r>
+                        <a:rPr lang="fi-FI" sz="1400" u="none" strike="noStrike" dirty="0">
+                          <a:effectLst/>
+                        </a:rPr>
+                        <a:t>25.87</a:t>
+                      </a:r>
+                      <a:endParaRPr lang="fi-FI" sz="1400" b="1" i="0" u="none" strike="noStrike" dirty="0">
+                        <a:solidFill>
+                          <a:srgbClr val="000000"/>
+                        </a:solidFill>
+                        <a:effectLst/>
+                        <a:latin typeface="Times New Roman" charset="0"/>
+                        <a:ea typeface="Times New Roman" charset="0"/>
+                        <a:cs typeface="Times New Roman" charset="0"/>
+                      </a:endParaRPr>
+                    </a:p>
+                  </a:txBody>
+                  <a:tcPr marL="12700" marR="12700" marT="12700" marB="0" anchor="ctr"/>
+                </a:tc>
+                <a:tc>
+                  <a:txBody>
+                    <a:bodyPr/>
+                    <a:lstStyle/>
+                    <a:p>
+                      <a:pPr algn="ctr" fontAlgn="b"/>
+                      <a:r>
+                        <a:rPr lang="hr-HR" sz="1400" u="none" strike="noStrike">
+                          <a:effectLst/>
+                        </a:rPr>
+                        <a:t>24.74</a:t>
+                      </a:r>
+                      <a:endParaRPr lang="hr-HR" sz="1400" b="1" i="0" u="none" strike="noStrike">
+                        <a:solidFill>
+                          <a:srgbClr val="000000"/>
+                        </a:solidFill>
+                        <a:effectLst/>
+                        <a:latin typeface="Times New Roman" charset="0"/>
+                        <a:ea typeface="Times New Roman" charset="0"/>
+                        <a:cs typeface="Times New Roman" charset="0"/>
+                      </a:endParaRPr>
+                    </a:p>
+                  </a:txBody>
+                  <a:tcPr marL="12700" marR="12700" marT="12700" marB="0" anchor="ctr"/>
+                </a:tc>
+                <a:tc>
+                  <a:txBody>
+                    <a:bodyPr/>
+                    <a:lstStyle/>
+                    <a:p>
+                      <a:pPr algn="ctr" fontAlgn="b"/>
+                      <a:r>
+                        <a:rPr lang="hr-HR" sz="1400" u="none" strike="noStrike">
+                          <a:effectLst/>
+                        </a:rPr>
+                        <a:t>24.31</a:t>
+                      </a:r>
+                      <a:endParaRPr lang="hr-HR" sz="1400" b="1" i="0" u="none" strike="noStrike">
+                        <a:solidFill>
+                          <a:srgbClr val="000000"/>
+                        </a:solidFill>
+                        <a:effectLst/>
+                        <a:latin typeface="Times New Roman" charset="0"/>
+                        <a:ea typeface="Times New Roman" charset="0"/>
+                        <a:cs typeface="Times New Roman" charset="0"/>
+                      </a:endParaRPr>
+                    </a:p>
+                  </a:txBody>
+                  <a:tcPr marL="12700" marR="12700" marT="12700" marB="0" anchor="ctr"/>
+                </a:tc>
+                <a:tc>
+                  <a:txBody>
+                    <a:bodyPr/>
+                    <a:lstStyle/>
+                    <a:p>
+                      <a:pPr algn="ctr" fontAlgn="b"/>
+                      <a:r>
+                        <a:rPr lang="hr-HR" sz="1400" u="none" strike="noStrike">
+                          <a:effectLst/>
+                        </a:rPr>
+                        <a:t>23.53</a:t>
+                      </a:r>
+                      <a:endParaRPr lang="hr-HR" sz="1400" b="1" i="0" u="none" strike="noStrike">
+                        <a:solidFill>
+                          <a:srgbClr val="000000"/>
+                        </a:solidFill>
+                        <a:effectLst/>
+                        <a:latin typeface="Times New Roman" charset="0"/>
+                        <a:ea typeface="Times New Roman" charset="0"/>
+                        <a:cs typeface="Times New Roman" charset="0"/>
+                      </a:endParaRPr>
+                    </a:p>
+                  </a:txBody>
+                  <a:tcPr marL="12700" marR="12700" marT="12700" marB="0" anchor="ctr"/>
+                </a:tc>
+              </a:tr>
+              <a:tr h="793739">
+                <a:tc>
+                  <a:txBody>
+                    <a:bodyPr/>
+                    <a:lstStyle/>
+                    <a:p>
+                      <a:pPr algn="ctr" fontAlgn="b"/>
+                      <a:r>
+                        <a:rPr lang="en-US" sz="1400" u="none" strike="noStrike">
+                          <a:effectLst/>
+                        </a:rPr>
+                        <a:t>25-44 years</a:t>
+                      </a:r>
+                      <a:endParaRPr lang="en-US" sz="1400" b="1" i="0" u="none" strike="noStrike">
+                        <a:solidFill>
+                          <a:srgbClr val="000000"/>
+                        </a:solidFill>
+                        <a:effectLst/>
+                        <a:latin typeface="Times New Roman" charset="0"/>
+                        <a:ea typeface="Times New Roman" charset="0"/>
+                        <a:cs typeface="Times New Roman" charset="0"/>
+                      </a:endParaRPr>
+                    </a:p>
+                  </a:txBody>
+                  <a:tcPr marL="12700" marR="12700" marT="12700" marB="0" anchor="ctr"/>
+                </a:tc>
+                <a:tc>
+                  <a:txBody>
+                    <a:bodyPr/>
+                    <a:lstStyle/>
+                    <a:p>
+                      <a:pPr algn="ctr" fontAlgn="b"/>
+                      <a:r>
+                        <a:rPr lang="hr-HR" sz="1400" u="none" strike="noStrike">
+                          <a:effectLst/>
+                        </a:rPr>
+                        <a:t>3.74</a:t>
+                      </a:r>
+                      <a:endParaRPr lang="hr-HR" sz="1400" b="1" i="0" u="none" strike="noStrike">
+                        <a:solidFill>
+                          <a:srgbClr val="000000"/>
+                        </a:solidFill>
+                        <a:effectLst/>
+                        <a:latin typeface="Times New Roman" charset="0"/>
+                        <a:ea typeface="Times New Roman" charset="0"/>
+                        <a:cs typeface="Times New Roman" charset="0"/>
+                      </a:endParaRPr>
+                    </a:p>
+                  </a:txBody>
+                  <a:tcPr marL="12700" marR="12700" marT="12700" marB="0" anchor="ctr"/>
+                </a:tc>
+                <a:tc>
+                  <a:txBody>
+                    <a:bodyPr/>
+                    <a:lstStyle/>
+                    <a:p>
+                      <a:pPr algn="ctr" fontAlgn="b"/>
+                      <a:r>
+                        <a:rPr lang="hr-HR" sz="1400" u="none" strike="noStrike">
+                          <a:effectLst/>
+                        </a:rPr>
+                        <a:t>4.29</a:t>
+                      </a:r>
+                      <a:endParaRPr lang="hr-HR" sz="1400" b="1" i="0" u="none" strike="noStrike">
+                        <a:solidFill>
+                          <a:srgbClr val="000000"/>
+                        </a:solidFill>
+                        <a:effectLst/>
+                        <a:latin typeface="Times New Roman" charset="0"/>
+                        <a:ea typeface="Times New Roman" charset="0"/>
+                        <a:cs typeface="Times New Roman" charset="0"/>
+                      </a:endParaRPr>
+                    </a:p>
+                  </a:txBody>
+                  <a:tcPr marL="12700" marR="12700" marT="12700" marB="0" anchor="ctr"/>
+                </a:tc>
+                <a:tc>
+                  <a:txBody>
+                    <a:bodyPr/>
+                    <a:lstStyle/>
+                    <a:p>
+                      <a:pPr algn="ctr" fontAlgn="b"/>
+                      <a:r>
+                        <a:rPr lang="hr-HR" sz="1400" u="none" strike="noStrike" dirty="0">
+                          <a:effectLst/>
+                        </a:rPr>
+                        <a:t>4.65</a:t>
+                      </a:r>
+                      <a:endParaRPr lang="hr-HR" sz="1400" b="1" i="0" u="none" strike="noStrike" dirty="0">
+                        <a:solidFill>
+                          <a:srgbClr val="000000"/>
+                        </a:solidFill>
+                        <a:effectLst/>
+                        <a:latin typeface="Times New Roman" charset="0"/>
+                        <a:ea typeface="Times New Roman" charset="0"/>
+                        <a:cs typeface="Times New Roman" charset="0"/>
+                      </a:endParaRPr>
+                    </a:p>
+                  </a:txBody>
+                  <a:tcPr marL="12700" marR="12700" marT="12700" marB="0" anchor="ctr"/>
+                </a:tc>
+                <a:tc>
+                  <a:txBody>
+                    <a:bodyPr/>
+                    <a:lstStyle/>
+                    <a:p>
+                      <a:pPr algn="ctr" fontAlgn="b"/>
+                      <a:r>
+                        <a:rPr lang="hr-HR" sz="1400" u="none" strike="noStrike">
+                          <a:effectLst/>
+                        </a:rPr>
+                        <a:t>4.43</a:t>
+                      </a:r>
+                      <a:endParaRPr lang="hr-HR" sz="1400" b="1" i="0" u="none" strike="noStrike">
+                        <a:solidFill>
+                          <a:srgbClr val="000000"/>
+                        </a:solidFill>
+                        <a:effectLst/>
+                        <a:latin typeface="Times New Roman" charset="0"/>
+                        <a:ea typeface="Times New Roman" charset="0"/>
+                        <a:cs typeface="Times New Roman" charset="0"/>
+                      </a:endParaRPr>
+                    </a:p>
+                  </a:txBody>
+                  <a:tcPr marL="12700" marR="12700" marT="12700" marB="0" anchor="ctr"/>
+                </a:tc>
+                <a:tc>
+                  <a:txBody>
+                    <a:bodyPr/>
+                    <a:lstStyle/>
+                    <a:p>
+                      <a:pPr algn="ctr" fontAlgn="b"/>
+                      <a:r>
+                        <a:rPr lang="hr-HR" sz="1400" u="none" strike="noStrike" dirty="0">
+                          <a:effectLst/>
+                        </a:rPr>
+                        <a:t>4.45</a:t>
+                      </a:r>
+                      <a:endParaRPr lang="hr-HR" sz="1400" b="1" i="0" u="none" strike="noStrike" dirty="0">
+                        <a:solidFill>
+                          <a:srgbClr val="000000"/>
+                        </a:solidFill>
+                        <a:effectLst/>
+                        <a:latin typeface="Times New Roman" charset="0"/>
+                        <a:ea typeface="Times New Roman" charset="0"/>
+                        <a:cs typeface="Times New Roman" charset="0"/>
+                      </a:endParaRPr>
+                    </a:p>
+                  </a:txBody>
+                  <a:tcPr marL="12700" marR="12700" marT="12700" marB="0" anchor="ctr"/>
+                </a:tc>
+                <a:tc>
+                  <a:txBody>
+                    <a:bodyPr/>
+                    <a:lstStyle/>
+                    <a:p>
+                      <a:pPr algn="ctr" fontAlgn="b"/>
+                      <a:r>
+                        <a:rPr lang="hr-HR" sz="1400" u="none" strike="noStrike">
+                          <a:effectLst/>
+                        </a:rPr>
+                        <a:t>4.68</a:t>
+                      </a:r>
+                      <a:endParaRPr lang="hr-HR" sz="1400" b="1" i="0" u="none" strike="noStrike">
+                        <a:solidFill>
+                          <a:srgbClr val="000000"/>
+                        </a:solidFill>
+                        <a:effectLst/>
+                        <a:latin typeface="Times New Roman" charset="0"/>
+                        <a:ea typeface="Times New Roman" charset="0"/>
+                        <a:cs typeface="Times New Roman" charset="0"/>
+                      </a:endParaRPr>
+                    </a:p>
+                  </a:txBody>
+                  <a:tcPr marL="12700" marR="12700" marT="12700" marB="0" anchor="ctr"/>
+                </a:tc>
+                <a:tc>
+                  <a:txBody>
+                    <a:bodyPr/>
+                    <a:lstStyle/>
+                    <a:p>
+                      <a:pPr algn="ctr" fontAlgn="b"/>
+                      <a:r>
+                        <a:rPr lang="hr-HR" sz="1400" u="none" strike="noStrike">
+                          <a:effectLst/>
+                        </a:rPr>
+                        <a:t>4.83</a:t>
+                      </a:r>
+                      <a:endParaRPr lang="hr-HR" sz="1400" b="1" i="0" u="none" strike="noStrike">
+                        <a:solidFill>
+                          <a:srgbClr val="000000"/>
+                        </a:solidFill>
+                        <a:effectLst/>
+                        <a:latin typeface="Times New Roman" charset="0"/>
+                        <a:ea typeface="Times New Roman" charset="0"/>
+                        <a:cs typeface="Times New Roman" charset="0"/>
+                      </a:endParaRPr>
+                    </a:p>
+                  </a:txBody>
+                  <a:tcPr marL="12700" marR="12700" marT="12700" marB="0" anchor="ctr"/>
+                </a:tc>
+              </a:tr>
+              <a:tr h="793739">
+                <a:tc>
+                  <a:txBody>
+                    <a:bodyPr/>
+                    <a:lstStyle/>
+                    <a:p>
+                      <a:pPr algn="ctr" fontAlgn="b"/>
+                      <a:r>
+                        <a:rPr lang="en-US" sz="1400" u="none" strike="noStrike">
+                          <a:effectLst/>
+                        </a:rPr>
+                        <a:t>45-64 years</a:t>
+                      </a:r>
+                      <a:endParaRPr lang="en-US" sz="1400" b="1" i="0" u="none" strike="noStrike">
+                        <a:solidFill>
+                          <a:srgbClr val="000000"/>
+                        </a:solidFill>
+                        <a:effectLst/>
+                        <a:latin typeface="Times New Roman" charset="0"/>
+                        <a:ea typeface="Times New Roman" charset="0"/>
+                        <a:cs typeface="Times New Roman" charset="0"/>
+                      </a:endParaRPr>
+                    </a:p>
+                  </a:txBody>
+                  <a:tcPr marL="12700" marR="12700" marT="12700" marB="0" anchor="ctr"/>
+                </a:tc>
+                <a:tc>
+                  <a:txBody>
+                    <a:bodyPr/>
+                    <a:lstStyle/>
+                    <a:p>
+                      <a:pPr algn="ctr" fontAlgn="b"/>
+                      <a:r>
+                        <a:rPr lang="hr-HR" sz="1400" u="none" strike="noStrike">
+                          <a:effectLst/>
+                        </a:rPr>
+                        <a:t>6.95</a:t>
+                      </a:r>
+                      <a:endParaRPr lang="hr-HR" sz="1400" b="1" i="0" u="none" strike="noStrike">
+                        <a:solidFill>
+                          <a:srgbClr val="000000"/>
+                        </a:solidFill>
+                        <a:effectLst/>
+                        <a:latin typeface="Times New Roman" charset="0"/>
+                        <a:ea typeface="Times New Roman" charset="0"/>
+                        <a:cs typeface="Times New Roman" charset="0"/>
+                      </a:endParaRPr>
+                    </a:p>
+                  </a:txBody>
+                  <a:tcPr marL="12700" marR="12700" marT="12700" marB="0" anchor="ctr"/>
+                </a:tc>
+                <a:tc>
+                  <a:txBody>
+                    <a:bodyPr/>
+                    <a:lstStyle/>
+                    <a:p>
+                      <a:pPr algn="ctr" fontAlgn="b"/>
+                      <a:r>
+                        <a:rPr lang="hr-HR" sz="1400" u="none" strike="noStrike">
+                          <a:effectLst/>
+                        </a:rPr>
+                        <a:t>7.23</a:t>
+                      </a:r>
+                      <a:endParaRPr lang="hr-HR" sz="1400" b="1" i="0" u="none" strike="noStrike">
+                        <a:solidFill>
+                          <a:srgbClr val="000000"/>
+                        </a:solidFill>
+                        <a:effectLst/>
+                        <a:latin typeface="Times New Roman" charset="0"/>
+                        <a:ea typeface="Times New Roman" charset="0"/>
+                        <a:cs typeface="Times New Roman" charset="0"/>
+                      </a:endParaRPr>
+                    </a:p>
+                  </a:txBody>
+                  <a:tcPr marL="12700" marR="12700" marT="12700" marB="0" anchor="ctr"/>
+                </a:tc>
+                <a:tc>
+                  <a:txBody>
+                    <a:bodyPr/>
+                    <a:lstStyle/>
+                    <a:p>
+                      <a:pPr algn="ctr" fontAlgn="b"/>
+                      <a:r>
+                        <a:rPr lang="hr-HR" sz="1400" u="none" strike="noStrike">
+                          <a:effectLst/>
+                        </a:rPr>
+                        <a:t>6.8</a:t>
+                      </a:r>
+                      <a:endParaRPr lang="hr-HR" sz="1400" b="1" i="0" u="none" strike="noStrike">
+                        <a:solidFill>
+                          <a:srgbClr val="000000"/>
+                        </a:solidFill>
+                        <a:effectLst/>
+                        <a:latin typeface="Times New Roman" charset="0"/>
+                        <a:ea typeface="Times New Roman" charset="0"/>
+                        <a:cs typeface="Times New Roman" charset="0"/>
+                      </a:endParaRPr>
+                    </a:p>
+                  </a:txBody>
+                  <a:tcPr marL="12700" marR="12700" marT="12700" marB="0" anchor="ctr"/>
+                </a:tc>
+                <a:tc>
+                  <a:txBody>
+                    <a:bodyPr/>
+                    <a:lstStyle/>
+                    <a:p>
+                      <a:pPr algn="ctr" fontAlgn="b"/>
+                      <a:r>
+                        <a:rPr lang="nb-NO" sz="1400" u="none" strike="noStrike">
+                          <a:effectLst/>
+                        </a:rPr>
+                        <a:t>7.01</a:t>
+                      </a:r>
+                      <a:endParaRPr lang="nb-NO" sz="1400" b="1" i="0" u="none" strike="noStrike">
+                        <a:solidFill>
+                          <a:srgbClr val="000000"/>
+                        </a:solidFill>
+                        <a:effectLst/>
+                        <a:latin typeface="Times New Roman" charset="0"/>
+                        <a:ea typeface="Times New Roman" charset="0"/>
+                        <a:cs typeface="Times New Roman" charset="0"/>
+                      </a:endParaRPr>
+                    </a:p>
+                  </a:txBody>
+                  <a:tcPr marL="12700" marR="12700" marT="12700" marB="0" anchor="ctr"/>
+                </a:tc>
+                <a:tc>
+                  <a:txBody>
+                    <a:bodyPr/>
+                    <a:lstStyle/>
+                    <a:p>
+                      <a:pPr algn="ctr" fontAlgn="b"/>
+                      <a:r>
+                        <a:rPr lang="nb-NO" sz="1400" u="none" strike="noStrike" dirty="0">
+                          <a:effectLst/>
+                        </a:rPr>
+                        <a:t>7.19</a:t>
+                      </a:r>
+                      <a:endParaRPr lang="nb-NO" sz="1400" b="1" i="0" u="none" strike="noStrike" dirty="0">
+                        <a:solidFill>
+                          <a:srgbClr val="000000"/>
+                        </a:solidFill>
+                        <a:effectLst/>
+                        <a:latin typeface="Times New Roman" charset="0"/>
+                        <a:ea typeface="Times New Roman" charset="0"/>
+                        <a:cs typeface="Times New Roman" charset="0"/>
+                      </a:endParaRPr>
+                    </a:p>
+                  </a:txBody>
+                  <a:tcPr marL="12700" marR="12700" marT="12700" marB="0" anchor="ctr"/>
+                </a:tc>
+                <a:tc>
+                  <a:txBody>
+                    <a:bodyPr/>
+                    <a:lstStyle/>
+                    <a:p>
+                      <a:pPr algn="ctr" fontAlgn="b"/>
+                      <a:r>
+                        <a:rPr lang="nb-NO" sz="1400" u="none" strike="noStrike" dirty="0">
+                          <a:effectLst/>
+                        </a:rPr>
+                        <a:t>7.03</a:t>
+                      </a:r>
+                      <a:endParaRPr lang="nb-NO" sz="1400" b="1" i="0" u="none" strike="noStrike" dirty="0">
+                        <a:solidFill>
+                          <a:srgbClr val="000000"/>
+                        </a:solidFill>
+                        <a:effectLst/>
+                        <a:latin typeface="Times New Roman" charset="0"/>
+                        <a:ea typeface="Times New Roman" charset="0"/>
+                        <a:cs typeface="Times New Roman" charset="0"/>
+                      </a:endParaRPr>
+                    </a:p>
+                  </a:txBody>
+                  <a:tcPr marL="12700" marR="12700" marT="12700" marB="0" anchor="ctr"/>
+                </a:tc>
+                <a:tc>
+                  <a:txBody>
+                    <a:bodyPr/>
+                    <a:lstStyle/>
+                    <a:p>
+                      <a:pPr algn="ctr" fontAlgn="b"/>
+                      <a:r>
+                        <a:rPr lang="nb-NO" sz="1400" u="none" strike="noStrike" dirty="0">
+                          <a:effectLst/>
+                        </a:rPr>
+                        <a:t>7.08</a:t>
+                      </a:r>
+                      <a:endParaRPr lang="nb-NO" sz="1400" b="1" i="0" u="none" strike="noStrike" dirty="0">
+                        <a:solidFill>
+                          <a:srgbClr val="000000"/>
+                        </a:solidFill>
+                        <a:effectLst/>
+                        <a:latin typeface="Times New Roman" charset="0"/>
+                        <a:ea typeface="Times New Roman" charset="0"/>
+                        <a:cs typeface="Times New Roman" charset="0"/>
+                      </a:endParaRPr>
+                    </a:p>
+                  </a:txBody>
+                  <a:tcPr marL="12700" marR="12700" marT="12700" marB="0" anchor="ctr"/>
+                </a:tc>
+              </a:tr>
+              <a:tr h="793739">
+                <a:tc>
+                  <a:txBody>
+                    <a:bodyPr/>
+                    <a:lstStyle/>
+                    <a:p>
+                      <a:pPr algn="ctr" fontAlgn="b"/>
+                      <a:r>
+                        <a:rPr lang="en-US" sz="1400" u="none" strike="noStrike">
+                          <a:effectLst/>
+                        </a:rPr>
+                        <a:t>65 years &amp; over</a:t>
+                      </a:r>
+                      <a:endParaRPr lang="en-US" sz="1400" b="1" i="0" u="none" strike="noStrike">
+                        <a:solidFill>
+                          <a:srgbClr val="000000"/>
+                        </a:solidFill>
+                        <a:effectLst/>
+                        <a:latin typeface="Times New Roman" charset="0"/>
+                        <a:ea typeface="Times New Roman" charset="0"/>
+                        <a:cs typeface="Times New Roman" charset="0"/>
+                      </a:endParaRPr>
+                    </a:p>
+                  </a:txBody>
+                  <a:tcPr marL="12700" marR="12700" marT="12700" marB="0" anchor="ctr"/>
+                </a:tc>
+                <a:tc>
+                  <a:txBody>
+                    <a:bodyPr/>
+                    <a:lstStyle/>
+                    <a:p>
+                      <a:pPr algn="ctr" fontAlgn="b"/>
+                      <a:r>
+                        <a:rPr lang="nb-NO" sz="1400" u="none" strike="noStrike">
+                          <a:effectLst/>
+                        </a:rPr>
+                        <a:t>10.78</a:t>
+                      </a:r>
+                      <a:endParaRPr lang="nb-NO" sz="1400" b="1" i="0" u="none" strike="noStrike">
+                        <a:solidFill>
+                          <a:srgbClr val="000000"/>
+                        </a:solidFill>
+                        <a:effectLst/>
+                        <a:latin typeface="Times New Roman" charset="0"/>
+                        <a:ea typeface="Times New Roman" charset="0"/>
+                        <a:cs typeface="Times New Roman" charset="0"/>
+                      </a:endParaRPr>
+                    </a:p>
+                  </a:txBody>
+                  <a:tcPr marL="12700" marR="12700" marT="12700" marB="0" anchor="ctr"/>
+                </a:tc>
+                <a:tc>
+                  <a:txBody>
+                    <a:bodyPr/>
+                    <a:lstStyle/>
+                    <a:p>
+                      <a:pPr algn="ctr" fontAlgn="b"/>
+                      <a:r>
+                        <a:rPr lang="nb-NO" sz="1400" u="none" strike="noStrike">
+                          <a:effectLst/>
+                        </a:rPr>
+                        <a:t>7.17</a:t>
+                      </a:r>
+                      <a:endParaRPr lang="nb-NO" sz="1400" b="1" i="0" u="none" strike="noStrike">
+                        <a:solidFill>
+                          <a:srgbClr val="000000"/>
+                        </a:solidFill>
+                        <a:effectLst/>
+                        <a:latin typeface="Times New Roman" charset="0"/>
+                        <a:ea typeface="Times New Roman" charset="0"/>
+                        <a:cs typeface="Times New Roman" charset="0"/>
+                      </a:endParaRPr>
+                    </a:p>
+                  </a:txBody>
+                  <a:tcPr marL="12700" marR="12700" marT="12700" marB="0" anchor="ctr"/>
+                </a:tc>
+                <a:tc>
+                  <a:txBody>
+                    <a:bodyPr/>
+                    <a:lstStyle/>
+                    <a:p>
+                      <a:pPr algn="ctr" fontAlgn="b"/>
+                      <a:r>
+                        <a:rPr lang="en-US" altLang="zh-TW" sz="1400" u="none" strike="noStrike">
+                          <a:effectLst/>
+                        </a:rPr>
+                        <a:t>8</a:t>
+                      </a:r>
+                      <a:endParaRPr lang="en-US" altLang="zh-TW" sz="1400" b="1" i="0" u="none" strike="noStrike">
+                        <a:solidFill>
+                          <a:srgbClr val="000000"/>
+                        </a:solidFill>
+                        <a:effectLst/>
+                        <a:latin typeface="Times New Roman" charset="0"/>
+                        <a:ea typeface="Times New Roman" charset="0"/>
+                        <a:cs typeface="Times New Roman" charset="0"/>
+                      </a:endParaRPr>
+                    </a:p>
+                  </a:txBody>
+                  <a:tcPr marL="12700" marR="12700" marT="12700" marB="0" anchor="ctr"/>
+                </a:tc>
+                <a:tc>
+                  <a:txBody>
+                    <a:bodyPr/>
+                    <a:lstStyle/>
+                    <a:p>
+                      <a:pPr algn="ctr" fontAlgn="b"/>
+                      <a:r>
+                        <a:rPr lang="nb-NO" sz="1400" u="none" strike="noStrike">
+                          <a:effectLst/>
+                        </a:rPr>
+                        <a:t>7.96</a:t>
+                      </a:r>
+                      <a:endParaRPr lang="nb-NO" sz="1400" b="1" i="0" u="none" strike="noStrike">
+                        <a:solidFill>
+                          <a:srgbClr val="000000"/>
+                        </a:solidFill>
+                        <a:effectLst/>
+                        <a:latin typeface="Times New Roman" charset="0"/>
+                        <a:ea typeface="Times New Roman" charset="0"/>
+                        <a:cs typeface="Times New Roman" charset="0"/>
+                      </a:endParaRPr>
+                    </a:p>
+                  </a:txBody>
+                  <a:tcPr marL="12700" marR="12700" marT="12700" marB="0" anchor="ctr"/>
+                </a:tc>
+                <a:tc>
+                  <a:txBody>
+                    <a:bodyPr/>
+                    <a:lstStyle/>
+                    <a:p>
+                      <a:pPr algn="ctr" fontAlgn="b"/>
+                      <a:r>
+                        <a:rPr lang="hr-HR" sz="1400" u="none" strike="noStrike">
+                          <a:effectLst/>
+                        </a:rPr>
+                        <a:t>8.86</a:t>
+                      </a:r>
+                      <a:endParaRPr lang="hr-HR" sz="1400" b="1" i="0" u="none" strike="noStrike">
+                        <a:solidFill>
+                          <a:srgbClr val="000000"/>
+                        </a:solidFill>
+                        <a:effectLst/>
+                        <a:latin typeface="Times New Roman" charset="0"/>
+                        <a:ea typeface="Times New Roman" charset="0"/>
+                        <a:cs typeface="Times New Roman" charset="0"/>
+                      </a:endParaRPr>
+                    </a:p>
+                  </a:txBody>
+                  <a:tcPr marL="12700" marR="12700" marT="12700" marB="0" anchor="ctr"/>
+                </a:tc>
+                <a:tc>
+                  <a:txBody>
+                    <a:bodyPr/>
+                    <a:lstStyle/>
+                    <a:p>
+                      <a:pPr algn="ctr" fontAlgn="b"/>
+                      <a:r>
+                        <a:rPr lang="hr-HR" sz="1400" u="none" strike="noStrike" dirty="0">
+                          <a:effectLst/>
+                        </a:rPr>
+                        <a:t>8.22</a:t>
+                      </a:r>
+                      <a:endParaRPr lang="hr-HR" sz="1400" b="1" i="0" u="none" strike="noStrike" dirty="0">
+                        <a:solidFill>
+                          <a:srgbClr val="000000"/>
+                        </a:solidFill>
+                        <a:effectLst/>
+                        <a:latin typeface="Times New Roman" charset="0"/>
+                        <a:ea typeface="Times New Roman" charset="0"/>
+                        <a:cs typeface="Times New Roman" charset="0"/>
+                      </a:endParaRPr>
+                    </a:p>
+                  </a:txBody>
+                  <a:tcPr marL="12700" marR="12700" marT="12700" marB="0" anchor="ctr"/>
+                </a:tc>
+                <a:tc>
+                  <a:txBody>
+                    <a:bodyPr/>
+                    <a:lstStyle/>
+                    <a:p>
+                      <a:pPr algn="ctr" fontAlgn="b"/>
+                      <a:r>
+                        <a:rPr lang="hr-HR" sz="1400" u="none" strike="noStrike" dirty="0">
+                          <a:effectLst/>
+                        </a:rPr>
+                        <a:t>8.15</a:t>
+                      </a:r>
+                      <a:endParaRPr lang="hr-HR" sz="1400" b="1" i="0" u="none" strike="noStrike" dirty="0">
+                        <a:solidFill>
+                          <a:srgbClr val="000000"/>
+                        </a:solidFill>
+                        <a:effectLst/>
+                        <a:latin typeface="Times New Roman" charset="0"/>
+                        <a:ea typeface="Times New Roman" charset="0"/>
+                        <a:cs typeface="Times New Roman" charset="0"/>
+                      </a:endParaRPr>
+                    </a:p>
+                  </a:txBody>
+                  <a:tcPr marL="12700" marR="12700" marT="12700" marB="0" anchor="ctr"/>
+                </a:tc>
+              </a:tr>
+            </a:tbl>
+          </a:graphicData>
+        </a:graphic>
+      </p:graphicFrame>
+    </p:spTree>
+    <p:extLst>
+      <p:ext uri="{BB962C8B-B14F-4D97-AF65-F5344CB8AC3E}">
+        <p14:creationId xmlns:p14="http://schemas.microsoft.com/office/powerpoint/2010/main" val="1265183968"/>
+      </p:ext>
+    </p:extLst>
+  </p:cSld>
+  <p:clrMapOvr>
+    <a:masterClrMapping/>
+  </p:clrMapOvr>
+</p:sld>
+</file>
+
+<file path=ppt/slides/slide3.xml><?xml version="1.0" encoding="utf-8"?>
+<p:sld xmlns:a="http://schemas.openxmlformats.org/drawingml/2006/main" xmlns:r="http://schemas.openxmlformats.org/officeDocument/2006/relationships" xmlns:p="http://schemas.openxmlformats.org/presentationml/2006/main">
+  <p:cSld>
+    <p:spTree>
+      <p:nvGrpSpPr>
+        <p:cNvPr id="1" name=""/>
+        <p:cNvGrpSpPr/>
+        <p:nvPr/>
+      </p:nvGrpSpPr>
+      <p:grpSpPr>
+        <a:xfrm>
+          <a:off x="0" y="0"/>
+          <a:ext cx="0" cy="0"/>
+          <a:chOff x="0" y="0"/>
+          <a:chExt cx="0" cy="0"/>
+        </a:xfrm>
+      </p:grpSpPr>
+      <p:pic>
+        <p:nvPicPr>
+          <p:cNvPr id="2" name="圖片 1"/>
+          <p:cNvPicPr>
+            <a:picLocks noChangeAspect="1"/>
+          </p:cNvPicPr>
+          <p:nvPr/>
+        </p:nvPicPr>
+        <p:blipFill>
+          <a:blip r:embed="rId2">
+            <a:extLst>
+              <a:ext uri="{28A0092B-C50C-407E-A947-70E740481C1C}">
+                <a14:useLocalDpi xmlns:a14="http://schemas.microsoft.com/office/drawing/2010/main" val="0"/>
+              </a:ext>
+            </a:extLst>
+          </a:blip>
+          <a:stretch>
+            <a:fillRect/>
+          </a:stretch>
+        </p:blipFill>
+        <p:spPr>
+          <a:xfrm>
+            <a:off x="1516742" y="800100"/>
+            <a:ext cx="10058400" cy="5934797"/>
+          </a:xfrm>
+          <a:prstGeom prst="rect">
+            <a:avLst/>
+          </a:prstGeom>
+        </p:spPr>
+      </p:pic>
+    </p:spTree>
+    <p:extLst>
+      <p:ext uri="{BB962C8B-B14F-4D97-AF65-F5344CB8AC3E}">
+        <p14:creationId xmlns:p14="http://schemas.microsoft.com/office/powerpoint/2010/main" val="1296446874"/>
+      </p:ext>
+    </p:extLst>
+  </p:cSld>
+  <p:clrMapOvr>
+    <a:masterClrMapping/>
+  </p:clrMapOvr>
+</p:sld>
+</file>
+
+<file path=ppt/slides/slide4.xml><?xml version="1.0" encoding="utf-8"?>
 <p:sld xmlns:a="http://schemas.openxmlformats.org/drawingml/2006/main" xmlns:r="http://schemas.openxmlformats.org/officeDocument/2006/relationships" xmlns:p="http://schemas.openxmlformats.org/presentationml/2006/main">
   <p:cSld>
     <p:spTree>
@@ -3316,34 +7722,34 @@
                     <a:p>
                       <a:pPr algn="ctr" fontAlgn="ctr"/>
                       <a:r>
-                        <a:rPr lang="en-US" sz="1400" u="none" strike="noStrike">
+                        <a:rPr lang="en-US" sz="1400" u="none" strike="noStrike" dirty="0">
                           <a:effectLst/>
                         </a:rPr>
                         <a:t>Part-time,</a:t>
                       </a:r>
                       <a:br>
-                        <a:rPr lang="en-US" sz="1400" u="none" strike="noStrike">
+                        <a:rPr lang="en-US" sz="1400" u="none" strike="noStrike" dirty="0">
                           <a:effectLst/>
                         </a:rPr>
                       </a:br>
                       <a:r>
-                        <a:rPr lang="en-US" sz="1400" u="none" strike="noStrike">
+                        <a:rPr lang="en-US" sz="1400" u="none" strike="noStrike" dirty="0">
                           <a:effectLst/>
                         </a:rPr>
                         <a:t>temporary or</a:t>
                       </a:r>
                       <a:br>
-                        <a:rPr lang="en-US" sz="1400" u="none" strike="noStrike">
+                        <a:rPr lang="en-US" sz="1400" u="none" strike="noStrike" dirty="0">
                           <a:effectLst/>
                         </a:rPr>
                       </a:br>
                       <a:r>
-                        <a:rPr lang="en-US" sz="1400" u="none" strike="noStrike">
+                        <a:rPr lang="en-US" sz="1400" u="none" strike="noStrike" dirty="0">
                           <a:effectLst/>
                         </a:rPr>
                         <a:t>dispatched workers</a:t>
                       </a:r>
-                      <a:endParaRPr lang="en-US" sz="1400" b="1" i="0" u="none" strike="noStrike">
+                      <a:endParaRPr lang="en-US" sz="1400" b="1" i="0" u="none" strike="noStrike" dirty="0">
                         <a:solidFill>
                           <a:srgbClr val="000000"/>
                         </a:solidFill>
@@ -4595,7 +9001,7 @@
 </p:sld>
 </file>
 
-<file path=ppt/slides/slide3.xml><?xml version="1.0" encoding="utf-8"?>
+<file path=ppt/slides/slide5.xml><?xml version="1.0" encoding="utf-8"?>
 <p:sld xmlns:a="http://schemas.openxmlformats.org/drawingml/2006/main" xmlns:r="http://schemas.openxmlformats.org/officeDocument/2006/relationships" xmlns:p="http://schemas.openxmlformats.org/presentationml/2006/main">
   <p:cSld>
     <p:spTree>
@@ -4728,7 +9134,7 @@
 </p:sld>
 </file>
 
-<file path=ppt/slides/slide4.xml><?xml version="1.0" encoding="utf-8"?>
+<file path=ppt/slides/slide6.xml><?xml version="1.0" encoding="utf-8"?>
 <p:sld xmlns:a="http://schemas.openxmlformats.org/drawingml/2006/main" xmlns:r="http://schemas.openxmlformats.org/officeDocument/2006/relationships" xmlns:p="http://schemas.openxmlformats.org/presentationml/2006/main">
   <p:cSld>
     <p:spTree>
@@ -4814,7 +9220,7 @@
 </p:sld>
 </file>
 
-<file path=ppt/slides/slide5.xml><?xml version="1.0" encoding="utf-8"?>
+<file path=ppt/slides/slide7.xml><?xml version="1.0" encoding="utf-8"?>
 <p:sld xmlns:a="http://schemas.openxmlformats.org/drawingml/2006/main" xmlns:r="http://schemas.openxmlformats.org/officeDocument/2006/relationships" xmlns:p="http://schemas.openxmlformats.org/presentationml/2006/main">
   <p:cSld>
     <p:spTree>
@@ -4896,7 +9302,7 @@
 </p:sld>
 </file>
 
-<file path=ppt/slides/slide6.xml><?xml version="1.0" encoding="utf-8"?>
+<file path=ppt/slides/slide8.xml><?xml version="1.0" encoding="utf-8"?>
 <p:sld xmlns:a="http://schemas.openxmlformats.org/drawingml/2006/main" xmlns:r="http://schemas.openxmlformats.org/officeDocument/2006/relationships" xmlns:p="http://schemas.openxmlformats.org/presentationml/2006/main">
   <p:cSld>
     <p:spTree>
@@ -4945,7 +9351,7 @@
           <p:nvPr>
             <p:extLst>
               <p:ext uri="{D42A27DB-BD31-4B8C-83A1-F6EECF244321}">
-                <p14:modId xmlns:p14="http://schemas.microsoft.com/office/powerpoint/2010/main" val="149957262"/>
+                <p14:modId xmlns:p14="http://schemas.microsoft.com/office/powerpoint/2010/main" val="840611654"/>
               </p:ext>
             </p:extLst>
           </p:nvPr>
@@ -4976,7 +9382,7 @@
                     <a:bodyPr/>
                     <a:lstStyle/>
                     <a:p>
-                      <a:pPr algn="ctr" fontAlgn="b"/>
+                      <a:pPr algn="ctr" fontAlgn="ctr"/>
                       <a:endParaRPr lang="zh-TW" altLang="en-US" sz="1400" b="1" i="0" u="none" strike="noStrike" dirty="0">
                         <a:solidFill>
                           <a:srgbClr val="000000"/>
@@ -4993,158 +9399,137 @@
                     <a:bodyPr/>
                     <a:lstStyle/>
                     <a:p>
-                      <a:pPr algn="ctr" fontAlgn="b"/>
-                      <a:r>
-                        <a:rPr lang="is-IS" sz="1400" u="none" strike="noStrike">
-                          <a:effectLst/>
+                      <a:pPr algn="ctr" fontAlgn="ctr"/>
+                      <a:r>
+                        <a:rPr lang="is-IS" sz="1400" b="1" i="0" u="none" strike="noStrike">
+                          <a:solidFill>
+                            <a:srgbClr val="000000"/>
+                          </a:solidFill>
+                          <a:effectLst/>
+                          <a:latin typeface="新細明體" charset="-120"/>
                         </a:rPr>
                         <a:t>2011</a:t>
                       </a:r>
-                      <a:endParaRPr lang="is-IS" sz="1400" b="1" i="0" u="none" strike="noStrike">
-                        <a:solidFill>
-                          <a:srgbClr val="000000"/>
-                        </a:solidFill>
-                        <a:effectLst/>
-                        <a:latin typeface="新細明體" charset="-120"/>
-                      </a:endParaRPr>
-                    </a:p>
-                  </a:txBody>
-                  <a:tcPr marL="12700" marR="12700" marT="12700" marB="0" anchor="ctr"/>
-                </a:tc>
-                <a:tc>
-                  <a:txBody>
-                    <a:bodyPr/>
-                    <a:lstStyle/>
-                    <a:p>
-                      <a:pPr algn="ctr" fontAlgn="b"/>
-                      <a:r>
-                        <a:rPr lang="is-IS" sz="1400" u="none" strike="noStrike">
-                          <a:effectLst/>
+                    </a:p>
+                  </a:txBody>
+                  <a:tcPr marL="12700" marR="12700" marT="12700" marB="0" anchor="ctr"/>
+                </a:tc>
+                <a:tc>
+                  <a:txBody>
+                    <a:bodyPr/>
+                    <a:lstStyle/>
+                    <a:p>
+                      <a:pPr algn="ctr" fontAlgn="ctr"/>
+                      <a:r>
+                        <a:rPr lang="is-IS" sz="1400" b="1" i="0" u="none" strike="noStrike">
+                          <a:solidFill>
+                            <a:srgbClr val="000000"/>
+                          </a:solidFill>
+                          <a:effectLst/>
+                          <a:latin typeface="新細明體" charset="-120"/>
                         </a:rPr>
                         <a:t>2012</a:t>
                       </a:r>
-                      <a:endParaRPr lang="is-IS" sz="1400" b="1" i="0" u="none" strike="noStrike">
-                        <a:solidFill>
-                          <a:srgbClr val="000000"/>
-                        </a:solidFill>
-                        <a:effectLst/>
-                        <a:latin typeface="新細明體" charset="-120"/>
-                      </a:endParaRPr>
-                    </a:p>
-                  </a:txBody>
-                  <a:tcPr marL="12700" marR="12700" marT="12700" marB="0" anchor="ctr"/>
-                </a:tc>
-                <a:tc>
-                  <a:txBody>
-                    <a:bodyPr/>
-                    <a:lstStyle/>
-                    <a:p>
-                      <a:pPr algn="ctr" fontAlgn="b"/>
-                      <a:r>
-                        <a:rPr lang="is-IS" sz="1400" u="none" strike="noStrike">
-                          <a:effectLst/>
+                    </a:p>
+                  </a:txBody>
+                  <a:tcPr marL="12700" marR="12700" marT="12700" marB="0" anchor="ctr"/>
+                </a:tc>
+                <a:tc>
+                  <a:txBody>
+                    <a:bodyPr/>
+                    <a:lstStyle/>
+                    <a:p>
+                      <a:pPr algn="ctr" fontAlgn="ctr"/>
+                      <a:r>
+                        <a:rPr lang="is-IS" sz="1400" b="1" i="0" u="none" strike="noStrike">
+                          <a:solidFill>
+                            <a:srgbClr val="000000"/>
+                          </a:solidFill>
+                          <a:effectLst/>
+                          <a:latin typeface="新細明體" charset="-120"/>
                         </a:rPr>
                         <a:t>2013</a:t>
                       </a:r>
-                      <a:endParaRPr lang="is-IS" sz="1400" b="1" i="0" u="none" strike="noStrike">
-                        <a:solidFill>
-                          <a:srgbClr val="000000"/>
-                        </a:solidFill>
-                        <a:effectLst/>
-                        <a:latin typeface="新細明體" charset="-120"/>
-                      </a:endParaRPr>
-                    </a:p>
-                  </a:txBody>
-                  <a:tcPr marL="12700" marR="12700" marT="12700" marB="0" anchor="ctr"/>
-                </a:tc>
-                <a:tc>
-                  <a:txBody>
-                    <a:bodyPr/>
-                    <a:lstStyle/>
-                    <a:p>
-                      <a:pPr algn="ctr" fontAlgn="b"/>
-                      <a:r>
-                        <a:rPr lang="is-IS" sz="1400" u="none" strike="noStrike">
-                          <a:effectLst/>
+                    </a:p>
+                  </a:txBody>
+                  <a:tcPr marL="12700" marR="12700" marT="12700" marB="0" anchor="ctr"/>
+                </a:tc>
+                <a:tc>
+                  <a:txBody>
+                    <a:bodyPr/>
+                    <a:lstStyle/>
+                    <a:p>
+                      <a:pPr algn="ctr" fontAlgn="ctr"/>
+                      <a:r>
+                        <a:rPr lang="is-IS" sz="1400" b="1" i="0" u="none" strike="noStrike">
+                          <a:solidFill>
+                            <a:srgbClr val="000000"/>
+                          </a:solidFill>
+                          <a:effectLst/>
+                          <a:latin typeface="新細明體" charset="-120"/>
                         </a:rPr>
                         <a:t>2014</a:t>
                       </a:r>
-                      <a:endParaRPr lang="is-IS" sz="1400" b="1" i="0" u="none" strike="noStrike">
-                        <a:solidFill>
-                          <a:srgbClr val="000000"/>
-                        </a:solidFill>
-                        <a:effectLst/>
-                        <a:latin typeface="新細明體" charset="-120"/>
-                      </a:endParaRPr>
-                    </a:p>
-                  </a:txBody>
-                  <a:tcPr marL="12700" marR="12700" marT="12700" marB="0" anchor="ctr"/>
-                </a:tc>
-                <a:tc>
-                  <a:txBody>
-                    <a:bodyPr/>
-                    <a:lstStyle/>
-                    <a:p>
-                      <a:pPr algn="ctr" fontAlgn="b"/>
-                      <a:r>
-                        <a:rPr lang="is-IS" sz="1400" u="none" strike="noStrike">
-                          <a:effectLst/>
+                    </a:p>
+                  </a:txBody>
+                  <a:tcPr marL="12700" marR="12700" marT="12700" marB="0" anchor="ctr"/>
+                </a:tc>
+                <a:tc>
+                  <a:txBody>
+                    <a:bodyPr/>
+                    <a:lstStyle/>
+                    <a:p>
+                      <a:pPr algn="ctr" fontAlgn="ctr"/>
+                      <a:r>
+                        <a:rPr lang="is-IS" sz="1400" b="1" i="0" u="none" strike="noStrike">
+                          <a:solidFill>
+                            <a:srgbClr val="000000"/>
+                          </a:solidFill>
+                          <a:effectLst/>
+                          <a:latin typeface="新細明體" charset="-120"/>
                         </a:rPr>
                         <a:t>2015</a:t>
                       </a:r>
-                      <a:endParaRPr lang="is-IS" sz="1400" b="1" i="0" u="none" strike="noStrike">
-                        <a:solidFill>
-                          <a:srgbClr val="000000"/>
-                        </a:solidFill>
-                        <a:effectLst/>
-                        <a:latin typeface="新細明體" charset="-120"/>
-                      </a:endParaRPr>
-                    </a:p>
-                  </a:txBody>
-                  <a:tcPr marL="12700" marR="12700" marT="12700" marB="0" anchor="ctr"/>
-                </a:tc>
-                <a:tc>
-                  <a:txBody>
-                    <a:bodyPr/>
-                    <a:lstStyle/>
-                    <a:p>
-                      <a:pPr algn="ctr" fontAlgn="b"/>
-                      <a:r>
-                        <a:rPr lang="is-IS" sz="1400" u="none" strike="noStrike">
-                          <a:effectLst/>
+                    </a:p>
+                  </a:txBody>
+                  <a:tcPr marL="12700" marR="12700" marT="12700" marB="0" anchor="ctr"/>
+                </a:tc>
+                <a:tc>
+                  <a:txBody>
+                    <a:bodyPr/>
+                    <a:lstStyle/>
+                    <a:p>
+                      <a:pPr algn="ctr" fontAlgn="ctr"/>
+                      <a:r>
+                        <a:rPr lang="is-IS" sz="1400" b="1" i="0" u="none" strike="noStrike">
+                          <a:solidFill>
+                            <a:srgbClr val="000000"/>
+                          </a:solidFill>
+                          <a:effectLst/>
+                          <a:latin typeface="新細明體" charset="-120"/>
                         </a:rPr>
                         <a:t>2016</a:t>
                       </a:r>
-                      <a:endParaRPr lang="is-IS" sz="1400" b="1" i="0" u="none" strike="noStrike">
-                        <a:solidFill>
-                          <a:srgbClr val="000000"/>
-                        </a:solidFill>
-                        <a:effectLst/>
-                        <a:latin typeface="新細明體" charset="-120"/>
-                      </a:endParaRPr>
-                    </a:p>
-                  </a:txBody>
-                  <a:tcPr marL="12700" marR="12700" marT="12700" marB="0" anchor="ctr"/>
-                </a:tc>
-                <a:tc>
-                  <a:txBody>
-                    <a:bodyPr/>
-                    <a:lstStyle/>
-                    <a:p>
-                      <a:pPr algn="ctr" fontAlgn="b"/>
-                      <a:r>
-                        <a:rPr lang="is-IS" sz="1400" u="none" strike="noStrike">
-                          <a:effectLst/>
+                    </a:p>
+                  </a:txBody>
+                  <a:tcPr marL="12700" marR="12700" marT="12700" marB="0" anchor="ctr"/>
+                </a:tc>
+                <a:tc>
+                  <a:txBody>
+                    <a:bodyPr/>
+                    <a:lstStyle/>
+                    <a:p>
+                      <a:pPr algn="ctr" fontAlgn="ctr"/>
+                      <a:r>
+                        <a:rPr lang="is-IS" sz="1400" b="1" i="0" u="none" strike="noStrike">
+                          <a:solidFill>
+                            <a:srgbClr val="000000"/>
+                          </a:solidFill>
+                          <a:effectLst/>
+                          <a:latin typeface="新細明體" charset="-120"/>
                         </a:rPr>
                         <a:t>2017</a:t>
                       </a:r>
-                      <a:endParaRPr lang="is-IS" sz="1400" b="1" i="0" u="none" strike="noStrike">
-                        <a:solidFill>
-                          <a:srgbClr val="000000"/>
-                        </a:solidFill>
-                        <a:effectLst/>
-                        <a:latin typeface="新細明體" charset="-120"/>
-                      </a:endParaRPr>
                     </a:p>
                   </a:txBody>
                   <a:tcPr marL="12700" marR="12700" marT="12700" marB="0" anchor="ctr"/>
@@ -5156,203 +9541,195 @@
                     <a:bodyPr/>
                     <a:lstStyle/>
                     <a:p>
-                      <a:pPr algn="ctr" fontAlgn="b"/>
-                      <a:r>
-                        <a:rPr lang="en-US" sz="1400" u="none" strike="noStrike" dirty="0">
-                          <a:effectLst/>
+                      <a:pPr algn="ctr" fontAlgn="ctr"/>
+                      <a:r>
+                        <a:rPr lang="en-US" sz="1400" b="1" i="0" u="none" strike="noStrike">
+                          <a:solidFill>
+                            <a:srgbClr val="000000"/>
+                          </a:solidFill>
+                          <a:effectLst/>
+                          <a:latin typeface="新細明體" charset="-120"/>
                         </a:rPr>
                         <a:t>Part-time,</a:t>
                       </a:r>
                       <a:br>
-                        <a:rPr lang="en-US" sz="1400" u="none" strike="noStrike" dirty="0">
-                          <a:effectLst/>
+                        <a:rPr lang="en-US" sz="1400" b="1" i="0" u="none" strike="noStrike">
+                          <a:solidFill>
+                            <a:srgbClr val="000000"/>
+                          </a:solidFill>
+                          <a:effectLst/>
+                          <a:latin typeface="新細明體" charset="-120"/>
                         </a:rPr>
                       </a:br>
                       <a:r>
-                        <a:rPr lang="en-US" sz="1400" u="none" strike="noStrike" dirty="0">
-                          <a:effectLst/>
+                        <a:rPr lang="en-US" sz="1400" b="1" i="0" u="none" strike="noStrike">
+                          <a:solidFill>
+                            <a:srgbClr val="000000"/>
+                          </a:solidFill>
+                          <a:effectLst/>
+                          <a:latin typeface="新細明體" charset="-120"/>
                         </a:rPr>
                         <a:t>temporary or</a:t>
                       </a:r>
                       <a:br>
-                        <a:rPr lang="en-US" sz="1400" u="none" strike="noStrike" dirty="0">
-                          <a:effectLst/>
+                        <a:rPr lang="en-US" sz="1400" b="1" i="0" u="none" strike="noStrike">
+                          <a:solidFill>
+                            <a:srgbClr val="000000"/>
+                          </a:solidFill>
+                          <a:effectLst/>
+                          <a:latin typeface="新細明體" charset="-120"/>
                         </a:rPr>
                       </a:br>
                       <a:r>
-                        <a:rPr lang="en-US" sz="1400" u="none" strike="noStrike" dirty="0">
-                          <a:effectLst/>
+                        <a:rPr lang="en-US" sz="1400" b="1" i="0" u="none" strike="noStrike">
+                          <a:solidFill>
+                            <a:srgbClr val="000000"/>
+                          </a:solidFill>
+                          <a:effectLst/>
+                          <a:latin typeface="新細明體" charset="-120"/>
                         </a:rPr>
                         <a:t>dispatched workers</a:t>
                       </a:r>
-                      <a:endParaRPr lang="en-US" sz="1400" b="1" i="0" u="none" strike="noStrike" dirty="0">
-                        <a:solidFill>
-                          <a:srgbClr val="000000"/>
-                        </a:solidFill>
-                        <a:effectLst/>
-                        <a:latin typeface="新細明體" charset="-120"/>
-                      </a:endParaRPr>
-                    </a:p>
-                  </a:txBody>
-                  <a:tcPr marL="12700" marR="12700" marT="12700" marB="0" anchor="ctr"/>
-                </a:tc>
-                <a:tc>
-                  <a:txBody>
-                    <a:bodyPr/>
-                    <a:lstStyle/>
-                    <a:p>
-                      <a:pPr algn="ctr" fontAlgn="b"/>
-                      <a:r>
-                        <a:rPr lang="nb-NO" sz="1400" u="none" strike="noStrike">
-                          <a:effectLst/>
-                        </a:rPr>
-                        <a:t>5.56</a:t>
-                      </a:r>
-                      <a:endParaRPr lang="nb-NO" sz="1400" b="1" i="0" u="none" strike="noStrike">
-                        <a:solidFill>
-                          <a:srgbClr val="000000"/>
-                        </a:solidFill>
-                        <a:effectLst/>
-                        <a:latin typeface="新細明體" charset="-120"/>
-                      </a:endParaRPr>
-                    </a:p>
-                  </a:txBody>
-                  <a:tcPr marL="12700" marR="12700" marT="12700" marB="0" anchor="ctr"/>
-                </a:tc>
-                <a:tc>
-                  <a:txBody>
-                    <a:bodyPr/>
-                    <a:lstStyle/>
-                    <a:p>
-                      <a:pPr algn="ctr" fontAlgn="b"/>
-                      <a:r>
-                        <a:rPr lang="nb-NO" sz="1400" u="none" strike="noStrike" dirty="0">
-                          <a:effectLst/>
-                        </a:rPr>
-                        <a:t>5.75</a:t>
-                      </a:r>
-                      <a:endParaRPr lang="nb-NO" sz="1400" b="1" i="0" u="none" strike="noStrike" dirty="0">
-                        <a:solidFill>
-                          <a:srgbClr val="000000"/>
-                        </a:solidFill>
-                        <a:effectLst/>
-                        <a:latin typeface="新細明體" charset="-120"/>
-                      </a:endParaRPr>
-                    </a:p>
-                  </a:txBody>
-                  <a:tcPr marL="12700" marR="12700" marT="12700" marB="0" anchor="ctr"/>
-                </a:tc>
-                <a:tc>
-                  <a:txBody>
-                    <a:bodyPr/>
-                    <a:lstStyle/>
-                    <a:p>
-                      <a:pPr algn="ctr" fontAlgn="b"/>
-                      <a:r>
-                        <a:rPr lang="nb-NO" sz="1400" u="none" strike="noStrike" dirty="0">
-                          <a:effectLst/>
-                        </a:rPr>
-                        <a:t>5.65</a:t>
-                      </a:r>
-                      <a:endParaRPr lang="nb-NO" sz="1400" b="1" i="0" u="none" strike="noStrike" dirty="0">
-                        <a:solidFill>
-                          <a:srgbClr val="000000"/>
-                        </a:solidFill>
-                        <a:effectLst/>
-                        <a:latin typeface="新細明體" charset="-120"/>
-                      </a:endParaRPr>
-                    </a:p>
-                  </a:txBody>
-                  <a:tcPr marL="12700" marR="12700" marT="12700" marB="0" anchor="ctr"/>
-                </a:tc>
-                <a:tc>
-                  <a:txBody>
-                    <a:bodyPr/>
-                    <a:lstStyle/>
-                    <a:p>
-                      <a:pPr algn="ctr" fontAlgn="b"/>
-                      <a:r>
-                        <a:rPr lang="nb-NO" sz="1400" u="none" strike="noStrike" dirty="0">
-                          <a:effectLst/>
-                        </a:rPr>
-                        <a:t>5.46</a:t>
-                      </a:r>
-                      <a:endParaRPr lang="nb-NO" sz="1400" b="1" i="0" u="none" strike="noStrike" dirty="0">
-                        <a:solidFill>
-                          <a:srgbClr val="000000"/>
-                        </a:solidFill>
-                        <a:effectLst/>
-                        <a:latin typeface="新細明體" charset="-120"/>
-                      </a:endParaRPr>
-                    </a:p>
-                  </a:txBody>
-                  <a:tcPr marL="12700" marR="12700" marT="12700" marB="0" anchor="ctr"/>
-                </a:tc>
-                <a:tc>
-                  <a:txBody>
-                    <a:bodyPr/>
-                    <a:lstStyle/>
-                    <a:p>
-                      <a:pPr algn="ctr" fontAlgn="b"/>
-                      <a:r>
-                        <a:rPr lang="nb-NO" sz="1400" u="none" strike="noStrike" dirty="0">
-                          <a:effectLst/>
-                        </a:rPr>
-                        <a:t>5.65</a:t>
-                      </a:r>
-                      <a:endParaRPr lang="nb-NO" sz="1400" b="1" i="0" u="none" strike="noStrike" dirty="0">
-                        <a:solidFill>
-                          <a:srgbClr val="000000"/>
-                        </a:solidFill>
-                        <a:effectLst/>
-                        <a:latin typeface="新細明體" charset="-120"/>
-                      </a:endParaRPr>
-                    </a:p>
-                  </a:txBody>
-                  <a:tcPr marL="12700" marR="12700" marT="12700" marB="0" anchor="ctr"/>
-                </a:tc>
-                <a:tc>
-                  <a:txBody>
-                    <a:bodyPr/>
-                    <a:lstStyle/>
-                    <a:p>
-                      <a:pPr algn="ctr" fontAlgn="b"/>
-                      <a:r>
-                        <a:rPr lang="fi-FI" sz="1400" u="none" strike="noStrike" dirty="0">
-                          <a:effectLst/>
-                        </a:rPr>
-                        <a:t>5.79</a:t>
-                      </a:r>
-                      <a:endParaRPr lang="fi-FI" sz="1400" b="1" i="0" u="none" strike="noStrike" dirty="0">
-                        <a:solidFill>
-                          <a:srgbClr val="000000"/>
-                        </a:solidFill>
-                        <a:effectLst/>
-                        <a:latin typeface="新細明體" charset="-120"/>
-                      </a:endParaRPr>
-                    </a:p>
-                  </a:txBody>
-                  <a:tcPr marL="12700" marR="12700" marT="12700" marB="0" anchor="ctr"/>
-                </a:tc>
-                <a:tc>
-                  <a:txBody>
-                    <a:bodyPr/>
-                    <a:lstStyle/>
-                    <a:p>
-                      <a:pPr algn="ctr" fontAlgn="b"/>
-                      <a:r>
-                        <a:rPr lang="nb-NO" sz="1400" u="none" strike="noStrike">
-                          <a:effectLst/>
-                        </a:rPr>
-                        <a:t>5.93</a:t>
-                      </a:r>
-                      <a:endParaRPr lang="nb-NO" sz="1400" b="1" i="0" u="none" strike="noStrike">
-                        <a:solidFill>
-                          <a:srgbClr val="000000"/>
-                        </a:solidFill>
-                        <a:effectLst/>
-                        <a:latin typeface="新細明體" charset="-120"/>
-                      </a:endParaRPr>
+                    </a:p>
+                  </a:txBody>
+                  <a:tcPr marL="12700" marR="12700" marT="12700" marB="0" anchor="ctr"/>
+                </a:tc>
+                <a:tc>
+                  <a:txBody>
+                    <a:bodyPr/>
+                    <a:lstStyle/>
+                    <a:p>
+                      <a:pPr algn="ctr" fontAlgn="ctr"/>
+                      <a:r>
+                        <a:rPr lang="nb-NO" sz="1400" b="1" i="0" u="none" strike="noStrike">
+                          <a:solidFill>
+                            <a:srgbClr val="000000"/>
+                          </a:solidFill>
+                          <a:effectLst/>
+                          <a:latin typeface="新細明體" charset="-120"/>
+                        </a:rPr>
+                        <a:t>0.27</a:t>
+                      </a:r>
+                    </a:p>
+                  </a:txBody>
+                  <a:tcPr marL="12700" marR="12700" marT="12700" marB="0" anchor="ctr"/>
+                </a:tc>
+                <a:tc>
+                  <a:txBody>
+                    <a:bodyPr/>
+                    <a:lstStyle/>
+                    <a:p>
+                      <a:pPr algn="ctr" fontAlgn="ctr"/>
+                      <a:r>
+                        <a:rPr lang="nb-NO" sz="1400" b="1" i="0" u="none" strike="noStrike">
+                          <a:solidFill>
+                            <a:srgbClr val="000000"/>
+                          </a:solidFill>
+                          <a:effectLst/>
+                          <a:latin typeface="新細明體" charset="-120"/>
+                        </a:rPr>
+                        <a:t>0.25</a:t>
+                      </a:r>
+                    </a:p>
+                  </a:txBody>
+                  <a:tcPr marL="12700" marR="12700" marT="12700" marB="0" anchor="ctr"/>
+                </a:tc>
+                <a:tc>
+                  <a:txBody>
+                    <a:bodyPr/>
+                    <a:lstStyle/>
+                    <a:p>
+                      <a:pPr algn="ctr" fontAlgn="ctr"/>
+                      <a:r>
+                        <a:rPr lang="hr-HR" sz="1400" b="1" i="0" u="none" strike="noStrike">
+                          <a:solidFill>
+                            <a:srgbClr val="000000"/>
+                          </a:solidFill>
+                          <a:effectLst/>
+                          <a:latin typeface="新細明體" charset="-120"/>
+                        </a:rPr>
+                        <a:t>0.26</a:t>
+                      </a:r>
+                    </a:p>
+                  </a:txBody>
+                  <a:tcPr marL="12700" marR="12700" marT="12700" marB="0" anchor="ctr"/>
+                </a:tc>
+                <a:tc>
+                  <a:txBody>
+                    <a:bodyPr/>
+                    <a:lstStyle/>
+                    <a:p>
+                      <a:pPr algn="ctr" fontAlgn="ctr"/>
+                      <a:r>
+                        <a:rPr lang="hr-HR" sz="1400" b="1" i="0" u="none" strike="noStrike">
+                          <a:solidFill>
+                            <a:srgbClr val="000000"/>
+                          </a:solidFill>
+                          <a:effectLst/>
+                          <a:latin typeface="新細明體" charset="-120"/>
+                        </a:rPr>
+                        <a:t>0.26</a:t>
+                      </a:r>
+                    </a:p>
+                  </a:txBody>
+                  <a:tcPr marL="12700" marR="12700" marT="12700" marB="0" anchor="ctr"/>
+                </a:tc>
+                <a:tc>
+                  <a:txBody>
+                    <a:bodyPr/>
+                    <a:lstStyle/>
+                    <a:p>
+                      <a:pPr algn="ctr" fontAlgn="ctr"/>
+                      <a:r>
+                        <a:rPr lang="nb-NO" sz="1400" b="1" i="0" u="none" strike="noStrike">
+                          <a:solidFill>
+                            <a:srgbClr val="000000"/>
+                          </a:solidFill>
+                          <a:effectLst/>
+                          <a:latin typeface="新細明體" charset="-120"/>
+                        </a:rPr>
+                        <a:t>0.25</a:t>
+                      </a:r>
+                    </a:p>
+                  </a:txBody>
+                  <a:tcPr marL="12700" marR="12700" marT="12700" marB="0" anchor="ctr"/>
+                </a:tc>
+                <a:tc>
+                  <a:txBody>
+                    <a:bodyPr/>
+                    <a:lstStyle/>
+                    <a:p>
+                      <a:pPr algn="ctr" fontAlgn="ctr"/>
+                      <a:r>
+                        <a:rPr lang="nb-NO" sz="1400" b="1" i="0" u="none" strike="noStrike">
+                          <a:solidFill>
+                            <a:srgbClr val="000000"/>
+                          </a:solidFill>
+                          <a:effectLst/>
+                          <a:latin typeface="新細明體" charset="-120"/>
+                        </a:rPr>
+                        <a:t>0.25</a:t>
+                      </a:r>
+                    </a:p>
+                  </a:txBody>
+                  <a:tcPr marL="12700" marR="12700" marT="12700" marB="0" anchor="ctr"/>
+                </a:tc>
+                <a:tc>
+                  <a:txBody>
+                    <a:bodyPr/>
+                    <a:lstStyle/>
+                    <a:p>
+                      <a:pPr algn="ctr" fontAlgn="ctr"/>
+                      <a:r>
+                        <a:rPr lang="hr-HR" sz="1400" b="1" i="0" u="none" strike="noStrike">
+                          <a:solidFill>
+                            <a:srgbClr val="000000"/>
+                          </a:solidFill>
+                          <a:effectLst/>
+                          <a:latin typeface="新細明體" charset="-120"/>
+                        </a:rPr>
+                        <a:t>0.24</a:t>
+                      </a:r>
                     </a:p>
                   </a:txBody>
                   <a:tcPr marL="12700" marR="12700" marT="12700" marB="0" anchor="ctr"/>
@@ -5364,192 +9741,176 @@
                     <a:bodyPr/>
                     <a:lstStyle/>
                     <a:p>
-                      <a:pPr algn="ctr" fontAlgn="b"/>
-                      <a:r>
-                        <a:rPr lang="en-US" sz="1400" u="none" strike="noStrike">
-                          <a:effectLst/>
+                      <a:pPr algn="ctr" fontAlgn="ctr"/>
+                      <a:r>
+                        <a:rPr lang="en-US" sz="1400" b="1" i="0" u="none" strike="noStrike">
+                          <a:solidFill>
+                            <a:srgbClr val="000000"/>
+                          </a:solidFill>
+                          <a:effectLst/>
+                          <a:latin typeface="新細明體" charset="-120"/>
                         </a:rPr>
                         <a:t>Part-time</a:t>
                       </a:r>
                       <a:br>
-                        <a:rPr lang="en-US" sz="1400" u="none" strike="noStrike">
-                          <a:effectLst/>
+                        <a:rPr lang="en-US" sz="1400" b="1" i="0" u="none" strike="noStrike">
+                          <a:solidFill>
+                            <a:srgbClr val="000000"/>
+                          </a:solidFill>
+                          <a:effectLst/>
+                          <a:latin typeface="新細明體" charset="-120"/>
                         </a:rPr>
                       </a:br>
                       <a:r>
-                        <a:rPr lang="en-US" sz="1400" u="none" strike="noStrike">
-                          <a:effectLst/>
+                        <a:rPr lang="en-US" sz="1400" b="1" i="0" u="none" strike="noStrike">
+                          <a:solidFill>
+                            <a:srgbClr val="000000"/>
+                          </a:solidFill>
+                          <a:effectLst/>
+                          <a:latin typeface="新細明體" charset="-120"/>
                         </a:rPr>
                         <a:t>workers</a:t>
                       </a:r>
-                      <a:endParaRPr lang="en-US" sz="1400" b="1" i="0" u="none" strike="noStrike">
-                        <a:solidFill>
-                          <a:srgbClr val="000000"/>
-                        </a:solidFill>
-                        <a:effectLst/>
-                        <a:latin typeface="新細明體" charset="-120"/>
-                      </a:endParaRPr>
-                    </a:p>
-                  </a:txBody>
-                  <a:tcPr marL="12700" marR="12700" marT="12700" marB="0" anchor="ctr"/>
-                </a:tc>
-                <a:tc>
-                  <a:txBody>
-                    <a:bodyPr/>
-                    <a:lstStyle/>
-                    <a:p>
-                      <a:pPr algn="ctr" fontAlgn="b"/>
-                      <a:r>
-                        <a:rPr lang="hr-HR" sz="1400" u="none" strike="noStrike">
-                          <a:effectLst/>
-                        </a:rPr>
-                        <a:t>26.74</a:t>
-                      </a:r>
-                      <a:endParaRPr lang="hr-HR" sz="1400" b="1" i="0" u="none" strike="noStrike">
-                        <a:solidFill>
-                          <a:srgbClr val="000000"/>
-                        </a:solidFill>
-                        <a:effectLst/>
-                        <a:latin typeface="新細明體" charset="-120"/>
-                      </a:endParaRPr>
-                    </a:p>
-                  </a:txBody>
-                  <a:tcPr marL="12700" marR="12700" marT="12700" marB="0" anchor="ctr"/>
-                </a:tc>
-                <a:tc>
-                  <a:txBody>
-                    <a:bodyPr/>
-                    <a:lstStyle/>
-                    <a:p>
-                      <a:pPr algn="ctr" fontAlgn="b"/>
-                      <a:r>
-                        <a:rPr lang="hr-HR" sz="1400" u="none" strike="noStrike">
-                          <a:effectLst/>
-                        </a:rPr>
-                        <a:t>26.66</a:t>
-                      </a:r>
-                      <a:endParaRPr lang="hr-HR" sz="1400" b="1" i="0" u="none" strike="noStrike">
-                        <a:solidFill>
-                          <a:srgbClr val="000000"/>
-                        </a:solidFill>
-                        <a:effectLst/>
-                        <a:latin typeface="新細明體" charset="-120"/>
-                      </a:endParaRPr>
-                    </a:p>
-                  </a:txBody>
-                  <a:tcPr marL="12700" marR="12700" marT="12700" marB="0" anchor="ctr"/>
-                </a:tc>
-                <a:tc>
-                  <a:txBody>
-                    <a:bodyPr/>
-                    <a:lstStyle/>
-                    <a:p>
-                      <a:pPr algn="ctr" fontAlgn="b"/>
-                      <a:r>
-                        <a:rPr lang="nb-NO" sz="1400" u="none" strike="noStrike">
-                          <a:effectLst/>
-                        </a:rPr>
-                        <a:t>27.8</a:t>
-                      </a:r>
-                      <a:endParaRPr lang="nb-NO" sz="1400" b="1" i="0" u="none" strike="noStrike">
-                        <a:solidFill>
-                          <a:srgbClr val="000000"/>
-                        </a:solidFill>
-                        <a:effectLst/>
-                        <a:latin typeface="新細明體" charset="-120"/>
-                      </a:endParaRPr>
-                    </a:p>
-                  </a:txBody>
-                  <a:tcPr marL="12700" marR="12700" marT="12700" marB="0" anchor="ctr"/>
-                </a:tc>
-                <a:tc>
-                  <a:txBody>
-                    <a:bodyPr/>
-                    <a:lstStyle/>
-                    <a:p>
-                      <a:pPr algn="ctr" fontAlgn="b"/>
-                      <a:r>
-                        <a:rPr lang="hr-HR" sz="1400" u="none" strike="noStrike">
-                          <a:effectLst/>
-                        </a:rPr>
-                        <a:t>28.09</a:t>
-                      </a:r>
-                      <a:endParaRPr lang="hr-HR" sz="1400" b="1" i="0" u="none" strike="noStrike">
-                        <a:solidFill>
-                          <a:srgbClr val="000000"/>
-                        </a:solidFill>
-                        <a:effectLst/>
-                        <a:latin typeface="新細明體" charset="-120"/>
-                      </a:endParaRPr>
-                    </a:p>
-                  </a:txBody>
-                  <a:tcPr marL="12700" marR="12700" marT="12700" marB="0" anchor="ctr"/>
-                </a:tc>
-                <a:tc>
-                  <a:txBody>
-                    <a:bodyPr/>
-                    <a:lstStyle/>
-                    <a:p>
-                      <a:pPr algn="ctr" fontAlgn="b"/>
-                      <a:r>
-                        <a:rPr lang="hr-HR" sz="1400" u="none" strike="noStrike">
-                          <a:effectLst/>
-                        </a:rPr>
-                        <a:t>26.96</a:t>
-                      </a:r>
-                      <a:endParaRPr lang="hr-HR" sz="1400" b="1" i="0" u="none" strike="noStrike">
-                        <a:solidFill>
-                          <a:srgbClr val="000000"/>
-                        </a:solidFill>
-                        <a:effectLst/>
-                        <a:latin typeface="新細明體" charset="-120"/>
-                      </a:endParaRPr>
-                    </a:p>
-                  </a:txBody>
-                  <a:tcPr marL="12700" marR="12700" marT="12700" marB="0" anchor="ctr"/>
-                </a:tc>
-                <a:tc>
-                  <a:txBody>
-                    <a:bodyPr/>
-                    <a:lstStyle/>
-                    <a:p>
-                      <a:pPr algn="ctr" fontAlgn="b"/>
-                      <a:r>
-                        <a:rPr lang="nb-NO" sz="1400" u="none" strike="noStrike" dirty="0">
-                          <a:effectLst/>
-                        </a:rPr>
-                        <a:t>27.21</a:t>
-                      </a:r>
-                      <a:endParaRPr lang="nb-NO" sz="1400" b="1" i="0" u="none" strike="noStrike" dirty="0">
-                        <a:solidFill>
-                          <a:srgbClr val="000000"/>
-                        </a:solidFill>
-                        <a:effectLst/>
-                        <a:latin typeface="新細明體" charset="-120"/>
-                      </a:endParaRPr>
-                    </a:p>
-                  </a:txBody>
-                  <a:tcPr marL="12700" marR="12700" marT="12700" marB="0" anchor="ctr"/>
-                </a:tc>
-                <a:tc>
-                  <a:txBody>
-                    <a:bodyPr/>
-                    <a:lstStyle/>
-                    <a:p>
-                      <a:pPr algn="ctr" fontAlgn="b"/>
-                      <a:r>
-                        <a:rPr lang="hr-HR" sz="1400" u="none" strike="noStrike">
-                          <a:effectLst/>
-                        </a:rPr>
-                        <a:t>26.39</a:t>
-                      </a:r>
-                      <a:endParaRPr lang="hr-HR" sz="1400" b="1" i="0" u="none" strike="noStrike">
-                        <a:solidFill>
-                          <a:srgbClr val="000000"/>
-                        </a:solidFill>
-                        <a:effectLst/>
-                        <a:latin typeface="新細明體" charset="-120"/>
-                      </a:endParaRPr>
+                    </a:p>
+                  </a:txBody>
+                  <a:tcPr marL="12700" marR="12700" marT="12700" marB="0" anchor="ctr"/>
+                </a:tc>
+                <a:tc>
+                  <a:txBody>
+                    <a:bodyPr/>
+                    <a:lstStyle/>
+                    <a:p>
+                      <a:pPr algn="ctr" fontAlgn="ctr"/>
+                      <a:r>
+                        <a:rPr lang="uk-UA" sz="1400" b="1" i="0" u="none" strike="noStrike">
+                          <a:solidFill>
+                            <a:srgbClr val="000000"/>
+                          </a:solidFill>
+                          <a:effectLst/>
+                          <a:latin typeface="新細明體" charset="-120"/>
+                        </a:rPr>
+                        <a:t>0.39</a:t>
+                      </a:r>
+                    </a:p>
+                  </a:txBody>
+                  <a:tcPr marL="12700" marR="12700" marT="12700" marB="0" anchor="ctr"/>
+                </a:tc>
+                <a:tc>
+                  <a:txBody>
+                    <a:bodyPr/>
+                    <a:lstStyle/>
+                    <a:p>
+                      <a:pPr algn="ctr" fontAlgn="ctr"/>
+                      <a:r>
+                        <a:rPr lang="nb-NO" sz="1400" b="1" i="0" u="none" strike="noStrike">
+                          <a:solidFill>
+                            <a:srgbClr val="000000"/>
+                          </a:solidFill>
+                          <a:effectLst/>
+                          <a:latin typeface="新細明體" charset="-120"/>
+                        </a:rPr>
+                        <a:t>0.38</a:t>
+                      </a:r>
+                    </a:p>
+                  </a:txBody>
+                  <a:tcPr marL="12700" marR="12700" marT="12700" marB="0" anchor="ctr"/>
+                </a:tc>
+                <a:tc>
+                  <a:txBody>
+                    <a:bodyPr/>
+                    <a:lstStyle/>
+                    <a:p>
+                      <a:pPr algn="ctr" fontAlgn="ctr"/>
+                      <a:r>
+                        <a:rPr lang="nb-NO" sz="1400" b="1" i="0" u="none" strike="noStrike">
+                          <a:solidFill>
+                            <a:srgbClr val="000000"/>
+                          </a:solidFill>
+                          <a:effectLst/>
+                          <a:latin typeface="新細明體" charset="-120"/>
+                        </a:rPr>
+                        <a:t>0.36</a:t>
+                      </a:r>
+                    </a:p>
+                  </a:txBody>
+                  <a:tcPr marL="12700" marR="12700" marT="12700" marB="0" anchor="ctr"/>
+                </a:tc>
+                <a:tc>
+                  <a:txBody>
+                    <a:bodyPr/>
+                    <a:lstStyle/>
+                    <a:p>
+                      <a:pPr algn="ctr" fontAlgn="ctr"/>
+                      <a:r>
+                        <a:rPr lang="nb-NO" sz="1400" b="1" i="0" u="none" strike="noStrike">
+                          <a:solidFill>
+                            <a:srgbClr val="000000"/>
+                          </a:solidFill>
+                          <a:effectLst/>
+                          <a:latin typeface="新細明體" charset="-120"/>
+                        </a:rPr>
+                        <a:t>0.35</a:t>
+                      </a:r>
+                    </a:p>
+                  </a:txBody>
+                  <a:tcPr marL="12700" marR="12700" marT="12700" marB="0" anchor="ctr"/>
+                </a:tc>
+                <a:tc>
+                  <a:txBody>
+                    <a:bodyPr/>
+                    <a:lstStyle/>
+                    <a:p>
+                      <a:pPr algn="ctr" fontAlgn="ctr"/>
+                      <a:r>
+                        <a:rPr lang="nb-NO" sz="1400" b="1" i="0" u="none" strike="noStrike">
+                          <a:solidFill>
+                            <a:srgbClr val="000000"/>
+                          </a:solidFill>
+                          <a:effectLst/>
+                          <a:latin typeface="新細明體" charset="-120"/>
+                        </a:rPr>
+                        <a:t>0.34</a:t>
+                      </a:r>
+                    </a:p>
+                  </a:txBody>
+                  <a:tcPr marL="12700" marR="12700" marT="12700" marB="0" anchor="ctr"/>
+                </a:tc>
+                <a:tc>
+                  <a:txBody>
+                    <a:bodyPr/>
+                    <a:lstStyle/>
+                    <a:p>
+                      <a:pPr algn="ctr" fontAlgn="ctr"/>
+                      <a:r>
+                        <a:rPr lang="nb-NO" sz="1400" b="1" i="0" u="none" strike="noStrike">
+                          <a:solidFill>
+                            <a:srgbClr val="000000"/>
+                          </a:solidFill>
+                          <a:effectLst/>
+                          <a:latin typeface="新細明體" charset="-120"/>
+                        </a:rPr>
+                        <a:t>0.32</a:t>
+                      </a:r>
+                    </a:p>
+                  </a:txBody>
+                  <a:tcPr marL="12700" marR="12700" marT="12700" marB="0" anchor="ctr"/>
+                </a:tc>
+                <a:tc>
+                  <a:txBody>
+                    <a:bodyPr/>
+                    <a:lstStyle/>
+                    <a:p>
+                      <a:pPr algn="ctr" fontAlgn="ctr"/>
+                      <a:r>
+                        <a:rPr lang="nb-NO" sz="1400" b="1" i="0" u="none" strike="noStrike">
+                          <a:solidFill>
+                            <a:srgbClr val="000000"/>
+                          </a:solidFill>
+                          <a:effectLst/>
+                          <a:latin typeface="新細明體" charset="-120"/>
+                        </a:rPr>
+                        <a:t>0.32</a:t>
+                      </a:r>
                     </a:p>
                   </a:txBody>
                   <a:tcPr marL="12700" marR="12700" marT="12700" marB="0" anchor="ctr"/>
@@ -5561,181 +9922,195 @@
                     <a:bodyPr/>
                     <a:lstStyle/>
                     <a:p>
-                      <a:pPr algn="ctr" fontAlgn="b"/>
-                      <a:r>
-                        <a:rPr lang="en-US" sz="1400" u="none" strike="noStrike">
-                          <a:effectLst/>
-                        </a:rPr>
-                        <a:t>Temporary or dispatched workers</a:t>
-                      </a:r>
-                      <a:endParaRPr lang="en-US" sz="1400" b="1" i="0" u="none" strike="noStrike">
-                        <a:solidFill>
-                          <a:srgbClr val="000000"/>
-                        </a:solidFill>
-                        <a:effectLst/>
-                        <a:latin typeface="新細明體" charset="-120"/>
-                      </a:endParaRPr>
-                    </a:p>
-                  </a:txBody>
-                  <a:tcPr marL="12700" marR="12700" marT="12700" marB="0" anchor="ctr"/>
-                </a:tc>
-                <a:tc>
-                  <a:txBody>
-                    <a:bodyPr/>
-                    <a:lstStyle/>
-                    <a:p>
-                      <a:pPr algn="ctr" fontAlgn="b"/>
-                      <a:r>
-                        <a:rPr lang="nb-NO" sz="1400" u="none" strike="noStrike">
-                          <a:effectLst/>
-                        </a:rPr>
-                        <a:t>5.94</a:t>
-                      </a:r>
-                      <a:endParaRPr lang="nb-NO" sz="1400" b="1" i="0" u="none" strike="noStrike">
-                        <a:solidFill>
-                          <a:srgbClr val="000000"/>
-                        </a:solidFill>
-                        <a:effectLst/>
-                        <a:latin typeface="新細明體" charset="-120"/>
-                      </a:endParaRPr>
-                    </a:p>
-                  </a:txBody>
-                  <a:tcPr marL="12700" marR="12700" marT="12700" marB="0" anchor="ctr"/>
-                </a:tc>
-                <a:tc>
-                  <a:txBody>
-                    <a:bodyPr/>
-                    <a:lstStyle/>
-                    <a:p>
-                      <a:pPr algn="ctr" fontAlgn="b"/>
-                      <a:r>
-                        <a:rPr lang="nb-NO" sz="1400" u="none" strike="noStrike">
-                          <a:effectLst/>
-                        </a:rPr>
-                        <a:t>5.97</a:t>
-                      </a:r>
-                      <a:endParaRPr lang="nb-NO" sz="1400" b="1" i="0" u="none" strike="noStrike">
-                        <a:solidFill>
-                          <a:srgbClr val="000000"/>
-                        </a:solidFill>
-                        <a:effectLst/>
-                        <a:latin typeface="新細明體" charset="-120"/>
-                      </a:endParaRPr>
-                    </a:p>
-                  </a:txBody>
-                  <a:tcPr marL="12700" marR="12700" marT="12700" marB="0" anchor="ctr"/>
-                </a:tc>
-                <a:tc>
-                  <a:txBody>
-                    <a:bodyPr/>
-                    <a:lstStyle/>
-                    <a:p>
-                      <a:pPr algn="ctr" fontAlgn="b"/>
-                      <a:r>
-                        <a:rPr lang="nb-NO" sz="1400" u="none" strike="noStrike">
-                          <a:effectLst/>
-                        </a:rPr>
-                        <a:t>5.85</a:t>
-                      </a:r>
-                      <a:endParaRPr lang="nb-NO" sz="1400" b="1" i="0" u="none" strike="noStrike">
-                        <a:solidFill>
-                          <a:srgbClr val="000000"/>
-                        </a:solidFill>
-                        <a:effectLst/>
-                        <a:latin typeface="新細明體" charset="-120"/>
-                      </a:endParaRPr>
-                    </a:p>
-                  </a:txBody>
-                  <a:tcPr marL="12700" marR="12700" marT="12700" marB="0" anchor="ctr"/>
-                </a:tc>
-                <a:tc>
-                  <a:txBody>
-                    <a:bodyPr/>
-                    <a:lstStyle/>
-                    <a:p>
-                      <a:pPr algn="ctr" fontAlgn="b"/>
-                      <a:r>
-                        <a:rPr lang="nb-NO" sz="1400" u="none" strike="noStrike">
-                          <a:effectLst/>
-                        </a:rPr>
-                        <a:t>5.64</a:t>
-                      </a:r>
-                      <a:endParaRPr lang="nb-NO" sz="1400" b="1" i="0" u="none" strike="noStrike">
-                        <a:solidFill>
-                          <a:srgbClr val="000000"/>
-                        </a:solidFill>
-                        <a:effectLst/>
-                        <a:latin typeface="新細明體" charset="-120"/>
-                      </a:endParaRPr>
-                    </a:p>
-                  </a:txBody>
-                  <a:tcPr marL="12700" marR="12700" marT="12700" marB="0" anchor="ctr"/>
-                </a:tc>
-                <a:tc>
-                  <a:txBody>
-                    <a:bodyPr/>
-                    <a:lstStyle/>
-                    <a:p>
-                      <a:pPr algn="ctr" fontAlgn="b"/>
-                      <a:r>
-                        <a:rPr lang="nb-NO" sz="1400" u="none" strike="noStrike">
-                          <a:effectLst/>
-                        </a:rPr>
-                        <a:t>5.83</a:t>
-                      </a:r>
-                      <a:endParaRPr lang="nb-NO" sz="1400" b="1" i="0" u="none" strike="noStrike">
-                        <a:solidFill>
-                          <a:srgbClr val="000000"/>
-                        </a:solidFill>
-                        <a:effectLst/>
-                        <a:latin typeface="新細明體" charset="-120"/>
-                      </a:endParaRPr>
-                    </a:p>
-                  </a:txBody>
-                  <a:tcPr marL="12700" marR="12700" marT="12700" marB="0" anchor="ctr"/>
-                </a:tc>
-                <a:tc>
-                  <a:txBody>
-                    <a:bodyPr/>
-                    <a:lstStyle/>
-                    <a:p>
-                      <a:pPr algn="ctr" fontAlgn="b"/>
-                      <a:r>
-                        <a:rPr lang="nb-NO" sz="1400" u="none" strike="noStrike" dirty="0">
-                          <a:effectLst/>
-                        </a:rPr>
-                        <a:t>5.94</a:t>
-                      </a:r>
-                      <a:endParaRPr lang="nb-NO" sz="1400" b="1" i="0" u="none" strike="noStrike" dirty="0">
-                        <a:solidFill>
-                          <a:srgbClr val="000000"/>
-                        </a:solidFill>
-                        <a:effectLst/>
-                        <a:latin typeface="新細明體" charset="-120"/>
-                      </a:endParaRPr>
-                    </a:p>
-                  </a:txBody>
-                  <a:tcPr marL="12700" marR="12700" marT="12700" marB="0" anchor="ctr"/>
-                </a:tc>
-                <a:tc>
-                  <a:txBody>
-                    <a:bodyPr/>
-                    <a:lstStyle/>
-                    <a:p>
-                      <a:pPr algn="ctr" fontAlgn="b"/>
-                      <a:r>
-                        <a:rPr lang="hr-HR" sz="1400" u="none" strike="noStrike" dirty="0">
-                          <a:effectLst/>
-                        </a:rPr>
-                        <a:t>6.08</a:t>
-                      </a:r>
-                      <a:endParaRPr lang="hr-HR" sz="1400" b="1" i="0" u="none" strike="noStrike" dirty="0">
-                        <a:solidFill>
-                          <a:srgbClr val="000000"/>
-                        </a:solidFill>
-                        <a:effectLst/>
-                        <a:latin typeface="新細明體" charset="-120"/>
-                      </a:endParaRPr>
+                      <a:pPr algn="ctr" fontAlgn="ctr"/>
+                      <a:r>
+                        <a:rPr lang="en-US" sz="1400" b="1" i="0" u="none" strike="noStrike">
+                          <a:solidFill>
+                            <a:srgbClr val="000000"/>
+                          </a:solidFill>
+                          <a:effectLst/>
+                          <a:latin typeface="新細明體" charset="-120"/>
+                        </a:rPr>
+                        <a:t>Temporary or</a:t>
+                      </a:r>
+                      <a:br>
+                        <a:rPr lang="en-US" sz="1400" b="1" i="0" u="none" strike="noStrike">
+                          <a:solidFill>
+                            <a:srgbClr val="000000"/>
+                          </a:solidFill>
+                          <a:effectLst/>
+                          <a:latin typeface="新細明體" charset="-120"/>
+                        </a:rPr>
+                      </a:br>
+                      <a:r>
+                        <a:rPr lang="en-US" sz="1400" b="1" i="0" u="none" strike="noStrike">
+                          <a:solidFill>
+                            <a:srgbClr val="000000"/>
+                          </a:solidFill>
+                          <a:effectLst/>
+                          <a:latin typeface="新細明體" charset="-120"/>
+                        </a:rPr>
+                        <a:t>dispatched</a:t>
+                      </a:r>
+                      <a:br>
+                        <a:rPr lang="en-US" sz="1400" b="1" i="0" u="none" strike="noStrike">
+                          <a:solidFill>
+                            <a:srgbClr val="000000"/>
+                          </a:solidFill>
+                          <a:effectLst/>
+                          <a:latin typeface="新細明體" charset="-120"/>
+                        </a:rPr>
+                      </a:br>
+                      <a:r>
+                        <a:rPr lang="en-US" sz="1400" b="1" i="0" u="none" strike="noStrike">
+                          <a:solidFill>
+                            <a:srgbClr val="000000"/>
+                          </a:solidFill>
+                          <a:effectLst/>
+                          <a:latin typeface="新細明體" charset="-120"/>
+                        </a:rPr>
+                        <a:t>workers</a:t>
+                      </a:r>
+                    </a:p>
+                  </a:txBody>
+                  <a:tcPr marL="12700" marR="12700" marT="12700" marB="0" anchor="ctr"/>
+                </a:tc>
+                <a:tc>
+                  <a:txBody>
+                    <a:bodyPr/>
+                    <a:lstStyle/>
+                    <a:p>
+                      <a:pPr algn="ctr" fontAlgn="ctr"/>
+                      <a:r>
+                        <a:rPr lang="nb-NO" sz="1400" b="1" i="0" u="none" strike="noStrike">
+                          <a:solidFill>
+                            <a:srgbClr val="000000"/>
+                          </a:solidFill>
+                          <a:effectLst/>
+                          <a:latin typeface="新細明體" charset="-120"/>
+                        </a:rPr>
+                        <a:t>0.27</a:t>
+                      </a:r>
+                    </a:p>
+                  </a:txBody>
+                  <a:tcPr marL="12700" marR="12700" marT="12700" marB="0" anchor="ctr"/>
+                </a:tc>
+                <a:tc>
+                  <a:txBody>
+                    <a:bodyPr/>
+                    <a:lstStyle/>
+                    <a:p>
+                      <a:pPr algn="ctr" fontAlgn="ctr"/>
+                      <a:r>
+                        <a:rPr lang="nb-NO" sz="1400" b="1" i="0" u="none" strike="noStrike">
+                          <a:solidFill>
+                            <a:srgbClr val="000000"/>
+                          </a:solidFill>
+                          <a:effectLst/>
+                          <a:latin typeface="新細明體" charset="-120"/>
+                        </a:rPr>
+                        <a:t>0.27</a:t>
+                      </a:r>
+                    </a:p>
+                  </a:txBody>
+                  <a:tcPr marL="12700" marR="12700" marT="12700" marB="0" anchor="ctr"/>
+                </a:tc>
+                <a:tc>
+                  <a:txBody>
+                    <a:bodyPr/>
+                    <a:lstStyle/>
+                    <a:p>
+                      <a:pPr algn="ctr" fontAlgn="ctr"/>
+                      <a:r>
+                        <a:rPr lang="nb-NO" sz="1400" b="1" i="0" u="none" strike="noStrike">
+                          <a:solidFill>
+                            <a:srgbClr val="000000"/>
+                          </a:solidFill>
+                          <a:effectLst/>
+                          <a:latin typeface="新細明體" charset="-120"/>
+                        </a:rPr>
+                        <a:t>0.28</a:t>
+                      </a:r>
+                    </a:p>
+                  </a:txBody>
+                  <a:tcPr marL="12700" marR="12700" marT="12700" marB="0" anchor="ctr"/>
+                </a:tc>
+                <a:tc>
+                  <a:txBody>
+                    <a:bodyPr/>
+                    <a:lstStyle/>
+                    <a:p>
+                      <a:pPr algn="ctr" fontAlgn="ctr"/>
+                      <a:r>
+                        <a:rPr lang="nb-NO" sz="1400" b="1" i="0" u="none" strike="noStrike">
+                          <a:solidFill>
+                            <a:srgbClr val="000000"/>
+                          </a:solidFill>
+                          <a:effectLst/>
+                          <a:latin typeface="新細明體" charset="-120"/>
+                        </a:rPr>
+                        <a:t>0.28</a:t>
+                      </a:r>
+                    </a:p>
+                  </a:txBody>
+                  <a:tcPr marL="12700" marR="12700" marT="12700" marB="0" anchor="ctr"/>
+                </a:tc>
+                <a:tc>
+                  <a:txBody>
+                    <a:bodyPr/>
+                    <a:lstStyle/>
+                    <a:p>
+                      <a:pPr algn="ctr" fontAlgn="ctr"/>
+                      <a:r>
+                        <a:rPr lang="nb-NO" sz="1400" b="1" i="0" u="none" strike="noStrike">
+                          <a:solidFill>
+                            <a:srgbClr val="000000"/>
+                          </a:solidFill>
+                          <a:effectLst/>
+                          <a:latin typeface="新細明體" charset="-120"/>
+                        </a:rPr>
+                        <a:t>0.27</a:t>
+                      </a:r>
+                    </a:p>
+                  </a:txBody>
+                  <a:tcPr marL="12700" marR="12700" marT="12700" marB="0" anchor="ctr"/>
+                </a:tc>
+                <a:tc>
+                  <a:txBody>
+                    <a:bodyPr/>
+                    <a:lstStyle/>
+                    <a:p>
+                      <a:pPr algn="ctr" fontAlgn="ctr"/>
+                      <a:r>
+                        <a:rPr lang="nb-NO" sz="1400" b="1" i="0" u="none" strike="noStrike">
+                          <a:solidFill>
+                            <a:srgbClr val="000000"/>
+                          </a:solidFill>
+                          <a:effectLst/>
+                          <a:latin typeface="新細明體" charset="-120"/>
+                        </a:rPr>
+                        <a:t>0.27</a:t>
+                      </a:r>
+                    </a:p>
+                  </a:txBody>
+                  <a:tcPr marL="12700" marR="12700" marT="12700" marB="0" anchor="ctr"/>
+                </a:tc>
+                <a:tc>
+                  <a:txBody>
+                    <a:bodyPr/>
+                    <a:lstStyle/>
+                    <a:p>
+                      <a:pPr algn="ctr" fontAlgn="ctr"/>
+                      <a:r>
+                        <a:rPr lang="hr-HR" sz="1400" b="1" i="0" u="none" strike="noStrike" dirty="0">
+                          <a:solidFill>
+                            <a:srgbClr val="000000"/>
+                          </a:solidFill>
+                          <a:effectLst/>
+                          <a:latin typeface="新細明體" charset="-120"/>
+                        </a:rPr>
+                        <a:t>0.26</a:t>
+                      </a:r>
                     </a:p>
                   </a:txBody>
                   <a:tcPr marL="12700" marR="12700" marT="12700" marB="0" anchor="ctr"/>
@@ -5758,7 +10133,7 @@
 </p:sld>
 </file>
 
-<file path=ppt/slides/slide7.xml><?xml version="1.0" encoding="utf-8"?>
+<file path=ppt/slides/slide9.xml><?xml version="1.0" encoding="utf-8"?>
 <p:sld xmlns:a="http://schemas.openxmlformats.org/drawingml/2006/main" xmlns:r="http://schemas.openxmlformats.org/officeDocument/2006/relationships" xmlns:p="http://schemas.openxmlformats.org/presentationml/2006/main">
   <p:cSld>
     <p:spTree>
@@ -5775,9 +10150,37 @@
           <a:chExt cx="0" cy="0"/>
         </a:xfrm>
       </p:grpSpPr>
+      <p:sp>
+        <p:nvSpPr>
+          <p:cNvPr id="5" name="標題 1"/>
+          <p:cNvSpPr>
+            <a:spLocks noGrp="1"/>
+          </p:cNvSpPr>
+          <p:nvPr>
+            <p:ph type="title"/>
+          </p:nvPr>
+        </p:nvSpPr>
+        <p:spPr>
+          <a:xfrm>
+            <a:off x="838200" y="365125"/>
+            <a:ext cx="10515600" cy="1325563"/>
+          </a:xfrm>
+        </p:spPr>
+        <p:txBody>
+          <a:bodyPr/>
+          <a:lstStyle/>
+          <a:p>
+            <a:r>
+              <a:rPr kumimoji="1" lang="zh-TW" altLang="en-US" b="1" dirty="0" smtClean="0"/>
+              <a:t>年輕群體佔非典型工作百分比</a:t>
+            </a:r>
+            <a:endParaRPr kumimoji="1" lang="zh-TW" altLang="en-US" b="1" dirty="0"/>
+          </a:p>
+        </p:txBody>
+      </p:sp>
       <p:pic>
         <p:nvPicPr>
-          <p:cNvPr id="4" name="內容版面配置區 3"/>
+          <p:cNvPr id="3" name="內容版面配置區 2"/>
           <p:cNvPicPr>
             <a:picLocks noGrp="1" noChangeAspect="1"/>
           </p:cNvPicPr>
@@ -5799,39 +10202,11 @@
         </p:blipFill>
         <p:spPr>
           <a:xfrm>
-            <a:off x="1349828" y="1690688"/>
-            <a:ext cx="8817429" cy="4997048"/>
+            <a:off x="2040673" y="1825624"/>
+            <a:ext cx="8084634" cy="4758441"/>
           </a:xfrm>
         </p:spPr>
       </p:pic>
-      <p:sp>
-        <p:nvSpPr>
-          <p:cNvPr id="5" name="標題 1"/>
-          <p:cNvSpPr>
-            <a:spLocks noGrp="1"/>
-          </p:cNvSpPr>
-          <p:nvPr>
-            <p:ph type="title"/>
-          </p:nvPr>
-        </p:nvSpPr>
-        <p:spPr>
-          <a:xfrm>
-            <a:off x="838200" y="365125"/>
-            <a:ext cx="10515600" cy="1325563"/>
-          </a:xfrm>
-        </p:spPr>
-        <p:txBody>
-          <a:bodyPr/>
-          <a:lstStyle/>
-          <a:p>
-            <a:r>
-              <a:rPr kumimoji="1" lang="zh-TW" altLang="en-US" b="1" dirty="0" smtClean="0"/>
-              <a:t>年輕群體佔非典型工作百分比</a:t>
-            </a:r>
-            <a:endParaRPr kumimoji="1" lang="zh-TW" altLang="en-US" b="1" dirty="0"/>
-          </a:p>
-        </p:txBody>
-      </p:sp>
     </p:spTree>
     <p:extLst>
       <p:ext uri="{BB962C8B-B14F-4D97-AF65-F5344CB8AC3E}">
@@ -6104,4 +10479,265 @@
     </a:ext>
   </a:extLst>
 </a:theme>
+</file>
+
+<file path=ppt/theme/theme2.xml><?xml version="1.0" encoding="utf-8"?>
+<a:theme xmlns:a="http://schemas.openxmlformats.org/drawingml/2006/main" name="Office 佈景主題">
+  <a:themeElements>
+    <a:clrScheme name="Office">
+      <a:dk1>
+        <a:sysClr val="windowText" lastClr="000000"/>
+      </a:dk1>
+      <a:lt1>
+        <a:sysClr val="window" lastClr="FFFFFF"/>
+      </a:lt1>
+      <a:dk2>
+        <a:srgbClr val="44546A"/>
+      </a:dk2>
+      <a:lt2>
+        <a:srgbClr val="E7E6E6"/>
+      </a:lt2>
+      <a:accent1>
+        <a:srgbClr val="4472C4"/>
+      </a:accent1>
+      <a:accent2>
+        <a:srgbClr val="ED7D31"/>
+      </a:accent2>
+      <a:accent3>
+        <a:srgbClr val="A5A5A5"/>
+      </a:accent3>
+      <a:accent4>
+        <a:srgbClr val="FFC000"/>
+      </a:accent4>
+      <a:accent5>
+        <a:srgbClr val="5B9BD5"/>
+      </a:accent5>
+      <a:accent6>
+        <a:srgbClr val="70AD47"/>
+      </a:accent6>
+      <a:hlink>
+        <a:srgbClr val="0563C1"/>
+      </a:hlink>
+      <a:folHlink>
+        <a:srgbClr val="954F72"/>
+      </a:folHlink>
+    </a:clrScheme>
+    <a:fontScheme name="Office">
+      <a:majorFont>
+        <a:latin typeface="Calibri Light" panose="020F0302020204030204"/>
+        <a:ea typeface=""/>
+        <a:cs typeface=""/>
+        <a:font script="Jpan" typeface="Yu Gothic Light"/>
+        <a:font script="Hang" typeface="맑은 고딕"/>
+        <a:font script="Hans" typeface="DengXian Light"/>
+        <a:font script="Hant" typeface="新細明體"/>
+        <a:font script="Arab" typeface="Times New Roman"/>
+        <a:font script="Hebr" typeface="Times New Roman"/>
+        <a:font script="Thai" typeface="Angsana New"/>
+        <a:font script="Ethi" typeface="Nyala"/>
+        <a:font script="Beng" typeface="Vrinda"/>
+        <a:font script="Gujr" typeface="Shruti"/>
+        <a:font script="Khmr" typeface="MoolBoran"/>
+        <a:font script="Knda" typeface="Tunga"/>
+        <a:font script="Guru" typeface="Raavi"/>
+        <a:font script="Cans" typeface="Euphemia"/>
+        <a:font script="Cher" typeface="Plantagenet Cherokee"/>
+        <a:font script="Yiii" typeface="Microsoft Yi Baiti"/>
+        <a:font script="Tibt" typeface="Microsoft Himalaya"/>
+        <a:font script="Thaa" typeface="MV Boli"/>
+        <a:font script="Deva" typeface="Mangal"/>
+        <a:font script="Telu" typeface="Gautami"/>
+        <a:font script="Taml" typeface="Latha"/>
+        <a:font script="Syrc" typeface="Estrangelo Edessa"/>
+        <a:font script="Orya" typeface="Kalinga"/>
+        <a:font script="Mlym" typeface="Kartika"/>
+        <a:font script="Laoo" typeface="DokChampa"/>
+        <a:font script="Sinh" typeface="Iskoola Pota"/>
+        <a:font script="Mong" typeface="Mongolian Baiti"/>
+        <a:font script="Viet" typeface="Times New Roman"/>
+        <a:font script="Uigh" typeface="Microsoft Uighur"/>
+        <a:font script="Geor" typeface="Sylfaen"/>
+      </a:majorFont>
+      <a:minorFont>
+        <a:latin typeface="Calibri" panose="020F0502020204030204"/>
+        <a:ea typeface=""/>
+        <a:cs typeface=""/>
+        <a:font script="Jpan" typeface="Yu Gothic"/>
+        <a:font script="Hang" typeface="맑은 고딕"/>
+        <a:font script="Hans" typeface="DengXian"/>
+        <a:font script="Hant" typeface="新細明體"/>
+        <a:font script="Arab" typeface="Arial"/>
+        <a:font script="Hebr" typeface="Arial"/>
+        <a:font script="Thai" typeface="Cordia New"/>
+        <a:font script="Ethi" typeface="Nyala"/>
+        <a:font script="Beng" typeface="Vrinda"/>
+        <a:font script="Gujr" typeface="Shruti"/>
+        <a:font script="Khmr" typeface="DaunPenh"/>
+        <a:font script="Knda" typeface="Tunga"/>
+        <a:font script="Guru" typeface="Raavi"/>
+        <a:font script="Cans" typeface="Euphemia"/>
+        <a:font script="Cher" typeface="Plantagenet Cherokee"/>
+        <a:font script="Yiii" typeface="Microsoft Yi Baiti"/>
+        <a:font script="Tibt" typeface="Microsoft Himalaya"/>
+        <a:font script="Thaa" typeface="MV Boli"/>
+        <a:font script="Deva" typeface="Mangal"/>
+        <a:font script="Telu" typeface="Gautami"/>
+        <a:font script="Taml" typeface="Latha"/>
+        <a:font script="Syrc" typeface="Estrangelo Edessa"/>
+        <a:font script="Orya" typeface="Kalinga"/>
+        <a:font script="Mlym" typeface="Kartika"/>
+        <a:font script="Laoo" typeface="DokChampa"/>
+        <a:font script="Sinh" typeface="Iskoola Pota"/>
+        <a:font script="Mong" typeface="Mongolian Baiti"/>
+        <a:font script="Viet" typeface="Arial"/>
+        <a:font script="Uigh" typeface="Microsoft Uighur"/>
+        <a:font script="Geor" typeface="Sylfaen"/>
+      </a:minorFont>
+    </a:fontScheme>
+    <a:fmtScheme name="Office">
+      <a:fillStyleLst>
+        <a:solidFill>
+          <a:schemeClr val="phClr"/>
+        </a:solidFill>
+        <a:gradFill rotWithShape="1">
+          <a:gsLst>
+            <a:gs pos="0">
+              <a:schemeClr val="phClr">
+                <a:lumMod val="110000"/>
+                <a:satMod val="105000"/>
+                <a:tint val="67000"/>
+              </a:schemeClr>
+            </a:gs>
+            <a:gs pos="50000">
+              <a:schemeClr val="phClr">
+                <a:lumMod val="105000"/>
+                <a:satMod val="103000"/>
+                <a:tint val="73000"/>
+              </a:schemeClr>
+            </a:gs>
+            <a:gs pos="100000">
+              <a:schemeClr val="phClr">
+                <a:lumMod val="105000"/>
+                <a:satMod val="109000"/>
+                <a:tint val="81000"/>
+              </a:schemeClr>
+            </a:gs>
+          </a:gsLst>
+          <a:lin ang="5400000" scaled="0"/>
+        </a:gradFill>
+        <a:gradFill rotWithShape="1">
+          <a:gsLst>
+            <a:gs pos="0">
+              <a:schemeClr val="phClr">
+                <a:satMod val="103000"/>
+                <a:lumMod val="102000"/>
+                <a:tint val="94000"/>
+              </a:schemeClr>
+            </a:gs>
+            <a:gs pos="50000">
+              <a:schemeClr val="phClr">
+                <a:satMod val="110000"/>
+                <a:lumMod val="100000"/>
+                <a:shade val="100000"/>
+              </a:schemeClr>
+            </a:gs>
+            <a:gs pos="100000">
+              <a:schemeClr val="phClr">
+                <a:lumMod val="99000"/>
+                <a:satMod val="120000"/>
+                <a:shade val="78000"/>
+              </a:schemeClr>
+            </a:gs>
+          </a:gsLst>
+          <a:lin ang="5400000" scaled="0"/>
+        </a:gradFill>
+      </a:fillStyleLst>
+      <a:lnStyleLst>
+        <a:ln w="6350" cap="flat" cmpd="sng" algn="ctr">
+          <a:solidFill>
+            <a:schemeClr val="phClr"/>
+          </a:solidFill>
+          <a:prstDash val="solid"/>
+          <a:miter lim="800000"/>
+        </a:ln>
+        <a:ln w="12700" cap="flat" cmpd="sng" algn="ctr">
+          <a:solidFill>
+            <a:schemeClr val="phClr"/>
+          </a:solidFill>
+          <a:prstDash val="solid"/>
+          <a:miter lim="800000"/>
+        </a:ln>
+        <a:ln w="19050" cap="flat" cmpd="sng" algn="ctr">
+          <a:solidFill>
+            <a:schemeClr val="phClr"/>
+          </a:solidFill>
+          <a:prstDash val="solid"/>
+          <a:miter lim="800000"/>
+        </a:ln>
+      </a:lnStyleLst>
+      <a:effectStyleLst>
+        <a:effectStyle>
+          <a:effectLst/>
+        </a:effectStyle>
+        <a:effectStyle>
+          <a:effectLst/>
+        </a:effectStyle>
+        <a:effectStyle>
+          <a:effectLst>
+            <a:outerShdw blurRad="57150" dist="19050" dir="5400000" algn="ctr" rotWithShape="0">
+              <a:srgbClr val="000000">
+                <a:alpha val="63000"/>
+              </a:srgbClr>
+            </a:outerShdw>
+          </a:effectLst>
+        </a:effectStyle>
+      </a:effectStyleLst>
+      <a:bgFillStyleLst>
+        <a:solidFill>
+          <a:schemeClr val="phClr"/>
+        </a:solidFill>
+        <a:solidFill>
+          <a:schemeClr val="phClr">
+            <a:tint val="95000"/>
+            <a:satMod val="170000"/>
+          </a:schemeClr>
+        </a:solidFill>
+        <a:gradFill rotWithShape="1">
+          <a:gsLst>
+            <a:gs pos="0">
+              <a:schemeClr val="phClr">
+                <a:tint val="93000"/>
+                <a:satMod val="150000"/>
+                <a:shade val="98000"/>
+                <a:lumMod val="102000"/>
+              </a:schemeClr>
+            </a:gs>
+            <a:gs pos="50000">
+              <a:schemeClr val="phClr">
+                <a:tint val="98000"/>
+                <a:satMod val="130000"/>
+                <a:shade val="90000"/>
+                <a:lumMod val="103000"/>
+              </a:schemeClr>
+            </a:gs>
+            <a:gs pos="100000">
+              <a:schemeClr val="phClr">
+                <a:shade val="63000"/>
+                <a:satMod val="120000"/>
+              </a:schemeClr>
+            </a:gs>
+          </a:gsLst>
+          <a:lin ang="5400000" scaled="0"/>
+        </a:gradFill>
+      </a:bgFillStyleLst>
+    </a:fmtScheme>
+  </a:themeElements>
+  <a:objectDefaults/>
+  <a:extraClrSchemeLst/>
+  <a:extLst>
+    <a:ext uri="{05A4C25C-085E-4340-85A3-A5531E510DB2}">
+      <thm15:themeFamily xmlns:thm15="http://schemas.microsoft.com/office/thememl/2012/main" name="Office Theme" id="{62F939B6-93AF-4DB8-9C6B-D6C7DFDC589F}" vid="{4A3C46E8-61CC-4603-A589-7422A47A8E4A}"/>
+    </a:ext>
+  </a:extLst>
+</a:theme>
 </file>